--- a/presentation/ParkingLotApp.pptx
+++ b/presentation/ParkingLotApp.pptx
@@ -2,21 +2,24 @@
 <file path=ppt/presentation.xml><?xml version="1.0" encoding="utf-8"?>
 <p:presentation xmlns:a="http://schemas.openxmlformats.org/drawingml/2006/main" xmlns:r="http://schemas.openxmlformats.org/officeDocument/2006/relationships" xmlns:p="http://schemas.openxmlformats.org/presentationml/2006/main" saveSubsetFonts="1" autoCompressPictures="0">
   <p:sldMasterIdLst>
-    <p:sldMasterId id="2147483648" r:id="rId1"/>
+    <p:sldMasterId id="2147483660" r:id="rId1"/>
   </p:sldMasterIdLst>
   <p:sldIdLst>
     <p:sldId id="256" r:id="rId2"/>
     <p:sldId id="257" r:id="rId3"/>
     <p:sldId id="258" r:id="rId4"/>
     <p:sldId id="259" r:id="rId5"/>
-    <p:sldId id="260" r:id="rId6"/>
-    <p:sldId id="261" r:id="rId7"/>
+    <p:sldId id="268" r:id="rId6"/>
+    <p:sldId id="269" r:id="rId7"/>
     <p:sldId id="262" r:id="rId8"/>
-    <p:sldId id="263" r:id="rId9"/>
-    <p:sldId id="264" r:id="rId10"/>
-    <p:sldId id="267" r:id="rId11"/>
+    <p:sldId id="260" r:id="rId9"/>
+    <p:sldId id="261" r:id="rId10"/>
+    <p:sldId id="263" r:id="rId11"/>
     <p:sldId id="265" r:id="rId12"/>
-    <p:sldId id="266" r:id="rId13"/>
+    <p:sldId id="270" r:id="rId13"/>
+    <p:sldId id="264" r:id="rId14"/>
+    <p:sldId id="267" r:id="rId15"/>
+    <p:sldId id="266" r:id="rId16"/>
   </p:sldIdLst>
   <p:sldSz cx="9144000" cy="6858000" type="screen4x3"/>
   <p:notesSz cx="6858000" cy="9144000"/>
@@ -135,7 +138,7 @@
 </file>
 
 <file path=ppt/slideLayouts/slideLayout1.xml><?xml version="1.0" encoding="utf-8"?>
-<p:sldLayout xmlns:a="http://schemas.openxmlformats.org/drawingml/2006/main" xmlns:r="http://schemas.openxmlformats.org/officeDocument/2006/relationships" xmlns:p="http://schemas.openxmlformats.org/presentationml/2006/main" type="title" preserve="1">
+<p:sldLayout xmlns:a="http://schemas.openxmlformats.org/drawingml/2006/main" xmlns:r="http://schemas.openxmlformats.org/officeDocument/2006/relationships" xmlns:p="http://schemas.openxmlformats.org/presentationml/2006/main" showMasterSp="0" type="title" preserve="1">
   <p:cSld name="Title Slide">
     <p:spTree>
       <p:nvGrpSpPr>
@@ -151,6 +154,328 @@
           <a:chExt cx="0" cy="0"/>
         </a:xfrm>
       </p:grpSpPr>
+      <p:grpSp>
+        <p:nvGrpSpPr>
+          <p:cNvPr id="25" name="Group 24"/>
+          <p:cNvGrpSpPr/>
+          <p:nvPr/>
+        </p:nvGrpSpPr>
+        <p:grpSpPr>
+          <a:xfrm>
+            <a:off x="203200" y="0"/>
+            <a:ext cx="3778250" cy="6858001"/>
+            <a:chOff x="203200" y="0"/>
+            <a:chExt cx="3778250" cy="6858001"/>
+          </a:xfrm>
+        </p:grpSpPr>
+        <p:sp>
+          <p:nvSpPr>
+            <p:cNvPr id="14" name="Freeform 6"/>
+            <p:cNvSpPr/>
+            <p:nvPr/>
+          </p:nvSpPr>
+          <p:spPr bwMode="auto">
+            <a:xfrm>
+              <a:off x="641350" y="0"/>
+              <a:ext cx="1365250" cy="3971925"/>
+            </a:xfrm>
+            <a:custGeom>
+              <a:avLst/>
+              <a:gdLst/>
+              <a:ahLst/>
+              <a:cxnLst/>
+              <a:rect l="0" t="0" r="r" b="b"/>
+              <a:pathLst>
+                <a:path w="860" h="2502">
+                  <a:moveTo>
+                    <a:pt x="0" y="2445"/>
+                  </a:moveTo>
+                  <a:lnTo>
+                    <a:pt x="228" y="2502"/>
+                  </a:lnTo>
+                  <a:lnTo>
+                    <a:pt x="860" y="0"/>
+                  </a:lnTo>
+                  <a:lnTo>
+                    <a:pt x="620" y="0"/>
+                  </a:lnTo>
+                  <a:lnTo>
+                    <a:pt x="0" y="2445"/>
+                  </a:lnTo>
+                  <a:close/>
+                </a:path>
+              </a:pathLst>
+            </a:custGeom>
+            <a:solidFill>
+              <a:schemeClr val="accent1"/>
+            </a:solidFill>
+            <a:ln>
+              <a:noFill/>
+            </a:ln>
+          </p:spPr>
+        </p:sp>
+        <p:sp>
+          <p:nvSpPr>
+            <p:cNvPr id="15" name="Freeform 7"/>
+            <p:cNvSpPr/>
+            <p:nvPr/>
+          </p:nvSpPr>
+          <p:spPr bwMode="auto">
+            <a:xfrm>
+              <a:off x="203200" y="0"/>
+              <a:ext cx="1336675" cy="3862388"/>
+            </a:xfrm>
+            <a:custGeom>
+              <a:avLst/>
+              <a:gdLst/>
+              <a:ahLst/>
+              <a:cxnLst/>
+              <a:rect l="0" t="0" r="r" b="b"/>
+              <a:pathLst>
+                <a:path w="842" h="2433">
+                  <a:moveTo>
+                    <a:pt x="842" y="0"/>
+                  </a:moveTo>
+                  <a:lnTo>
+                    <a:pt x="602" y="0"/>
+                  </a:lnTo>
+                  <a:lnTo>
+                    <a:pt x="0" y="2376"/>
+                  </a:lnTo>
+                  <a:lnTo>
+                    <a:pt x="228" y="2433"/>
+                  </a:lnTo>
+                  <a:lnTo>
+                    <a:pt x="842" y="0"/>
+                  </a:lnTo>
+                  <a:close/>
+                </a:path>
+              </a:pathLst>
+            </a:custGeom>
+            <a:solidFill>
+              <a:schemeClr val="tx1">
+                <a:lumMod val="65000"/>
+                <a:lumOff val="35000"/>
+              </a:schemeClr>
+            </a:solidFill>
+            <a:ln>
+              <a:noFill/>
+            </a:ln>
+          </p:spPr>
+        </p:sp>
+        <p:sp>
+          <p:nvSpPr>
+            <p:cNvPr id="16" name="Freeform 8"/>
+            <p:cNvSpPr/>
+            <p:nvPr/>
+          </p:nvSpPr>
+          <p:spPr bwMode="auto">
+            <a:xfrm>
+              <a:off x="207963" y="3776663"/>
+              <a:ext cx="1936750" cy="3081338"/>
+            </a:xfrm>
+            <a:custGeom>
+              <a:avLst/>
+              <a:gdLst/>
+              <a:ahLst/>
+              <a:cxnLst/>
+              <a:rect l="0" t="0" r="r" b="b"/>
+              <a:pathLst>
+                <a:path w="1220" h="1941">
+                  <a:moveTo>
+                    <a:pt x="0" y="0"/>
+                  </a:moveTo>
+                  <a:lnTo>
+                    <a:pt x="1166" y="1941"/>
+                  </a:lnTo>
+                  <a:lnTo>
+                    <a:pt x="1220" y="1941"/>
+                  </a:lnTo>
+                  <a:lnTo>
+                    <a:pt x="0" y="0"/>
+                  </a:lnTo>
+                  <a:close/>
+                </a:path>
+              </a:pathLst>
+            </a:custGeom>
+            <a:solidFill>
+              <a:schemeClr val="tx1">
+                <a:lumMod val="85000"/>
+                <a:lumOff val="15000"/>
+              </a:schemeClr>
+            </a:solidFill>
+            <a:ln>
+              <a:noFill/>
+            </a:ln>
+          </p:spPr>
+        </p:sp>
+        <p:sp>
+          <p:nvSpPr>
+            <p:cNvPr id="20" name="Freeform 9"/>
+            <p:cNvSpPr/>
+            <p:nvPr/>
+          </p:nvSpPr>
+          <p:spPr bwMode="auto">
+            <a:xfrm>
+              <a:off x="646113" y="3886200"/>
+              <a:ext cx="2373313" cy="2971800"/>
+            </a:xfrm>
+            <a:custGeom>
+              <a:avLst/>
+              <a:gdLst/>
+              <a:ahLst/>
+              <a:cxnLst/>
+              <a:rect l="0" t="0" r="r" b="b"/>
+              <a:pathLst>
+                <a:path w="1495" h="1872">
+                  <a:moveTo>
+                    <a:pt x="1495" y="1872"/>
+                  </a:moveTo>
+                  <a:lnTo>
+                    <a:pt x="0" y="0"/>
+                  </a:lnTo>
+                  <a:lnTo>
+                    <a:pt x="1442" y="1872"/>
+                  </a:lnTo>
+                  <a:lnTo>
+                    <a:pt x="1495" y="1872"/>
+                  </a:lnTo>
+                  <a:close/>
+                </a:path>
+              </a:pathLst>
+            </a:custGeom>
+            <a:solidFill>
+              <a:schemeClr val="accent1">
+                <a:lumMod val="50000"/>
+              </a:schemeClr>
+            </a:solidFill>
+            <a:ln>
+              <a:noFill/>
+            </a:ln>
+          </p:spPr>
+        </p:sp>
+        <p:sp>
+          <p:nvSpPr>
+            <p:cNvPr id="21" name="Freeform 10"/>
+            <p:cNvSpPr/>
+            <p:nvPr/>
+          </p:nvSpPr>
+          <p:spPr bwMode="auto">
+            <a:xfrm>
+              <a:off x="641350" y="3881438"/>
+              <a:ext cx="3340100" cy="2976563"/>
+            </a:xfrm>
+            <a:custGeom>
+              <a:avLst/>
+              <a:gdLst/>
+              <a:ahLst/>
+              <a:cxnLst/>
+              <a:rect l="0" t="0" r="r" b="b"/>
+              <a:pathLst>
+                <a:path w="2104" h="1875">
+                  <a:moveTo>
+                    <a:pt x="0" y="0"/>
+                  </a:moveTo>
+                  <a:lnTo>
+                    <a:pt x="3" y="3"/>
+                  </a:lnTo>
+                  <a:lnTo>
+                    <a:pt x="1498" y="1875"/>
+                  </a:lnTo>
+                  <a:lnTo>
+                    <a:pt x="2104" y="1875"/>
+                  </a:lnTo>
+                  <a:lnTo>
+                    <a:pt x="228" y="57"/>
+                  </a:lnTo>
+                  <a:lnTo>
+                    <a:pt x="0" y="0"/>
+                  </a:lnTo>
+                  <a:close/>
+                </a:path>
+              </a:pathLst>
+            </a:custGeom>
+            <a:solidFill>
+              <a:schemeClr val="accent1">
+                <a:lumMod val="75000"/>
+              </a:schemeClr>
+            </a:solidFill>
+            <a:ln>
+              <a:noFill/>
+            </a:ln>
+          </p:spPr>
+        </p:sp>
+        <p:sp>
+          <p:nvSpPr>
+            <p:cNvPr id="22" name="Freeform 11"/>
+            <p:cNvSpPr/>
+            <p:nvPr/>
+          </p:nvSpPr>
+          <p:spPr bwMode="auto">
+            <a:xfrm>
+              <a:off x="203200" y="3771900"/>
+              <a:ext cx="2660650" cy="3086100"/>
+            </a:xfrm>
+            <a:custGeom>
+              <a:avLst/>
+              <a:gdLst/>
+              <a:ahLst/>
+              <a:cxnLst/>
+              <a:rect l="0" t="0" r="r" b="b"/>
+              <a:pathLst>
+                <a:path w="1676" h="1944">
+                  <a:moveTo>
+                    <a:pt x="1676" y="1944"/>
+                  </a:moveTo>
+                  <a:lnTo>
+                    <a:pt x="264" y="111"/>
+                  </a:lnTo>
+                  <a:lnTo>
+                    <a:pt x="225" y="60"/>
+                  </a:lnTo>
+                  <a:lnTo>
+                    <a:pt x="228" y="60"/>
+                  </a:lnTo>
+                  <a:lnTo>
+                    <a:pt x="264" y="111"/>
+                  </a:lnTo>
+                  <a:lnTo>
+                    <a:pt x="234" y="69"/>
+                  </a:lnTo>
+                  <a:lnTo>
+                    <a:pt x="228" y="57"/>
+                  </a:lnTo>
+                  <a:lnTo>
+                    <a:pt x="222" y="54"/>
+                  </a:lnTo>
+                  <a:lnTo>
+                    <a:pt x="0" y="0"/>
+                  </a:lnTo>
+                  <a:lnTo>
+                    <a:pt x="3" y="3"/>
+                  </a:lnTo>
+                  <a:lnTo>
+                    <a:pt x="1223" y="1944"/>
+                  </a:lnTo>
+                  <a:lnTo>
+                    <a:pt x="1676" y="1944"/>
+                  </a:lnTo>
+                  <a:close/>
+                </a:path>
+              </a:pathLst>
+            </a:custGeom>
+            <a:solidFill>
+              <a:schemeClr val="tx1">
+                <a:lumMod val="75000"/>
+                <a:lumOff val="25000"/>
+              </a:schemeClr>
+            </a:solidFill>
+            <a:ln>
+              <a:noFill/>
+            </a:ln>
+          </p:spPr>
+        </p:sp>
+      </p:grpSp>
       <p:sp>
         <p:nvSpPr>
           <p:cNvPr id="2" name="Title 1"/>
@@ -163,18 +488,27 @@
         </p:nvSpPr>
         <p:spPr>
           <a:xfrm>
-            <a:off x="685800" y="2130425"/>
-            <a:ext cx="7772400" cy="1470025"/>
+            <a:off x="1739673" y="914401"/>
+            <a:ext cx="6947127" cy="3488266"/>
           </a:xfrm>
         </p:spPr>
         <p:txBody>
-          <a:bodyPr/>
-          <a:lstStyle/>
+          <a:bodyPr anchor="b">
+            <a:normAutofit/>
+          </a:bodyPr>
+          <a:lstStyle>
+            <a:lvl1pPr algn="r">
+              <a:defRPr sz="5400">
+                <a:effectLst/>
+              </a:defRPr>
+            </a:lvl1pPr>
+          </a:lstStyle>
           <a:p>
             <a:r>
               <a:rPr lang="en-US"/>
               <a:t>Click to edit Master title style</a:t>
             </a:r>
+            <a:endParaRPr lang="en-US" dirty="0"/>
           </a:p>
         </p:txBody>
       </p:sp>
@@ -190,14 +524,24 @@
         </p:nvSpPr>
         <p:spPr>
           <a:xfrm>
-            <a:off x="1371600" y="3886200"/>
-            <a:ext cx="6400800" cy="1752600"/>
+            <a:off x="2924238" y="4402666"/>
+            <a:ext cx="5762563" cy="1364531"/>
           </a:xfrm>
         </p:spPr>
         <p:txBody>
-          <a:bodyPr/>
+          <a:bodyPr anchor="t">
+            <a:normAutofit/>
+          </a:bodyPr>
           <a:lstStyle>
-            <a:lvl1pPr marL="0" indent="0" algn="ctr">
+            <a:lvl1pPr marL="0" indent="0" algn="r">
+              <a:buNone/>
+              <a:defRPr sz="1800">
+                <a:solidFill>
+                  <a:schemeClr val="tx1"/>
+                </a:solidFill>
+              </a:defRPr>
+            </a:lvl1pPr>
+            <a:lvl2pPr marL="457200" indent="0" algn="ctr">
               <a:buNone/>
               <a:defRPr>
                 <a:solidFill>
@@ -206,8 +550,8 @@
                   </a:schemeClr>
                 </a:solidFill>
               </a:defRPr>
-            </a:lvl1pPr>
-            <a:lvl2pPr marL="457200" indent="0" algn="ctr">
+            </a:lvl2pPr>
+            <a:lvl3pPr marL="914400" indent="0" algn="ctr">
               <a:buNone/>
               <a:defRPr>
                 <a:solidFill>
@@ -216,8 +560,8 @@
                   </a:schemeClr>
                 </a:solidFill>
               </a:defRPr>
-            </a:lvl2pPr>
-            <a:lvl3pPr marL="914400" indent="0" algn="ctr">
+            </a:lvl3pPr>
+            <a:lvl4pPr marL="1371600" indent="0" algn="ctr">
               <a:buNone/>
               <a:defRPr>
                 <a:solidFill>
@@ -226,8 +570,8 @@
                   </a:schemeClr>
                 </a:solidFill>
               </a:defRPr>
-            </a:lvl3pPr>
-            <a:lvl4pPr marL="1371600" indent="0" algn="ctr">
+            </a:lvl4pPr>
+            <a:lvl5pPr marL="1828800" indent="0" algn="ctr">
               <a:buNone/>
               <a:defRPr>
                 <a:solidFill>
@@ -236,8 +580,8 @@
                   </a:schemeClr>
                 </a:solidFill>
               </a:defRPr>
-            </a:lvl4pPr>
-            <a:lvl5pPr marL="1828800" indent="0" algn="ctr">
+            </a:lvl5pPr>
+            <a:lvl6pPr marL="2286000" indent="0" algn="ctr">
               <a:buNone/>
               <a:defRPr>
                 <a:solidFill>
@@ -246,8 +590,8 @@
                   </a:schemeClr>
                 </a:solidFill>
               </a:defRPr>
-            </a:lvl5pPr>
-            <a:lvl6pPr marL="2286000" indent="0" algn="ctr">
+            </a:lvl6pPr>
+            <a:lvl7pPr marL="2743200" indent="0" algn="ctr">
               <a:buNone/>
               <a:defRPr>
                 <a:solidFill>
@@ -256,8 +600,8 @@
                   </a:schemeClr>
                 </a:solidFill>
               </a:defRPr>
-            </a:lvl6pPr>
-            <a:lvl7pPr marL="2743200" indent="0" algn="ctr">
+            </a:lvl7pPr>
+            <a:lvl8pPr marL="3200400" indent="0" algn="ctr">
               <a:buNone/>
               <a:defRPr>
                 <a:solidFill>
@@ -266,8 +610,8 @@
                   </a:schemeClr>
                 </a:solidFill>
               </a:defRPr>
-            </a:lvl7pPr>
-            <a:lvl8pPr marL="3200400" indent="0" algn="ctr">
+            </a:lvl8pPr>
+            <a:lvl9pPr marL="3657600" indent="0" algn="ctr">
               <a:buNone/>
               <a:defRPr>
                 <a:solidFill>
@@ -276,16 +620,6 @@
                   </a:schemeClr>
                 </a:solidFill>
               </a:defRPr>
-            </a:lvl8pPr>
-            <a:lvl9pPr marL="3657600" indent="0" algn="ctr">
-              <a:buNone/>
-              <a:defRPr>
-                <a:solidFill>
-                  <a:schemeClr val="tx1">
-                    <a:tint val="75000"/>
-                  </a:schemeClr>
-                </a:solidFill>
-              </a:defRPr>
             </a:lvl9pPr>
           </a:lstStyle>
           <a:p>
@@ -293,6 +627,7 @@
               <a:rPr lang="en-US"/>
               <a:t>Click to edit Master subtitle style</a:t>
             </a:r>
+            <a:endParaRPr lang="en-US" dirty="0"/>
           </a:p>
         </p:txBody>
       </p:sp>
@@ -306,7 +641,12 @@
             <p:ph type="dt" sz="half" idx="10"/>
           </p:nvPr>
         </p:nvSpPr>
-        <p:spPr/>
+        <p:spPr>
+          <a:xfrm>
+            <a:off x="7325773" y="6117336"/>
+            <a:ext cx="857473" cy="365125"/>
+          </a:xfrm>
+        </p:spPr>
         <p:txBody>
           <a:bodyPr/>
           <a:lstStyle/>
@@ -329,7 +669,12 @@
             <p:ph type="ftr" sz="quarter" idx="11"/>
           </p:nvPr>
         </p:nvSpPr>
-        <p:spPr/>
+        <p:spPr>
+          <a:xfrm>
+            <a:off x="3623733" y="6117336"/>
+            <a:ext cx="3609438" cy="365125"/>
+          </a:xfrm>
+        </p:spPr>
         <p:txBody>
           <a:bodyPr/>
           <a:lstStyle/>
@@ -348,7 +693,12 @@
             <p:ph type="sldNum" sz="quarter" idx="12"/>
           </p:nvPr>
         </p:nvSpPr>
-        <p:spPr/>
+        <p:spPr>
+          <a:xfrm>
+            <a:off x="8275320" y="6117336"/>
+            <a:ext cx="411480" cy="365125"/>
+          </a:xfrm>
+        </p:spPr>
         <p:txBody>
           <a:bodyPr/>
           <a:lstStyle/>
@@ -361,10 +711,120 @@
           </a:p>
         </p:txBody>
       </p:sp>
+      <p:sp>
+        <p:nvSpPr>
+          <p:cNvPr id="23" name="Freeform 12"/>
+          <p:cNvSpPr/>
+          <p:nvPr/>
+        </p:nvSpPr>
+        <p:spPr bwMode="auto">
+          <a:xfrm>
+            <a:off x="203200" y="3771900"/>
+            <a:ext cx="361950" cy="90488"/>
+          </a:xfrm>
+          <a:custGeom>
+            <a:avLst/>
+            <a:gdLst/>
+            <a:ahLst/>
+            <a:cxnLst/>
+            <a:rect l="0" t="0" r="r" b="b"/>
+            <a:pathLst>
+              <a:path w="228" h="57">
+                <a:moveTo>
+                  <a:pt x="228" y="57"/>
+                </a:moveTo>
+                <a:lnTo>
+                  <a:pt x="0" y="0"/>
+                </a:lnTo>
+                <a:lnTo>
+                  <a:pt x="222" y="54"/>
+                </a:lnTo>
+                <a:lnTo>
+                  <a:pt x="228" y="57"/>
+                </a:lnTo>
+                <a:close/>
+              </a:path>
+            </a:pathLst>
+          </a:custGeom>
+          <a:solidFill>
+            <a:srgbClr val="29ABE2"/>
+          </a:solidFill>
+          <a:ln>
+            <a:noFill/>
+          </a:ln>
+          <a:extLst>
+            <a:ext uri="{91240B29-F687-4f45-9708-019B960494DF}">
+              <a14:hiddenLine xmlns:a14="http://schemas.microsoft.com/office/drawing/2010/main" xmlns="" w="9525">
+                <a:solidFill>
+                  <a:srgbClr val="000000"/>
+                </a:solidFill>
+                <a:round/>
+                <a:headEnd/>
+                <a:tailEnd/>
+              </a14:hiddenLine>
+            </a:ext>
+          </a:extLst>
+        </p:spPr>
+      </p:sp>
+      <p:sp>
+        <p:nvSpPr>
+          <p:cNvPr id="24" name="Freeform 13"/>
+          <p:cNvSpPr/>
+          <p:nvPr/>
+        </p:nvSpPr>
+        <p:spPr bwMode="auto">
+          <a:xfrm>
+            <a:off x="560388" y="3867150"/>
+            <a:ext cx="61913" cy="80963"/>
+          </a:xfrm>
+          <a:custGeom>
+            <a:avLst/>
+            <a:gdLst/>
+            <a:ahLst/>
+            <a:cxnLst/>
+            <a:rect l="0" t="0" r="r" b="b"/>
+            <a:pathLst>
+              <a:path w="39" h="51">
+                <a:moveTo>
+                  <a:pt x="0" y="0"/>
+                </a:moveTo>
+                <a:lnTo>
+                  <a:pt x="39" y="51"/>
+                </a:lnTo>
+                <a:lnTo>
+                  <a:pt x="3" y="0"/>
+                </a:lnTo>
+                <a:lnTo>
+                  <a:pt x="0" y="0"/>
+                </a:lnTo>
+                <a:close/>
+              </a:path>
+            </a:pathLst>
+          </a:custGeom>
+          <a:solidFill>
+            <a:srgbClr val="29ABE2"/>
+          </a:solidFill>
+          <a:ln>
+            <a:noFill/>
+          </a:ln>
+          <a:extLst>
+            <a:ext uri="{91240B29-F687-4f45-9708-019B960494DF}">
+              <a14:hiddenLine xmlns:a14="http://schemas.microsoft.com/office/drawing/2010/main" xmlns="" w="9525">
+                <a:solidFill>
+                  <a:srgbClr val="000000"/>
+                </a:solidFill>
+                <a:round/>
+                <a:headEnd/>
+                <a:tailEnd/>
+              </a14:hiddenLine>
+            </a:ext>
+          </a:extLst>
+        </p:spPr>
+      </p:sp>
     </p:spTree>
     <p:extLst>
       <p:ext uri="{BB962C8B-B14F-4D97-AF65-F5344CB8AC3E}">
-        <p14:creationId xmlns:p14="http://schemas.microsoft.com/office/powerpoint/2010/main" val="3168075583"/>
+        <p14:creationId xmlns:p14="http://schemas.microsoft.com/office/powerpoint/2010/main" val="1000148776"/>
       </p:ext>
     </p:extLst>
   </p:cSld>
@@ -375,6 +835,2162 @@
 </file>
 
 <file path=ppt/slideLayouts/slideLayout10.xml><?xml version="1.0" encoding="utf-8"?>
+<p:sldLayout xmlns:a="http://schemas.openxmlformats.org/drawingml/2006/main" xmlns:r="http://schemas.openxmlformats.org/officeDocument/2006/relationships" xmlns:p="http://schemas.openxmlformats.org/presentationml/2006/main" preserve="1">
+  <p:cSld name="Panoramic Picture with Caption">
+    <p:spTree>
+      <p:nvGrpSpPr>
+        <p:cNvPr id="1" name=""/>
+        <p:cNvGrpSpPr/>
+        <p:nvPr/>
+      </p:nvGrpSpPr>
+      <p:grpSpPr>
+        <a:xfrm>
+          <a:off x="0" y="0"/>
+          <a:ext cx="0" cy="0"/>
+          <a:chOff x="0" y="0"/>
+          <a:chExt cx="0" cy="0"/>
+        </a:xfrm>
+      </p:grpSpPr>
+      <p:sp>
+        <p:nvSpPr>
+          <p:cNvPr id="2" name="Title 1"/>
+          <p:cNvSpPr>
+            <a:spLocks noGrp="1"/>
+          </p:cNvSpPr>
+          <p:nvPr>
+            <p:ph type="title"/>
+          </p:nvPr>
+        </p:nvSpPr>
+        <p:spPr>
+          <a:xfrm>
+            <a:off x="1113523" y="4732865"/>
+            <a:ext cx="7515991" cy="566738"/>
+          </a:xfrm>
+        </p:spPr>
+        <p:txBody>
+          <a:bodyPr anchor="b">
+            <a:normAutofit/>
+          </a:bodyPr>
+          <a:lstStyle>
+            <a:lvl1pPr algn="ctr">
+              <a:defRPr sz="2400" b="0"/>
+            </a:lvl1pPr>
+          </a:lstStyle>
+          <a:p>
+            <a:r>
+              <a:rPr lang="en-US"/>
+              <a:t>Click to edit Master title style</a:t>
+            </a:r>
+            <a:endParaRPr lang="en-US" dirty="0"/>
+          </a:p>
+        </p:txBody>
+      </p:sp>
+      <p:sp>
+        <p:nvSpPr>
+          <p:cNvPr id="3" name="Picture Placeholder 2"/>
+          <p:cNvSpPr>
+            <a:spLocks noGrp="1" noChangeAspect="1"/>
+          </p:cNvSpPr>
+          <p:nvPr>
+            <p:ph type="pic" idx="1"/>
+          </p:nvPr>
+        </p:nvSpPr>
+        <p:spPr>
+          <a:xfrm>
+            <a:off x="1789975" y="932112"/>
+            <a:ext cx="6171065" cy="3164976"/>
+          </a:xfrm>
+          <a:prstGeom prst="roundRect">
+            <a:avLst>
+              <a:gd name="adj" fmla="val 4380"/>
+            </a:avLst>
+          </a:prstGeom>
+          <a:ln w="38100">
+            <a:gradFill flip="none" rotWithShape="1">
+              <a:gsLst>
+                <a:gs pos="0">
+                  <a:schemeClr val="bg2"/>
+                </a:gs>
+                <a:gs pos="100000">
+                  <a:schemeClr val="bg2">
+                    <a:lumMod val="75000"/>
+                  </a:schemeClr>
+                </a:gs>
+              </a:gsLst>
+              <a:lin ang="5400000" scaled="0"/>
+              <a:tileRect/>
+            </a:gradFill>
+          </a:ln>
+          <a:effectLst>
+            <a:innerShdw blurRad="57150" dist="38100" dir="14460000">
+              <a:srgbClr val="000000">
+                <a:alpha val="70000"/>
+              </a:srgbClr>
+            </a:innerShdw>
+          </a:effectLst>
+        </p:spPr>
+        <p:txBody>
+          <a:bodyPr anchor="t">
+            <a:normAutofit/>
+          </a:bodyPr>
+          <a:lstStyle>
+            <a:lvl1pPr marL="0" indent="0" algn="ctr">
+              <a:buNone/>
+              <a:defRPr sz="1600"/>
+            </a:lvl1pPr>
+            <a:lvl2pPr marL="457200" indent="0">
+              <a:buNone/>
+              <a:defRPr sz="1600"/>
+            </a:lvl2pPr>
+            <a:lvl3pPr marL="914400" indent="0">
+              <a:buNone/>
+              <a:defRPr sz="1600"/>
+            </a:lvl3pPr>
+            <a:lvl4pPr marL="1371600" indent="0">
+              <a:buNone/>
+              <a:defRPr sz="1600"/>
+            </a:lvl4pPr>
+            <a:lvl5pPr marL="1828800" indent="0">
+              <a:buNone/>
+              <a:defRPr sz="1600"/>
+            </a:lvl5pPr>
+            <a:lvl6pPr marL="2286000" indent="0">
+              <a:buNone/>
+              <a:defRPr sz="1600"/>
+            </a:lvl6pPr>
+            <a:lvl7pPr marL="2743200" indent="0">
+              <a:buNone/>
+              <a:defRPr sz="1600"/>
+            </a:lvl7pPr>
+            <a:lvl8pPr marL="3200400" indent="0">
+              <a:buNone/>
+              <a:defRPr sz="1600"/>
+            </a:lvl8pPr>
+            <a:lvl9pPr marL="3657600" indent="0">
+              <a:buNone/>
+              <a:defRPr sz="1600"/>
+            </a:lvl9pPr>
+          </a:lstStyle>
+          <a:p>
+            <a:r>
+              <a:rPr lang="en-US"/>
+              <a:t>Click icon to add picture</a:t>
+            </a:r>
+            <a:endParaRPr lang="en-US" dirty="0"/>
+          </a:p>
+        </p:txBody>
+      </p:sp>
+      <p:sp>
+        <p:nvSpPr>
+          <p:cNvPr id="4" name="Text Placeholder 3"/>
+          <p:cNvSpPr>
+            <a:spLocks noGrp="1"/>
+          </p:cNvSpPr>
+          <p:nvPr>
+            <p:ph type="body" sz="half" idx="2"/>
+          </p:nvPr>
+        </p:nvSpPr>
+        <p:spPr>
+          <a:xfrm>
+            <a:off x="1113523" y="5299603"/>
+            <a:ext cx="7515991" cy="493712"/>
+          </a:xfrm>
+        </p:spPr>
+        <p:txBody>
+          <a:bodyPr>
+            <a:normAutofit/>
+          </a:bodyPr>
+          <a:lstStyle>
+            <a:lvl1pPr marL="0" indent="0" algn="ctr">
+              <a:buNone/>
+              <a:defRPr sz="1400"/>
+            </a:lvl1pPr>
+            <a:lvl2pPr marL="457200" indent="0">
+              <a:buNone/>
+              <a:defRPr sz="1200"/>
+            </a:lvl2pPr>
+            <a:lvl3pPr marL="914400" indent="0">
+              <a:buNone/>
+              <a:defRPr sz="1000"/>
+            </a:lvl3pPr>
+            <a:lvl4pPr marL="1371600" indent="0">
+              <a:buNone/>
+              <a:defRPr sz="900"/>
+            </a:lvl4pPr>
+            <a:lvl5pPr marL="1828800" indent="0">
+              <a:buNone/>
+              <a:defRPr sz="900"/>
+            </a:lvl5pPr>
+            <a:lvl6pPr marL="2286000" indent="0">
+              <a:buNone/>
+              <a:defRPr sz="900"/>
+            </a:lvl6pPr>
+            <a:lvl7pPr marL="2743200" indent="0">
+              <a:buNone/>
+              <a:defRPr sz="900"/>
+            </a:lvl7pPr>
+            <a:lvl8pPr marL="3200400" indent="0">
+              <a:buNone/>
+              <a:defRPr sz="900"/>
+            </a:lvl8pPr>
+            <a:lvl9pPr marL="3657600" indent="0">
+              <a:buNone/>
+              <a:defRPr sz="900"/>
+            </a:lvl9pPr>
+          </a:lstStyle>
+          <a:p>
+            <a:pPr lvl="0"/>
+            <a:r>
+              <a:rPr lang="en-US"/>
+              <a:t>Click to edit Master text styles</a:t>
+            </a:r>
+          </a:p>
+        </p:txBody>
+      </p:sp>
+      <p:sp>
+        <p:nvSpPr>
+          <p:cNvPr id="5" name="Date Placeholder 4"/>
+          <p:cNvSpPr>
+            <a:spLocks noGrp="1"/>
+          </p:cNvSpPr>
+          <p:nvPr>
+            <p:ph type="dt" sz="half" idx="10"/>
+          </p:nvPr>
+        </p:nvSpPr>
+        <p:spPr/>
+        <p:txBody>
+          <a:bodyPr/>
+          <a:lstStyle/>
+          <a:p>
+            <a:fld id="{5BCAD085-E8A6-8845-BD4E-CB4CCA059FC4}" type="datetimeFigureOut">
+              <a:rPr lang="en-US" smtClean="0"/>
+              <a:t>6/25/2025</a:t>
+            </a:fld>
+            <a:endParaRPr lang="en-US"/>
+          </a:p>
+        </p:txBody>
+      </p:sp>
+      <p:sp>
+        <p:nvSpPr>
+          <p:cNvPr id="6" name="Footer Placeholder 5"/>
+          <p:cNvSpPr>
+            <a:spLocks noGrp="1"/>
+          </p:cNvSpPr>
+          <p:nvPr>
+            <p:ph type="ftr" sz="quarter" idx="11"/>
+          </p:nvPr>
+        </p:nvSpPr>
+        <p:spPr/>
+        <p:txBody>
+          <a:bodyPr/>
+          <a:lstStyle/>
+          <a:p>
+            <a:endParaRPr lang="en-US"/>
+          </a:p>
+        </p:txBody>
+      </p:sp>
+      <p:sp>
+        <p:nvSpPr>
+          <p:cNvPr id="7" name="Slide Number Placeholder 6"/>
+          <p:cNvSpPr>
+            <a:spLocks noGrp="1"/>
+          </p:cNvSpPr>
+          <p:nvPr>
+            <p:ph type="sldNum" sz="quarter" idx="12"/>
+          </p:nvPr>
+        </p:nvSpPr>
+        <p:spPr/>
+        <p:txBody>
+          <a:bodyPr/>
+          <a:lstStyle/>
+          <a:p>
+            <a:fld id="{C1FF6DA9-008F-8B48-92A6-B652298478BF}" type="slidenum">
+              <a:rPr lang="en-US" smtClean="0"/>
+              <a:t>‹#›</a:t>
+            </a:fld>
+            <a:endParaRPr lang="en-US"/>
+          </a:p>
+        </p:txBody>
+      </p:sp>
+    </p:spTree>
+    <p:extLst>
+      <p:ext uri="{BB962C8B-B14F-4D97-AF65-F5344CB8AC3E}">
+        <p14:creationId xmlns:p14="http://schemas.microsoft.com/office/powerpoint/2010/main" val="1154623797"/>
+      </p:ext>
+    </p:extLst>
+  </p:cSld>
+  <p:clrMapOvr>
+    <a:masterClrMapping/>
+  </p:clrMapOvr>
+</p:sldLayout>
+</file>
+
+<file path=ppt/slideLayouts/slideLayout11.xml><?xml version="1.0" encoding="utf-8"?>
+<p:sldLayout xmlns:a="http://schemas.openxmlformats.org/drawingml/2006/main" xmlns:r="http://schemas.openxmlformats.org/officeDocument/2006/relationships" xmlns:p="http://schemas.openxmlformats.org/presentationml/2006/main" preserve="1">
+  <p:cSld name="Title and Caption">
+    <p:spTree>
+      <p:nvGrpSpPr>
+        <p:cNvPr id="1" name=""/>
+        <p:cNvGrpSpPr/>
+        <p:nvPr/>
+      </p:nvGrpSpPr>
+      <p:grpSpPr>
+        <a:xfrm>
+          <a:off x="0" y="0"/>
+          <a:ext cx="0" cy="0"/>
+          <a:chOff x="0" y="0"/>
+          <a:chExt cx="0" cy="0"/>
+        </a:xfrm>
+      </p:grpSpPr>
+      <p:sp>
+        <p:nvSpPr>
+          <p:cNvPr id="2" name="Title 1"/>
+          <p:cNvSpPr>
+            <a:spLocks noGrp="1"/>
+          </p:cNvSpPr>
+          <p:nvPr>
+            <p:ph type="title"/>
+          </p:nvPr>
+        </p:nvSpPr>
+        <p:spPr>
+          <a:xfrm>
+            <a:off x="1113524" y="685800"/>
+            <a:ext cx="7515991" cy="3048000"/>
+          </a:xfrm>
+        </p:spPr>
+        <p:txBody>
+          <a:bodyPr anchor="ctr">
+            <a:normAutofit/>
+          </a:bodyPr>
+          <a:lstStyle>
+            <a:lvl1pPr algn="ctr">
+              <a:defRPr sz="3200" b="0" cap="none"/>
+            </a:lvl1pPr>
+          </a:lstStyle>
+          <a:p>
+            <a:r>
+              <a:rPr lang="en-US"/>
+              <a:t>Click to edit Master title style</a:t>
+            </a:r>
+            <a:endParaRPr lang="en-US" dirty="0"/>
+          </a:p>
+        </p:txBody>
+      </p:sp>
+      <p:sp>
+        <p:nvSpPr>
+          <p:cNvPr id="3" name="Text Placeholder 2"/>
+          <p:cNvSpPr>
+            <a:spLocks noGrp="1"/>
+          </p:cNvSpPr>
+          <p:nvPr>
+            <p:ph type="body" idx="1"/>
+          </p:nvPr>
+        </p:nvSpPr>
+        <p:spPr>
+          <a:xfrm>
+            <a:off x="1113524" y="4343400"/>
+            <a:ext cx="7515992" cy="1447800"/>
+          </a:xfrm>
+        </p:spPr>
+        <p:txBody>
+          <a:bodyPr anchor="ctr">
+            <a:normAutofit/>
+          </a:bodyPr>
+          <a:lstStyle>
+            <a:lvl1pPr marL="0" indent="0" algn="ctr">
+              <a:buNone/>
+              <a:defRPr sz="2000">
+                <a:solidFill>
+                  <a:schemeClr val="tx1"/>
+                </a:solidFill>
+              </a:defRPr>
+            </a:lvl1pPr>
+            <a:lvl2pPr marL="457200" indent="0">
+              <a:buNone/>
+              <a:defRPr sz="1800">
+                <a:solidFill>
+                  <a:schemeClr val="tx1">
+                    <a:tint val="75000"/>
+                  </a:schemeClr>
+                </a:solidFill>
+              </a:defRPr>
+            </a:lvl2pPr>
+            <a:lvl3pPr marL="914400" indent="0">
+              <a:buNone/>
+              <a:defRPr sz="1600">
+                <a:solidFill>
+                  <a:schemeClr val="tx1">
+                    <a:tint val="75000"/>
+                  </a:schemeClr>
+                </a:solidFill>
+              </a:defRPr>
+            </a:lvl3pPr>
+            <a:lvl4pPr marL="1371600" indent="0">
+              <a:buNone/>
+              <a:defRPr sz="1400">
+                <a:solidFill>
+                  <a:schemeClr val="tx1">
+                    <a:tint val="75000"/>
+                  </a:schemeClr>
+                </a:solidFill>
+              </a:defRPr>
+            </a:lvl4pPr>
+            <a:lvl5pPr marL="1828800" indent="0">
+              <a:buNone/>
+              <a:defRPr sz="1400">
+                <a:solidFill>
+                  <a:schemeClr val="tx1">
+                    <a:tint val="75000"/>
+                  </a:schemeClr>
+                </a:solidFill>
+              </a:defRPr>
+            </a:lvl5pPr>
+            <a:lvl6pPr marL="2286000" indent="0">
+              <a:buNone/>
+              <a:defRPr sz="1400">
+                <a:solidFill>
+                  <a:schemeClr val="tx1">
+                    <a:tint val="75000"/>
+                  </a:schemeClr>
+                </a:solidFill>
+              </a:defRPr>
+            </a:lvl6pPr>
+            <a:lvl7pPr marL="2743200" indent="0">
+              <a:buNone/>
+              <a:defRPr sz="1400">
+                <a:solidFill>
+                  <a:schemeClr val="tx1">
+                    <a:tint val="75000"/>
+                  </a:schemeClr>
+                </a:solidFill>
+              </a:defRPr>
+            </a:lvl7pPr>
+            <a:lvl8pPr marL="3200400" indent="0">
+              <a:buNone/>
+              <a:defRPr sz="1400">
+                <a:solidFill>
+                  <a:schemeClr val="tx1">
+                    <a:tint val="75000"/>
+                  </a:schemeClr>
+                </a:solidFill>
+              </a:defRPr>
+            </a:lvl8pPr>
+            <a:lvl9pPr marL="3657600" indent="0">
+              <a:buNone/>
+              <a:defRPr sz="1400">
+                <a:solidFill>
+                  <a:schemeClr val="tx1">
+                    <a:tint val="75000"/>
+                  </a:schemeClr>
+                </a:solidFill>
+              </a:defRPr>
+            </a:lvl9pPr>
+          </a:lstStyle>
+          <a:p>
+            <a:pPr lvl="0"/>
+            <a:r>
+              <a:rPr lang="en-US"/>
+              <a:t>Click to edit Master text styles</a:t>
+            </a:r>
+          </a:p>
+        </p:txBody>
+      </p:sp>
+      <p:sp>
+        <p:nvSpPr>
+          <p:cNvPr id="4" name="Date Placeholder 3"/>
+          <p:cNvSpPr>
+            <a:spLocks noGrp="1"/>
+          </p:cNvSpPr>
+          <p:nvPr>
+            <p:ph type="dt" sz="half" idx="10"/>
+          </p:nvPr>
+        </p:nvSpPr>
+        <p:spPr/>
+        <p:txBody>
+          <a:bodyPr/>
+          <a:lstStyle/>
+          <a:p>
+            <a:fld id="{5BCAD085-E8A6-8845-BD4E-CB4CCA059FC4}" type="datetimeFigureOut">
+              <a:rPr lang="en-US" smtClean="0"/>
+              <a:t>6/25/2025</a:t>
+            </a:fld>
+            <a:endParaRPr lang="en-US"/>
+          </a:p>
+        </p:txBody>
+      </p:sp>
+      <p:sp>
+        <p:nvSpPr>
+          <p:cNvPr id="5" name="Footer Placeholder 4"/>
+          <p:cNvSpPr>
+            <a:spLocks noGrp="1"/>
+          </p:cNvSpPr>
+          <p:nvPr>
+            <p:ph type="ftr" sz="quarter" idx="11"/>
+          </p:nvPr>
+        </p:nvSpPr>
+        <p:spPr/>
+        <p:txBody>
+          <a:bodyPr/>
+          <a:lstStyle/>
+          <a:p>
+            <a:endParaRPr lang="en-US"/>
+          </a:p>
+        </p:txBody>
+      </p:sp>
+      <p:sp>
+        <p:nvSpPr>
+          <p:cNvPr id="6" name="Slide Number Placeholder 5"/>
+          <p:cNvSpPr>
+            <a:spLocks noGrp="1"/>
+          </p:cNvSpPr>
+          <p:nvPr>
+            <p:ph type="sldNum" sz="quarter" idx="12"/>
+          </p:nvPr>
+        </p:nvSpPr>
+        <p:spPr/>
+        <p:txBody>
+          <a:bodyPr/>
+          <a:lstStyle/>
+          <a:p>
+            <a:fld id="{C1FF6DA9-008F-8B48-92A6-B652298478BF}" type="slidenum">
+              <a:rPr lang="en-US" smtClean="0"/>
+              <a:t>‹#›</a:t>
+            </a:fld>
+            <a:endParaRPr lang="en-US"/>
+          </a:p>
+        </p:txBody>
+      </p:sp>
+    </p:spTree>
+    <p:extLst>
+      <p:ext uri="{BB962C8B-B14F-4D97-AF65-F5344CB8AC3E}">
+        <p14:creationId xmlns:p14="http://schemas.microsoft.com/office/powerpoint/2010/main" val="2906999835"/>
+      </p:ext>
+    </p:extLst>
+  </p:cSld>
+  <p:clrMapOvr>
+    <a:masterClrMapping/>
+  </p:clrMapOvr>
+</p:sldLayout>
+</file>
+
+<file path=ppt/slideLayouts/slideLayout12.xml><?xml version="1.0" encoding="utf-8"?>
+<p:sldLayout xmlns:a="http://schemas.openxmlformats.org/drawingml/2006/main" xmlns:r="http://schemas.openxmlformats.org/officeDocument/2006/relationships" xmlns:p="http://schemas.openxmlformats.org/presentationml/2006/main" preserve="1">
+  <p:cSld name="Quote with Caption">
+    <p:spTree>
+      <p:nvGrpSpPr>
+        <p:cNvPr id="1" name=""/>
+        <p:cNvGrpSpPr/>
+        <p:nvPr/>
+      </p:nvGrpSpPr>
+      <p:grpSpPr>
+        <a:xfrm>
+          <a:off x="0" y="0"/>
+          <a:ext cx="0" cy="0"/>
+          <a:chOff x="0" y="0"/>
+          <a:chExt cx="0" cy="0"/>
+        </a:xfrm>
+      </p:grpSpPr>
+      <p:sp>
+        <p:nvSpPr>
+          <p:cNvPr id="14" name="TextBox 13"/>
+          <p:cNvSpPr txBox="1"/>
+          <p:nvPr/>
+        </p:nvSpPr>
+        <p:spPr>
+          <a:xfrm>
+            <a:off x="969421" y="863023"/>
+            <a:ext cx="457319" cy="584776"/>
+          </a:xfrm>
+          <a:prstGeom prst="rect">
+            <a:avLst/>
+          </a:prstGeom>
+        </p:spPr>
+        <p:txBody>
+          <a:bodyPr vert="horz" lIns="91440" tIns="45720" rIns="91440" bIns="45720" rtlCol="0" anchor="ctr">
+            <a:noAutofit/>
+          </a:bodyPr>
+          <a:lstStyle>
+            <a:lvl1pPr>
+              <a:spcBef>
+                <a:spcPct val="0"/>
+              </a:spcBef>
+              <a:buNone/>
+              <a:defRPr sz="3200" b="0" cap="all">
+                <a:ln w="3175" cmpd="sng">
+                  <a:noFill/>
+                </a:ln>
+                <a:effectLst>
+                  <a:glow rad="38100">
+                    <a:schemeClr val="bg1">
+                      <a:lumMod val="65000"/>
+                      <a:lumOff val="35000"/>
+                      <a:alpha val="40000"/>
+                    </a:schemeClr>
+                  </a:glow>
+                  <a:outerShdw blurRad="28575" dist="38100" dir="14040000" algn="tl" rotWithShape="0">
+                    <a:srgbClr val="000000">
+                      <a:alpha val="25000"/>
+                    </a:srgbClr>
+                  </a:outerShdw>
+                </a:effectLst>
+              </a:defRPr>
+            </a:lvl1pPr>
+            <a:lvl2pPr>
+              <a:defRPr>
+                <a:solidFill>
+                  <a:schemeClr val="tx2"/>
+                </a:solidFill>
+              </a:defRPr>
+            </a:lvl2pPr>
+            <a:lvl3pPr>
+              <a:defRPr>
+                <a:solidFill>
+                  <a:schemeClr val="tx2"/>
+                </a:solidFill>
+              </a:defRPr>
+            </a:lvl3pPr>
+            <a:lvl4pPr>
+              <a:defRPr>
+                <a:solidFill>
+                  <a:schemeClr val="tx2"/>
+                </a:solidFill>
+              </a:defRPr>
+            </a:lvl4pPr>
+            <a:lvl5pPr>
+              <a:defRPr>
+                <a:solidFill>
+                  <a:schemeClr val="tx2"/>
+                </a:solidFill>
+              </a:defRPr>
+            </a:lvl5pPr>
+            <a:lvl6pPr>
+              <a:defRPr>
+                <a:solidFill>
+                  <a:schemeClr val="tx2"/>
+                </a:solidFill>
+              </a:defRPr>
+            </a:lvl6pPr>
+            <a:lvl7pPr>
+              <a:defRPr>
+                <a:solidFill>
+                  <a:schemeClr val="tx2"/>
+                </a:solidFill>
+              </a:defRPr>
+            </a:lvl7pPr>
+            <a:lvl8pPr>
+              <a:defRPr>
+                <a:solidFill>
+                  <a:schemeClr val="tx2"/>
+                </a:solidFill>
+              </a:defRPr>
+            </a:lvl8pPr>
+            <a:lvl9pPr>
+              <a:defRPr>
+                <a:solidFill>
+                  <a:schemeClr val="tx2"/>
+                </a:solidFill>
+              </a:defRPr>
+            </a:lvl9pPr>
+          </a:lstStyle>
+          <a:p>
+            <a:pPr lvl="0"/>
+            <a:r>
+              <a:rPr lang="en-US" sz="8000" dirty="0">
+                <a:solidFill>
+                  <a:schemeClr val="tx1"/>
+                </a:solidFill>
+                <a:effectLst/>
+              </a:rPr>
+              <a:t>“</a:t>
+            </a:r>
+          </a:p>
+        </p:txBody>
+      </p:sp>
+      <p:sp>
+        <p:nvSpPr>
+          <p:cNvPr id="15" name="TextBox 14"/>
+          <p:cNvSpPr txBox="1"/>
+          <p:nvPr/>
+        </p:nvSpPr>
+        <p:spPr>
+          <a:xfrm>
+            <a:off x="8172197" y="2819399"/>
+            <a:ext cx="457319" cy="584776"/>
+          </a:xfrm>
+          <a:prstGeom prst="rect">
+            <a:avLst/>
+          </a:prstGeom>
+        </p:spPr>
+        <p:txBody>
+          <a:bodyPr vert="horz" lIns="91440" tIns="45720" rIns="91440" bIns="45720" rtlCol="0" anchor="ctr">
+            <a:noAutofit/>
+          </a:bodyPr>
+          <a:lstStyle>
+            <a:lvl1pPr>
+              <a:spcBef>
+                <a:spcPct val="0"/>
+              </a:spcBef>
+              <a:buNone/>
+              <a:defRPr sz="3200" b="0" cap="all">
+                <a:ln w="3175" cmpd="sng">
+                  <a:noFill/>
+                </a:ln>
+                <a:effectLst>
+                  <a:glow rad="38100">
+                    <a:schemeClr val="bg1">
+                      <a:lumMod val="65000"/>
+                      <a:lumOff val="35000"/>
+                      <a:alpha val="40000"/>
+                    </a:schemeClr>
+                  </a:glow>
+                  <a:outerShdw blurRad="28575" dist="38100" dir="14040000" algn="tl" rotWithShape="0">
+                    <a:srgbClr val="000000">
+                      <a:alpha val="25000"/>
+                    </a:srgbClr>
+                  </a:outerShdw>
+                </a:effectLst>
+              </a:defRPr>
+            </a:lvl1pPr>
+            <a:lvl2pPr>
+              <a:defRPr>
+                <a:solidFill>
+                  <a:schemeClr val="tx2"/>
+                </a:solidFill>
+              </a:defRPr>
+            </a:lvl2pPr>
+            <a:lvl3pPr>
+              <a:defRPr>
+                <a:solidFill>
+                  <a:schemeClr val="tx2"/>
+                </a:solidFill>
+              </a:defRPr>
+            </a:lvl3pPr>
+            <a:lvl4pPr>
+              <a:defRPr>
+                <a:solidFill>
+                  <a:schemeClr val="tx2"/>
+                </a:solidFill>
+              </a:defRPr>
+            </a:lvl4pPr>
+            <a:lvl5pPr>
+              <a:defRPr>
+                <a:solidFill>
+                  <a:schemeClr val="tx2"/>
+                </a:solidFill>
+              </a:defRPr>
+            </a:lvl5pPr>
+            <a:lvl6pPr>
+              <a:defRPr>
+                <a:solidFill>
+                  <a:schemeClr val="tx2"/>
+                </a:solidFill>
+              </a:defRPr>
+            </a:lvl6pPr>
+            <a:lvl7pPr>
+              <a:defRPr>
+                <a:solidFill>
+                  <a:schemeClr val="tx2"/>
+                </a:solidFill>
+              </a:defRPr>
+            </a:lvl7pPr>
+            <a:lvl8pPr>
+              <a:defRPr>
+                <a:solidFill>
+                  <a:schemeClr val="tx2"/>
+                </a:solidFill>
+              </a:defRPr>
+            </a:lvl8pPr>
+            <a:lvl9pPr>
+              <a:defRPr>
+                <a:solidFill>
+                  <a:schemeClr val="tx2"/>
+                </a:solidFill>
+              </a:defRPr>
+            </a:lvl9pPr>
+          </a:lstStyle>
+          <a:p>
+            <a:pPr lvl="0" algn="r"/>
+            <a:r>
+              <a:rPr lang="en-US" sz="8000" dirty="0">
+                <a:solidFill>
+                  <a:schemeClr val="tx1"/>
+                </a:solidFill>
+                <a:effectLst/>
+              </a:rPr>
+              <a:t>”</a:t>
+            </a:r>
+          </a:p>
+        </p:txBody>
+      </p:sp>
+      <p:sp>
+        <p:nvSpPr>
+          <p:cNvPr id="2" name="Title 1"/>
+          <p:cNvSpPr>
+            <a:spLocks noGrp="1"/>
+          </p:cNvSpPr>
+          <p:nvPr>
+            <p:ph type="title"/>
+          </p:nvPr>
+        </p:nvSpPr>
+        <p:spPr>
+          <a:xfrm>
+            <a:off x="1426741" y="685801"/>
+            <a:ext cx="6974115" cy="2743199"/>
+          </a:xfrm>
+        </p:spPr>
+        <p:txBody>
+          <a:bodyPr anchor="ctr">
+            <a:normAutofit/>
+          </a:bodyPr>
+          <a:lstStyle>
+            <a:lvl1pPr algn="ctr">
+              <a:defRPr sz="3200" b="0" cap="none">
+                <a:solidFill>
+                  <a:schemeClr val="tx1"/>
+                </a:solidFill>
+              </a:defRPr>
+            </a:lvl1pPr>
+          </a:lstStyle>
+          <a:p>
+            <a:r>
+              <a:rPr lang="en-US"/>
+              <a:t>Click to edit Master title style</a:t>
+            </a:r>
+            <a:endParaRPr lang="en-US" dirty="0"/>
+          </a:p>
+        </p:txBody>
+      </p:sp>
+      <p:sp>
+        <p:nvSpPr>
+          <p:cNvPr id="10" name="Text Placeholder 9"/>
+          <p:cNvSpPr>
+            <a:spLocks noGrp="1"/>
+          </p:cNvSpPr>
+          <p:nvPr>
+            <p:ph type="body" sz="quarter" idx="13"/>
+          </p:nvPr>
+        </p:nvSpPr>
+        <p:spPr>
+          <a:xfrm>
+            <a:off x="1598235" y="3428999"/>
+            <a:ext cx="6631128" cy="381000"/>
+          </a:xfrm>
+        </p:spPr>
+        <p:txBody>
+          <a:bodyPr anchor="ctr">
+            <a:normAutofit/>
+          </a:bodyPr>
+          <a:lstStyle>
+            <a:lvl1pPr marL="0" indent="0">
+              <a:buFontTx/>
+              <a:buNone/>
+              <a:defRPr sz="1800"/>
+            </a:lvl1pPr>
+            <a:lvl2pPr marL="457200" indent="0">
+              <a:buFontTx/>
+              <a:buNone/>
+              <a:defRPr/>
+            </a:lvl2pPr>
+            <a:lvl3pPr marL="914400" indent="0">
+              <a:buFontTx/>
+              <a:buNone/>
+              <a:defRPr/>
+            </a:lvl3pPr>
+            <a:lvl4pPr marL="1371600" indent="0">
+              <a:buFontTx/>
+              <a:buNone/>
+              <a:defRPr/>
+            </a:lvl4pPr>
+            <a:lvl5pPr marL="1828800" indent="0">
+              <a:buFontTx/>
+              <a:buNone/>
+              <a:defRPr/>
+            </a:lvl5pPr>
+          </a:lstStyle>
+          <a:p>
+            <a:pPr lvl="0"/>
+            <a:r>
+              <a:rPr lang="en-US"/>
+              <a:t>Click to edit Master text styles</a:t>
+            </a:r>
+          </a:p>
+        </p:txBody>
+      </p:sp>
+      <p:sp>
+        <p:nvSpPr>
+          <p:cNvPr id="3" name="Text Placeholder 2"/>
+          <p:cNvSpPr>
+            <a:spLocks noGrp="1"/>
+          </p:cNvSpPr>
+          <p:nvPr>
+            <p:ph type="body" idx="1"/>
+          </p:nvPr>
+        </p:nvSpPr>
+        <p:spPr>
+          <a:xfrm>
+            <a:off x="1113523" y="4343400"/>
+            <a:ext cx="7515991" cy="1447800"/>
+          </a:xfrm>
+        </p:spPr>
+        <p:txBody>
+          <a:bodyPr anchor="ctr">
+            <a:normAutofit/>
+          </a:bodyPr>
+          <a:lstStyle>
+            <a:lvl1pPr marL="0" indent="0" algn="ctr">
+              <a:buNone/>
+              <a:defRPr sz="2000">
+                <a:solidFill>
+                  <a:schemeClr val="tx1"/>
+                </a:solidFill>
+              </a:defRPr>
+            </a:lvl1pPr>
+            <a:lvl2pPr marL="457200" indent="0">
+              <a:buNone/>
+              <a:defRPr sz="1800">
+                <a:solidFill>
+                  <a:schemeClr val="tx1">
+                    <a:tint val="75000"/>
+                  </a:schemeClr>
+                </a:solidFill>
+              </a:defRPr>
+            </a:lvl2pPr>
+            <a:lvl3pPr marL="914400" indent="0">
+              <a:buNone/>
+              <a:defRPr sz="1600">
+                <a:solidFill>
+                  <a:schemeClr val="tx1">
+                    <a:tint val="75000"/>
+                  </a:schemeClr>
+                </a:solidFill>
+              </a:defRPr>
+            </a:lvl3pPr>
+            <a:lvl4pPr marL="1371600" indent="0">
+              <a:buNone/>
+              <a:defRPr sz="1400">
+                <a:solidFill>
+                  <a:schemeClr val="tx1">
+                    <a:tint val="75000"/>
+                  </a:schemeClr>
+                </a:solidFill>
+              </a:defRPr>
+            </a:lvl4pPr>
+            <a:lvl5pPr marL="1828800" indent="0">
+              <a:buNone/>
+              <a:defRPr sz="1400">
+                <a:solidFill>
+                  <a:schemeClr val="tx1">
+                    <a:tint val="75000"/>
+                  </a:schemeClr>
+                </a:solidFill>
+              </a:defRPr>
+            </a:lvl5pPr>
+            <a:lvl6pPr marL="2286000" indent="0">
+              <a:buNone/>
+              <a:defRPr sz="1400">
+                <a:solidFill>
+                  <a:schemeClr val="tx1">
+                    <a:tint val="75000"/>
+                  </a:schemeClr>
+                </a:solidFill>
+              </a:defRPr>
+            </a:lvl6pPr>
+            <a:lvl7pPr marL="2743200" indent="0">
+              <a:buNone/>
+              <a:defRPr sz="1400">
+                <a:solidFill>
+                  <a:schemeClr val="tx1">
+                    <a:tint val="75000"/>
+                  </a:schemeClr>
+                </a:solidFill>
+              </a:defRPr>
+            </a:lvl7pPr>
+            <a:lvl8pPr marL="3200400" indent="0">
+              <a:buNone/>
+              <a:defRPr sz="1400">
+                <a:solidFill>
+                  <a:schemeClr val="tx1">
+                    <a:tint val="75000"/>
+                  </a:schemeClr>
+                </a:solidFill>
+              </a:defRPr>
+            </a:lvl8pPr>
+            <a:lvl9pPr marL="3657600" indent="0">
+              <a:buNone/>
+              <a:defRPr sz="1400">
+                <a:solidFill>
+                  <a:schemeClr val="tx1">
+                    <a:tint val="75000"/>
+                  </a:schemeClr>
+                </a:solidFill>
+              </a:defRPr>
+            </a:lvl9pPr>
+          </a:lstStyle>
+          <a:p>
+            <a:pPr lvl="0"/>
+            <a:r>
+              <a:rPr lang="en-US"/>
+              <a:t>Click to edit Master text styles</a:t>
+            </a:r>
+          </a:p>
+        </p:txBody>
+      </p:sp>
+      <p:sp>
+        <p:nvSpPr>
+          <p:cNvPr id="4" name="Date Placeholder 3"/>
+          <p:cNvSpPr>
+            <a:spLocks noGrp="1"/>
+          </p:cNvSpPr>
+          <p:nvPr>
+            <p:ph type="dt" sz="half" idx="10"/>
+          </p:nvPr>
+        </p:nvSpPr>
+        <p:spPr/>
+        <p:txBody>
+          <a:bodyPr/>
+          <a:lstStyle/>
+          <a:p>
+            <a:fld id="{5BCAD085-E8A6-8845-BD4E-CB4CCA059FC4}" type="datetimeFigureOut">
+              <a:rPr lang="en-US" smtClean="0"/>
+              <a:t>6/25/2025</a:t>
+            </a:fld>
+            <a:endParaRPr lang="en-US"/>
+          </a:p>
+        </p:txBody>
+      </p:sp>
+      <p:sp>
+        <p:nvSpPr>
+          <p:cNvPr id="5" name="Footer Placeholder 4"/>
+          <p:cNvSpPr>
+            <a:spLocks noGrp="1"/>
+          </p:cNvSpPr>
+          <p:nvPr>
+            <p:ph type="ftr" sz="quarter" idx="11"/>
+          </p:nvPr>
+        </p:nvSpPr>
+        <p:spPr/>
+        <p:txBody>
+          <a:bodyPr/>
+          <a:lstStyle/>
+          <a:p>
+            <a:endParaRPr lang="en-US"/>
+          </a:p>
+        </p:txBody>
+      </p:sp>
+      <p:sp>
+        <p:nvSpPr>
+          <p:cNvPr id="6" name="Slide Number Placeholder 5"/>
+          <p:cNvSpPr>
+            <a:spLocks noGrp="1"/>
+          </p:cNvSpPr>
+          <p:nvPr>
+            <p:ph type="sldNum" sz="quarter" idx="12"/>
+          </p:nvPr>
+        </p:nvSpPr>
+        <p:spPr/>
+        <p:txBody>
+          <a:bodyPr/>
+          <a:lstStyle/>
+          <a:p>
+            <a:fld id="{C1FF6DA9-008F-8B48-92A6-B652298478BF}" type="slidenum">
+              <a:rPr lang="en-US" smtClean="0"/>
+              <a:t>‹#›</a:t>
+            </a:fld>
+            <a:endParaRPr lang="en-US"/>
+          </a:p>
+        </p:txBody>
+      </p:sp>
+    </p:spTree>
+    <p:extLst>
+      <p:ext uri="{BB962C8B-B14F-4D97-AF65-F5344CB8AC3E}">
+        <p14:creationId xmlns:p14="http://schemas.microsoft.com/office/powerpoint/2010/main" val="2729531594"/>
+      </p:ext>
+    </p:extLst>
+  </p:cSld>
+  <p:clrMapOvr>
+    <a:masterClrMapping/>
+  </p:clrMapOvr>
+</p:sldLayout>
+</file>
+
+<file path=ppt/slideLayouts/slideLayout13.xml><?xml version="1.0" encoding="utf-8"?>
+<p:sldLayout xmlns:a="http://schemas.openxmlformats.org/drawingml/2006/main" xmlns:r="http://schemas.openxmlformats.org/officeDocument/2006/relationships" xmlns:p="http://schemas.openxmlformats.org/presentationml/2006/main" preserve="1">
+  <p:cSld name="Name Card">
+    <p:spTree>
+      <p:nvGrpSpPr>
+        <p:cNvPr id="1" name=""/>
+        <p:cNvGrpSpPr/>
+        <p:nvPr/>
+      </p:nvGrpSpPr>
+      <p:grpSpPr>
+        <a:xfrm>
+          <a:off x="0" y="0"/>
+          <a:ext cx="0" cy="0"/>
+          <a:chOff x="0" y="0"/>
+          <a:chExt cx="0" cy="0"/>
+        </a:xfrm>
+      </p:grpSpPr>
+      <p:sp>
+        <p:nvSpPr>
+          <p:cNvPr id="2" name="Title 1"/>
+          <p:cNvSpPr>
+            <a:spLocks noGrp="1"/>
+          </p:cNvSpPr>
+          <p:nvPr>
+            <p:ph type="title"/>
+          </p:nvPr>
+        </p:nvSpPr>
+        <p:spPr>
+          <a:xfrm>
+            <a:off x="1113525" y="3308581"/>
+            <a:ext cx="7515989" cy="1468800"/>
+          </a:xfrm>
+        </p:spPr>
+        <p:txBody>
+          <a:bodyPr anchor="b">
+            <a:normAutofit/>
+          </a:bodyPr>
+          <a:lstStyle>
+            <a:lvl1pPr algn="r">
+              <a:defRPr sz="3200" b="0" cap="none"/>
+            </a:lvl1pPr>
+          </a:lstStyle>
+          <a:p>
+            <a:r>
+              <a:rPr lang="en-US"/>
+              <a:t>Click to edit Master title style</a:t>
+            </a:r>
+            <a:endParaRPr lang="en-US" dirty="0"/>
+          </a:p>
+        </p:txBody>
+      </p:sp>
+      <p:sp>
+        <p:nvSpPr>
+          <p:cNvPr id="3" name="Text Placeholder 2"/>
+          <p:cNvSpPr>
+            <a:spLocks noGrp="1"/>
+          </p:cNvSpPr>
+          <p:nvPr>
+            <p:ph type="body" idx="1"/>
+          </p:nvPr>
+        </p:nvSpPr>
+        <p:spPr>
+          <a:xfrm>
+            <a:off x="1113524" y="4777381"/>
+            <a:ext cx="7515990" cy="860400"/>
+          </a:xfrm>
+        </p:spPr>
+        <p:txBody>
+          <a:bodyPr anchor="t">
+            <a:normAutofit/>
+          </a:bodyPr>
+          <a:lstStyle>
+            <a:lvl1pPr marL="0" indent="0" algn="r">
+              <a:buNone/>
+              <a:defRPr sz="2000">
+                <a:solidFill>
+                  <a:schemeClr val="tx1"/>
+                </a:solidFill>
+              </a:defRPr>
+            </a:lvl1pPr>
+            <a:lvl2pPr marL="457200" indent="0">
+              <a:buNone/>
+              <a:defRPr sz="1800">
+                <a:solidFill>
+                  <a:schemeClr val="tx1">
+                    <a:tint val="75000"/>
+                  </a:schemeClr>
+                </a:solidFill>
+              </a:defRPr>
+            </a:lvl2pPr>
+            <a:lvl3pPr marL="914400" indent="0">
+              <a:buNone/>
+              <a:defRPr sz="1600">
+                <a:solidFill>
+                  <a:schemeClr val="tx1">
+                    <a:tint val="75000"/>
+                  </a:schemeClr>
+                </a:solidFill>
+              </a:defRPr>
+            </a:lvl3pPr>
+            <a:lvl4pPr marL="1371600" indent="0">
+              <a:buNone/>
+              <a:defRPr sz="1400">
+                <a:solidFill>
+                  <a:schemeClr val="tx1">
+                    <a:tint val="75000"/>
+                  </a:schemeClr>
+                </a:solidFill>
+              </a:defRPr>
+            </a:lvl4pPr>
+            <a:lvl5pPr marL="1828800" indent="0">
+              <a:buNone/>
+              <a:defRPr sz="1400">
+                <a:solidFill>
+                  <a:schemeClr val="tx1">
+                    <a:tint val="75000"/>
+                  </a:schemeClr>
+                </a:solidFill>
+              </a:defRPr>
+            </a:lvl5pPr>
+            <a:lvl6pPr marL="2286000" indent="0">
+              <a:buNone/>
+              <a:defRPr sz="1400">
+                <a:solidFill>
+                  <a:schemeClr val="tx1">
+                    <a:tint val="75000"/>
+                  </a:schemeClr>
+                </a:solidFill>
+              </a:defRPr>
+            </a:lvl6pPr>
+            <a:lvl7pPr marL="2743200" indent="0">
+              <a:buNone/>
+              <a:defRPr sz="1400">
+                <a:solidFill>
+                  <a:schemeClr val="tx1">
+                    <a:tint val="75000"/>
+                  </a:schemeClr>
+                </a:solidFill>
+              </a:defRPr>
+            </a:lvl7pPr>
+            <a:lvl8pPr marL="3200400" indent="0">
+              <a:buNone/>
+              <a:defRPr sz="1400">
+                <a:solidFill>
+                  <a:schemeClr val="tx1">
+                    <a:tint val="75000"/>
+                  </a:schemeClr>
+                </a:solidFill>
+              </a:defRPr>
+            </a:lvl8pPr>
+            <a:lvl9pPr marL="3657600" indent="0">
+              <a:buNone/>
+              <a:defRPr sz="1400">
+                <a:solidFill>
+                  <a:schemeClr val="tx1">
+                    <a:tint val="75000"/>
+                  </a:schemeClr>
+                </a:solidFill>
+              </a:defRPr>
+            </a:lvl9pPr>
+          </a:lstStyle>
+          <a:p>
+            <a:pPr lvl="0"/>
+            <a:r>
+              <a:rPr lang="en-US"/>
+              <a:t>Click to edit Master text styles</a:t>
+            </a:r>
+          </a:p>
+        </p:txBody>
+      </p:sp>
+      <p:sp>
+        <p:nvSpPr>
+          <p:cNvPr id="4" name="Date Placeholder 3"/>
+          <p:cNvSpPr>
+            <a:spLocks noGrp="1"/>
+          </p:cNvSpPr>
+          <p:nvPr>
+            <p:ph type="dt" sz="half" idx="10"/>
+          </p:nvPr>
+        </p:nvSpPr>
+        <p:spPr/>
+        <p:txBody>
+          <a:bodyPr/>
+          <a:lstStyle/>
+          <a:p>
+            <a:fld id="{5BCAD085-E8A6-8845-BD4E-CB4CCA059FC4}" type="datetimeFigureOut">
+              <a:rPr lang="en-US" smtClean="0"/>
+              <a:t>6/25/2025</a:t>
+            </a:fld>
+            <a:endParaRPr lang="en-US"/>
+          </a:p>
+        </p:txBody>
+      </p:sp>
+      <p:sp>
+        <p:nvSpPr>
+          <p:cNvPr id="5" name="Footer Placeholder 4"/>
+          <p:cNvSpPr>
+            <a:spLocks noGrp="1"/>
+          </p:cNvSpPr>
+          <p:nvPr>
+            <p:ph type="ftr" sz="quarter" idx="11"/>
+          </p:nvPr>
+        </p:nvSpPr>
+        <p:spPr/>
+        <p:txBody>
+          <a:bodyPr/>
+          <a:lstStyle/>
+          <a:p>
+            <a:endParaRPr lang="en-US"/>
+          </a:p>
+        </p:txBody>
+      </p:sp>
+      <p:sp>
+        <p:nvSpPr>
+          <p:cNvPr id="6" name="Slide Number Placeholder 5"/>
+          <p:cNvSpPr>
+            <a:spLocks noGrp="1"/>
+          </p:cNvSpPr>
+          <p:nvPr>
+            <p:ph type="sldNum" sz="quarter" idx="12"/>
+          </p:nvPr>
+        </p:nvSpPr>
+        <p:spPr/>
+        <p:txBody>
+          <a:bodyPr/>
+          <a:lstStyle/>
+          <a:p>
+            <a:fld id="{C1FF6DA9-008F-8B48-92A6-B652298478BF}" type="slidenum">
+              <a:rPr lang="en-US" smtClean="0"/>
+              <a:t>‹#›</a:t>
+            </a:fld>
+            <a:endParaRPr lang="en-US"/>
+          </a:p>
+        </p:txBody>
+      </p:sp>
+    </p:spTree>
+    <p:extLst>
+      <p:ext uri="{BB962C8B-B14F-4D97-AF65-F5344CB8AC3E}">
+        <p14:creationId xmlns:p14="http://schemas.microsoft.com/office/powerpoint/2010/main" val="2466463331"/>
+      </p:ext>
+    </p:extLst>
+  </p:cSld>
+  <p:clrMapOvr>
+    <a:masterClrMapping/>
+  </p:clrMapOvr>
+</p:sldLayout>
+</file>
+
+<file path=ppt/slideLayouts/slideLayout14.xml><?xml version="1.0" encoding="utf-8"?>
+<p:sldLayout xmlns:a="http://schemas.openxmlformats.org/drawingml/2006/main" xmlns:r="http://schemas.openxmlformats.org/officeDocument/2006/relationships" xmlns:p="http://schemas.openxmlformats.org/presentationml/2006/main" preserve="1">
+  <p:cSld name="Quote Name Card">
+    <p:spTree>
+      <p:nvGrpSpPr>
+        <p:cNvPr id="1" name=""/>
+        <p:cNvGrpSpPr/>
+        <p:nvPr/>
+      </p:nvGrpSpPr>
+      <p:grpSpPr>
+        <a:xfrm>
+          <a:off x="0" y="0"/>
+          <a:ext cx="0" cy="0"/>
+          <a:chOff x="0" y="0"/>
+          <a:chExt cx="0" cy="0"/>
+        </a:xfrm>
+      </p:grpSpPr>
+      <p:sp>
+        <p:nvSpPr>
+          <p:cNvPr id="14" name="TextBox 13"/>
+          <p:cNvSpPr txBox="1"/>
+          <p:nvPr/>
+        </p:nvSpPr>
+        <p:spPr>
+          <a:xfrm>
+            <a:off x="969421" y="863023"/>
+            <a:ext cx="457319" cy="584776"/>
+          </a:xfrm>
+          <a:prstGeom prst="rect">
+            <a:avLst/>
+          </a:prstGeom>
+        </p:spPr>
+        <p:txBody>
+          <a:bodyPr vert="horz" lIns="91440" tIns="45720" rIns="91440" bIns="45720" rtlCol="0" anchor="ctr">
+            <a:noAutofit/>
+          </a:bodyPr>
+          <a:lstStyle>
+            <a:lvl1pPr>
+              <a:spcBef>
+                <a:spcPct val="0"/>
+              </a:spcBef>
+              <a:buNone/>
+              <a:defRPr sz="3200" b="0" cap="all">
+                <a:ln w="3175" cmpd="sng">
+                  <a:noFill/>
+                </a:ln>
+                <a:effectLst>
+                  <a:glow rad="38100">
+                    <a:schemeClr val="bg1">
+                      <a:lumMod val="65000"/>
+                      <a:lumOff val="35000"/>
+                      <a:alpha val="40000"/>
+                    </a:schemeClr>
+                  </a:glow>
+                  <a:outerShdw blurRad="28575" dist="38100" dir="14040000" algn="tl" rotWithShape="0">
+                    <a:srgbClr val="000000">
+                      <a:alpha val="25000"/>
+                    </a:srgbClr>
+                  </a:outerShdw>
+                </a:effectLst>
+              </a:defRPr>
+            </a:lvl1pPr>
+            <a:lvl2pPr>
+              <a:defRPr>
+                <a:solidFill>
+                  <a:schemeClr val="tx2"/>
+                </a:solidFill>
+              </a:defRPr>
+            </a:lvl2pPr>
+            <a:lvl3pPr>
+              <a:defRPr>
+                <a:solidFill>
+                  <a:schemeClr val="tx2"/>
+                </a:solidFill>
+              </a:defRPr>
+            </a:lvl3pPr>
+            <a:lvl4pPr>
+              <a:defRPr>
+                <a:solidFill>
+                  <a:schemeClr val="tx2"/>
+                </a:solidFill>
+              </a:defRPr>
+            </a:lvl4pPr>
+            <a:lvl5pPr>
+              <a:defRPr>
+                <a:solidFill>
+                  <a:schemeClr val="tx2"/>
+                </a:solidFill>
+              </a:defRPr>
+            </a:lvl5pPr>
+            <a:lvl6pPr>
+              <a:defRPr>
+                <a:solidFill>
+                  <a:schemeClr val="tx2"/>
+                </a:solidFill>
+              </a:defRPr>
+            </a:lvl6pPr>
+            <a:lvl7pPr>
+              <a:defRPr>
+                <a:solidFill>
+                  <a:schemeClr val="tx2"/>
+                </a:solidFill>
+              </a:defRPr>
+            </a:lvl7pPr>
+            <a:lvl8pPr>
+              <a:defRPr>
+                <a:solidFill>
+                  <a:schemeClr val="tx2"/>
+                </a:solidFill>
+              </a:defRPr>
+            </a:lvl8pPr>
+            <a:lvl9pPr>
+              <a:defRPr>
+                <a:solidFill>
+                  <a:schemeClr val="tx2"/>
+                </a:solidFill>
+              </a:defRPr>
+            </a:lvl9pPr>
+          </a:lstStyle>
+          <a:p>
+            <a:pPr lvl="0"/>
+            <a:r>
+              <a:rPr lang="en-US" sz="8000" dirty="0">
+                <a:solidFill>
+                  <a:schemeClr val="tx1"/>
+                </a:solidFill>
+                <a:effectLst/>
+              </a:rPr>
+              <a:t>“</a:t>
+            </a:r>
+          </a:p>
+        </p:txBody>
+      </p:sp>
+      <p:sp>
+        <p:nvSpPr>
+          <p:cNvPr id="15" name="TextBox 14"/>
+          <p:cNvSpPr txBox="1"/>
+          <p:nvPr/>
+        </p:nvSpPr>
+        <p:spPr>
+          <a:xfrm>
+            <a:off x="8172197" y="2819399"/>
+            <a:ext cx="457319" cy="584776"/>
+          </a:xfrm>
+          <a:prstGeom prst="rect">
+            <a:avLst/>
+          </a:prstGeom>
+        </p:spPr>
+        <p:txBody>
+          <a:bodyPr vert="horz" lIns="91440" tIns="45720" rIns="91440" bIns="45720" rtlCol="0" anchor="ctr">
+            <a:noAutofit/>
+          </a:bodyPr>
+          <a:lstStyle>
+            <a:lvl1pPr>
+              <a:spcBef>
+                <a:spcPct val="0"/>
+              </a:spcBef>
+              <a:buNone/>
+              <a:defRPr sz="3200" b="0" cap="all">
+                <a:ln w="3175" cmpd="sng">
+                  <a:noFill/>
+                </a:ln>
+                <a:effectLst>
+                  <a:glow rad="38100">
+                    <a:schemeClr val="bg1">
+                      <a:lumMod val="65000"/>
+                      <a:lumOff val="35000"/>
+                      <a:alpha val="40000"/>
+                    </a:schemeClr>
+                  </a:glow>
+                  <a:outerShdw blurRad="28575" dist="38100" dir="14040000" algn="tl" rotWithShape="0">
+                    <a:srgbClr val="000000">
+                      <a:alpha val="25000"/>
+                    </a:srgbClr>
+                  </a:outerShdw>
+                </a:effectLst>
+              </a:defRPr>
+            </a:lvl1pPr>
+            <a:lvl2pPr>
+              <a:defRPr>
+                <a:solidFill>
+                  <a:schemeClr val="tx2"/>
+                </a:solidFill>
+              </a:defRPr>
+            </a:lvl2pPr>
+            <a:lvl3pPr>
+              <a:defRPr>
+                <a:solidFill>
+                  <a:schemeClr val="tx2"/>
+                </a:solidFill>
+              </a:defRPr>
+            </a:lvl3pPr>
+            <a:lvl4pPr>
+              <a:defRPr>
+                <a:solidFill>
+                  <a:schemeClr val="tx2"/>
+                </a:solidFill>
+              </a:defRPr>
+            </a:lvl4pPr>
+            <a:lvl5pPr>
+              <a:defRPr>
+                <a:solidFill>
+                  <a:schemeClr val="tx2"/>
+                </a:solidFill>
+              </a:defRPr>
+            </a:lvl5pPr>
+            <a:lvl6pPr>
+              <a:defRPr>
+                <a:solidFill>
+                  <a:schemeClr val="tx2"/>
+                </a:solidFill>
+              </a:defRPr>
+            </a:lvl6pPr>
+            <a:lvl7pPr>
+              <a:defRPr>
+                <a:solidFill>
+                  <a:schemeClr val="tx2"/>
+                </a:solidFill>
+              </a:defRPr>
+            </a:lvl7pPr>
+            <a:lvl8pPr>
+              <a:defRPr>
+                <a:solidFill>
+                  <a:schemeClr val="tx2"/>
+                </a:solidFill>
+              </a:defRPr>
+            </a:lvl8pPr>
+            <a:lvl9pPr>
+              <a:defRPr>
+                <a:solidFill>
+                  <a:schemeClr val="tx2"/>
+                </a:solidFill>
+              </a:defRPr>
+            </a:lvl9pPr>
+          </a:lstStyle>
+          <a:p>
+            <a:pPr lvl="0" algn="r"/>
+            <a:r>
+              <a:rPr lang="en-US" sz="8000" dirty="0">
+                <a:solidFill>
+                  <a:schemeClr val="tx1"/>
+                </a:solidFill>
+                <a:effectLst/>
+              </a:rPr>
+              <a:t>”</a:t>
+            </a:r>
+          </a:p>
+        </p:txBody>
+      </p:sp>
+      <p:sp>
+        <p:nvSpPr>
+          <p:cNvPr id="2" name="Title 1"/>
+          <p:cNvSpPr>
+            <a:spLocks noGrp="1"/>
+          </p:cNvSpPr>
+          <p:nvPr>
+            <p:ph type="title"/>
+          </p:nvPr>
+        </p:nvSpPr>
+        <p:spPr>
+          <a:xfrm>
+            <a:off x="1426741" y="685801"/>
+            <a:ext cx="6974115" cy="2743199"/>
+          </a:xfrm>
+        </p:spPr>
+        <p:txBody>
+          <a:bodyPr anchor="ctr">
+            <a:normAutofit/>
+          </a:bodyPr>
+          <a:lstStyle>
+            <a:lvl1pPr algn="ctr">
+              <a:defRPr sz="3200" b="0" cap="none">
+                <a:solidFill>
+                  <a:schemeClr val="tx1"/>
+                </a:solidFill>
+              </a:defRPr>
+            </a:lvl1pPr>
+          </a:lstStyle>
+          <a:p>
+            <a:r>
+              <a:rPr lang="en-US"/>
+              <a:t>Click to edit Master title style</a:t>
+            </a:r>
+            <a:endParaRPr lang="en-US" dirty="0"/>
+          </a:p>
+        </p:txBody>
+      </p:sp>
+      <p:sp>
+        <p:nvSpPr>
+          <p:cNvPr id="10" name="Text Placeholder 9"/>
+          <p:cNvSpPr>
+            <a:spLocks noGrp="1"/>
+          </p:cNvSpPr>
+          <p:nvPr>
+            <p:ph type="body" sz="quarter" idx="13"/>
+          </p:nvPr>
+        </p:nvSpPr>
+        <p:spPr>
+          <a:xfrm>
+            <a:off x="1113525" y="3886200"/>
+            <a:ext cx="7515990" cy="889000"/>
+          </a:xfrm>
+        </p:spPr>
+        <p:txBody>
+          <a:bodyPr vert="horz" lIns="91440" tIns="45720" rIns="91440" bIns="45720" rtlCol="0" anchor="b">
+            <a:normAutofit/>
+          </a:bodyPr>
+          <a:lstStyle>
+            <a:lvl1pPr algn="r">
+              <a:buNone/>
+              <a:defRPr lang="en-US" sz="2400" b="0" cap="none" dirty="0">
+                <a:ln w="3175" cmpd="sng">
+                  <a:noFill/>
+                </a:ln>
+                <a:solidFill>
+                  <a:schemeClr val="tx1"/>
+                </a:solidFill>
+                <a:effectLst/>
+              </a:defRPr>
+            </a:lvl1pPr>
+          </a:lstStyle>
+          <a:p>
+            <a:pPr marL="0" lvl="0">
+              <a:spcBef>
+                <a:spcPct val="0"/>
+              </a:spcBef>
+              <a:buNone/>
+            </a:pPr>
+            <a:r>
+              <a:rPr lang="en-US"/>
+              <a:t>Click to edit Master text styles</a:t>
+            </a:r>
+          </a:p>
+        </p:txBody>
+      </p:sp>
+      <p:sp>
+        <p:nvSpPr>
+          <p:cNvPr id="3" name="Text Placeholder 2"/>
+          <p:cNvSpPr>
+            <a:spLocks noGrp="1"/>
+          </p:cNvSpPr>
+          <p:nvPr>
+            <p:ph type="body" idx="1"/>
+          </p:nvPr>
+        </p:nvSpPr>
+        <p:spPr>
+          <a:xfrm>
+            <a:off x="1113524" y="4775200"/>
+            <a:ext cx="7515990" cy="1016000"/>
+          </a:xfrm>
+        </p:spPr>
+        <p:txBody>
+          <a:bodyPr anchor="t">
+            <a:normAutofit/>
+          </a:bodyPr>
+          <a:lstStyle>
+            <a:lvl1pPr marL="0" indent="0" algn="r">
+              <a:buNone/>
+              <a:defRPr sz="1800">
+                <a:solidFill>
+                  <a:schemeClr val="tx1"/>
+                </a:solidFill>
+              </a:defRPr>
+            </a:lvl1pPr>
+            <a:lvl2pPr marL="457200" indent="0">
+              <a:buNone/>
+              <a:defRPr sz="1800">
+                <a:solidFill>
+                  <a:schemeClr val="tx1">
+                    <a:tint val="75000"/>
+                  </a:schemeClr>
+                </a:solidFill>
+              </a:defRPr>
+            </a:lvl2pPr>
+            <a:lvl3pPr marL="914400" indent="0">
+              <a:buNone/>
+              <a:defRPr sz="1600">
+                <a:solidFill>
+                  <a:schemeClr val="tx1">
+                    <a:tint val="75000"/>
+                  </a:schemeClr>
+                </a:solidFill>
+              </a:defRPr>
+            </a:lvl3pPr>
+            <a:lvl4pPr marL="1371600" indent="0">
+              <a:buNone/>
+              <a:defRPr sz="1400">
+                <a:solidFill>
+                  <a:schemeClr val="tx1">
+                    <a:tint val="75000"/>
+                  </a:schemeClr>
+                </a:solidFill>
+              </a:defRPr>
+            </a:lvl4pPr>
+            <a:lvl5pPr marL="1828800" indent="0">
+              <a:buNone/>
+              <a:defRPr sz="1400">
+                <a:solidFill>
+                  <a:schemeClr val="tx1">
+                    <a:tint val="75000"/>
+                  </a:schemeClr>
+                </a:solidFill>
+              </a:defRPr>
+            </a:lvl5pPr>
+            <a:lvl6pPr marL="2286000" indent="0">
+              <a:buNone/>
+              <a:defRPr sz="1400">
+                <a:solidFill>
+                  <a:schemeClr val="tx1">
+                    <a:tint val="75000"/>
+                  </a:schemeClr>
+                </a:solidFill>
+              </a:defRPr>
+            </a:lvl6pPr>
+            <a:lvl7pPr marL="2743200" indent="0">
+              <a:buNone/>
+              <a:defRPr sz="1400">
+                <a:solidFill>
+                  <a:schemeClr val="tx1">
+                    <a:tint val="75000"/>
+                  </a:schemeClr>
+                </a:solidFill>
+              </a:defRPr>
+            </a:lvl7pPr>
+            <a:lvl8pPr marL="3200400" indent="0">
+              <a:buNone/>
+              <a:defRPr sz="1400">
+                <a:solidFill>
+                  <a:schemeClr val="tx1">
+                    <a:tint val="75000"/>
+                  </a:schemeClr>
+                </a:solidFill>
+              </a:defRPr>
+            </a:lvl8pPr>
+            <a:lvl9pPr marL="3657600" indent="0">
+              <a:buNone/>
+              <a:defRPr sz="1400">
+                <a:solidFill>
+                  <a:schemeClr val="tx1">
+                    <a:tint val="75000"/>
+                  </a:schemeClr>
+                </a:solidFill>
+              </a:defRPr>
+            </a:lvl9pPr>
+          </a:lstStyle>
+          <a:p>
+            <a:pPr lvl="0"/>
+            <a:r>
+              <a:rPr lang="en-US"/>
+              <a:t>Click to edit Master text styles</a:t>
+            </a:r>
+          </a:p>
+        </p:txBody>
+      </p:sp>
+      <p:sp>
+        <p:nvSpPr>
+          <p:cNvPr id="4" name="Date Placeholder 3"/>
+          <p:cNvSpPr>
+            <a:spLocks noGrp="1"/>
+          </p:cNvSpPr>
+          <p:nvPr>
+            <p:ph type="dt" sz="half" idx="10"/>
+          </p:nvPr>
+        </p:nvSpPr>
+        <p:spPr/>
+        <p:txBody>
+          <a:bodyPr/>
+          <a:lstStyle/>
+          <a:p>
+            <a:fld id="{5BCAD085-E8A6-8845-BD4E-CB4CCA059FC4}" type="datetimeFigureOut">
+              <a:rPr lang="en-US" smtClean="0"/>
+              <a:t>6/25/2025</a:t>
+            </a:fld>
+            <a:endParaRPr lang="en-US"/>
+          </a:p>
+        </p:txBody>
+      </p:sp>
+      <p:sp>
+        <p:nvSpPr>
+          <p:cNvPr id="5" name="Footer Placeholder 4"/>
+          <p:cNvSpPr>
+            <a:spLocks noGrp="1"/>
+          </p:cNvSpPr>
+          <p:nvPr>
+            <p:ph type="ftr" sz="quarter" idx="11"/>
+          </p:nvPr>
+        </p:nvSpPr>
+        <p:spPr/>
+        <p:txBody>
+          <a:bodyPr/>
+          <a:lstStyle/>
+          <a:p>
+            <a:endParaRPr lang="en-US"/>
+          </a:p>
+        </p:txBody>
+      </p:sp>
+      <p:sp>
+        <p:nvSpPr>
+          <p:cNvPr id="6" name="Slide Number Placeholder 5"/>
+          <p:cNvSpPr>
+            <a:spLocks noGrp="1"/>
+          </p:cNvSpPr>
+          <p:nvPr>
+            <p:ph type="sldNum" sz="quarter" idx="12"/>
+          </p:nvPr>
+        </p:nvSpPr>
+        <p:spPr/>
+        <p:txBody>
+          <a:bodyPr/>
+          <a:lstStyle/>
+          <a:p>
+            <a:fld id="{C1FF6DA9-008F-8B48-92A6-B652298478BF}" type="slidenum">
+              <a:rPr lang="en-US" smtClean="0"/>
+              <a:t>‹#›</a:t>
+            </a:fld>
+            <a:endParaRPr lang="en-US"/>
+          </a:p>
+        </p:txBody>
+      </p:sp>
+    </p:spTree>
+    <p:extLst>
+      <p:ext uri="{BB962C8B-B14F-4D97-AF65-F5344CB8AC3E}">
+        <p14:creationId xmlns:p14="http://schemas.microsoft.com/office/powerpoint/2010/main" val="380888093"/>
+      </p:ext>
+    </p:extLst>
+  </p:cSld>
+  <p:clrMapOvr>
+    <a:masterClrMapping/>
+  </p:clrMapOvr>
+</p:sldLayout>
+</file>
+
+<file path=ppt/slideLayouts/slideLayout15.xml><?xml version="1.0" encoding="utf-8"?>
+<p:sldLayout xmlns:a="http://schemas.openxmlformats.org/drawingml/2006/main" xmlns:r="http://schemas.openxmlformats.org/officeDocument/2006/relationships" xmlns:p="http://schemas.openxmlformats.org/presentationml/2006/main" preserve="1">
+  <p:cSld name="True or False">
+    <p:spTree>
+      <p:nvGrpSpPr>
+        <p:cNvPr id="1" name=""/>
+        <p:cNvGrpSpPr/>
+        <p:nvPr/>
+      </p:nvGrpSpPr>
+      <p:grpSpPr>
+        <a:xfrm>
+          <a:off x="0" y="0"/>
+          <a:ext cx="0" cy="0"/>
+          <a:chOff x="0" y="0"/>
+          <a:chExt cx="0" cy="0"/>
+        </a:xfrm>
+      </p:grpSpPr>
+      <p:sp>
+        <p:nvSpPr>
+          <p:cNvPr id="2" name="Title 1"/>
+          <p:cNvSpPr>
+            <a:spLocks noGrp="1"/>
+          </p:cNvSpPr>
+          <p:nvPr>
+            <p:ph type="title"/>
+          </p:nvPr>
+        </p:nvSpPr>
+        <p:spPr>
+          <a:xfrm>
+            <a:off x="1113525" y="685801"/>
+            <a:ext cx="7515991" cy="2727325"/>
+          </a:xfrm>
+        </p:spPr>
+        <p:txBody>
+          <a:bodyPr vert="horz" lIns="91440" tIns="45720" rIns="91440" bIns="45720" rtlCol="0" anchor="ctr">
+            <a:normAutofit/>
+          </a:bodyPr>
+          <a:lstStyle>
+            <a:lvl1pPr>
+              <a:defRPr lang="en-US" b="0" dirty="0"/>
+            </a:lvl1pPr>
+          </a:lstStyle>
+          <a:p>
+            <a:pPr marL="0" lvl="0"/>
+            <a:r>
+              <a:rPr lang="en-US"/>
+              <a:t>Click to edit Master title style</a:t>
+            </a:r>
+            <a:endParaRPr lang="en-US" dirty="0"/>
+          </a:p>
+        </p:txBody>
+      </p:sp>
+      <p:sp>
+        <p:nvSpPr>
+          <p:cNvPr id="10" name="Text Placeholder 9"/>
+          <p:cNvSpPr>
+            <a:spLocks noGrp="1"/>
+          </p:cNvSpPr>
+          <p:nvPr>
+            <p:ph type="body" sz="quarter" idx="13"/>
+          </p:nvPr>
+        </p:nvSpPr>
+        <p:spPr>
+          <a:xfrm>
+            <a:off x="1113524" y="3505200"/>
+            <a:ext cx="7515992" cy="838200"/>
+          </a:xfrm>
+        </p:spPr>
+        <p:txBody>
+          <a:bodyPr vert="horz" lIns="91440" tIns="45720" rIns="91440" bIns="45720" rtlCol="0" anchor="b">
+            <a:normAutofit/>
+          </a:bodyPr>
+          <a:lstStyle>
+            <a:lvl1pPr>
+              <a:buNone/>
+              <a:defRPr lang="en-US" sz="2800" b="0" cap="none" dirty="0">
+                <a:ln w="3175" cmpd="sng">
+                  <a:noFill/>
+                </a:ln>
+                <a:solidFill>
+                  <a:schemeClr val="tx1"/>
+                </a:solidFill>
+                <a:effectLst/>
+              </a:defRPr>
+            </a:lvl1pPr>
+          </a:lstStyle>
+          <a:p>
+            <a:pPr marL="0" lvl="0">
+              <a:spcBef>
+                <a:spcPct val="0"/>
+              </a:spcBef>
+              <a:buNone/>
+            </a:pPr>
+            <a:r>
+              <a:rPr lang="en-US"/>
+              <a:t>Click to edit Master text styles</a:t>
+            </a:r>
+          </a:p>
+        </p:txBody>
+      </p:sp>
+      <p:sp>
+        <p:nvSpPr>
+          <p:cNvPr id="3" name="Text Placeholder 2"/>
+          <p:cNvSpPr>
+            <a:spLocks noGrp="1"/>
+          </p:cNvSpPr>
+          <p:nvPr>
+            <p:ph type="body" idx="1"/>
+          </p:nvPr>
+        </p:nvSpPr>
+        <p:spPr>
+          <a:xfrm>
+            <a:off x="1113524" y="4343400"/>
+            <a:ext cx="7515992" cy="1447800"/>
+          </a:xfrm>
+        </p:spPr>
+        <p:txBody>
+          <a:bodyPr anchor="t">
+            <a:normAutofit/>
+          </a:bodyPr>
+          <a:lstStyle>
+            <a:lvl1pPr marL="0" indent="0" algn="l">
+              <a:buNone/>
+              <a:defRPr sz="1800">
+                <a:solidFill>
+                  <a:schemeClr val="tx1"/>
+                </a:solidFill>
+              </a:defRPr>
+            </a:lvl1pPr>
+            <a:lvl2pPr marL="457200" indent="0">
+              <a:buNone/>
+              <a:defRPr sz="1800">
+                <a:solidFill>
+                  <a:schemeClr val="tx1">
+                    <a:tint val="75000"/>
+                  </a:schemeClr>
+                </a:solidFill>
+              </a:defRPr>
+            </a:lvl2pPr>
+            <a:lvl3pPr marL="914400" indent="0">
+              <a:buNone/>
+              <a:defRPr sz="1600">
+                <a:solidFill>
+                  <a:schemeClr val="tx1">
+                    <a:tint val="75000"/>
+                  </a:schemeClr>
+                </a:solidFill>
+              </a:defRPr>
+            </a:lvl3pPr>
+            <a:lvl4pPr marL="1371600" indent="0">
+              <a:buNone/>
+              <a:defRPr sz="1400">
+                <a:solidFill>
+                  <a:schemeClr val="tx1">
+                    <a:tint val="75000"/>
+                  </a:schemeClr>
+                </a:solidFill>
+              </a:defRPr>
+            </a:lvl4pPr>
+            <a:lvl5pPr marL="1828800" indent="0">
+              <a:buNone/>
+              <a:defRPr sz="1400">
+                <a:solidFill>
+                  <a:schemeClr val="tx1">
+                    <a:tint val="75000"/>
+                  </a:schemeClr>
+                </a:solidFill>
+              </a:defRPr>
+            </a:lvl5pPr>
+            <a:lvl6pPr marL="2286000" indent="0">
+              <a:buNone/>
+              <a:defRPr sz="1400">
+                <a:solidFill>
+                  <a:schemeClr val="tx1">
+                    <a:tint val="75000"/>
+                  </a:schemeClr>
+                </a:solidFill>
+              </a:defRPr>
+            </a:lvl6pPr>
+            <a:lvl7pPr marL="2743200" indent="0">
+              <a:buNone/>
+              <a:defRPr sz="1400">
+                <a:solidFill>
+                  <a:schemeClr val="tx1">
+                    <a:tint val="75000"/>
+                  </a:schemeClr>
+                </a:solidFill>
+              </a:defRPr>
+            </a:lvl7pPr>
+            <a:lvl8pPr marL="3200400" indent="0">
+              <a:buNone/>
+              <a:defRPr sz="1400">
+                <a:solidFill>
+                  <a:schemeClr val="tx1">
+                    <a:tint val="75000"/>
+                  </a:schemeClr>
+                </a:solidFill>
+              </a:defRPr>
+            </a:lvl8pPr>
+            <a:lvl9pPr marL="3657600" indent="0">
+              <a:buNone/>
+              <a:defRPr sz="1400">
+                <a:solidFill>
+                  <a:schemeClr val="tx1">
+                    <a:tint val="75000"/>
+                  </a:schemeClr>
+                </a:solidFill>
+              </a:defRPr>
+            </a:lvl9pPr>
+          </a:lstStyle>
+          <a:p>
+            <a:pPr lvl="0"/>
+            <a:r>
+              <a:rPr lang="en-US"/>
+              <a:t>Click to edit Master text styles</a:t>
+            </a:r>
+          </a:p>
+        </p:txBody>
+      </p:sp>
+      <p:sp>
+        <p:nvSpPr>
+          <p:cNvPr id="4" name="Date Placeholder 3"/>
+          <p:cNvSpPr>
+            <a:spLocks noGrp="1"/>
+          </p:cNvSpPr>
+          <p:nvPr>
+            <p:ph type="dt" sz="half" idx="10"/>
+          </p:nvPr>
+        </p:nvSpPr>
+        <p:spPr/>
+        <p:txBody>
+          <a:bodyPr/>
+          <a:lstStyle/>
+          <a:p>
+            <a:fld id="{5BCAD085-E8A6-8845-BD4E-CB4CCA059FC4}" type="datetimeFigureOut">
+              <a:rPr lang="en-US" smtClean="0"/>
+              <a:t>6/25/2025</a:t>
+            </a:fld>
+            <a:endParaRPr lang="en-US"/>
+          </a:p>
+        </p:txBody>
+      </p:sp>
+      <p:sp>
+        <p:nvSpPr>
+          <p:cNvPr id="5" name="Footer Placeholder 4"/>
+          <p:cNvSpPr>
+            <a:spLocks noGrp="1"/>
+          </p:cNvSpPr>
+          <p:nvPr>
+            <p:ph type="ftr" sz="quarter" idx="11"/>
+          </p:nvPr>
+        </p:nvSpPr>
+        <p:spPr/>
+        <p:txBody>
+          <a:bodyPr/>
+          <a:lstStyle/>
+          <a:p>
+            <a:endParaRPr lang="en-US"/>
+          </a:p>
+        </p:txBody>
+      </p:sp>
+      <p:sp>
+        <p:nvSpPr>
+          <p:cNvPr id="6" name="Slide Number Placeholder 5"/>
+          <p:cNvSpPr>
+            <a:spLocks noGrp="1"/>
+          </p:cNvSpPr>
+          <p:nvPr>
+            <p:ph type="sldNum" sz="quarter" idx="12"/>
+          </p:nvPr>
+        </p:nvSpPr>
+        <p:spPr/>
+        <p:txBody>
+          <a:bodyPr/>
+          <a:lstStyle/>
+          <a:p>
+            <a:fld id="{C1FF6DA9-008F-8B48-92A6-B652298478BF}" type="slidenum">
+              <a:rPr lang="en-US" smtClean="0"/>
+              <a:t>‹#›</a:t>
+            </a:fld>
+            <a:endParaRPr lang="en-US"/>
+          </a:p>
+        </p:txBody>
+      </p:sp>
+    </p:spTree>
+    <p:extLst>
+      <p:ext uri="{BB962C8B-B14F-4D97-AF65-F5344CB8AC3E}">
+        <p14:creationId xmlns:p14="http://schemas.microsoft.com/office/powerpoint/2010/main" val="1036832755"/>
+      </p:ext>
+    </p:extLst>
+  </p:cSld>
+  <p:clrMapOvr>
+    <a:masterClrMapping/>
+  </p:clrMapOvr>
+</p:sldLayout>
+</file>
+
+<file path=ppt/slideLayouts/slideLayout16.xml><?xml version="1.0" encoding="utf-8"?>
 <p:sldLayout xmlns:a="http://schemas.openxmlformats.org/drawingml/2006/main" xmlns:r="http://schemas.openxmlformats.org/officeDocument/2006/relationships" xmlns:p="http://schemas.openxmlformats.org/presentationml/2006/main" type="vertTx" preserve="1">
   <p:cSld name="Title and Vertical Text">
     <p:spTree>
@@ -404,12 +3020,17 @@
         <p:spPr/>
         <p:txBody>
           <a:bodyPr/>
-          <a:lstStyle/>
+          <a:lstStyle>
+            <a:lvl1pPr algn="ctr">
+              <a:defRPr/>
+            </a:lvl1pPr>
+          </a:lstStyle>
           <a:p>
             <a:r>
               <a:rPr lang="en-US"/>
               <a:t>Click to edit Master title style</a:t>
             </a:r>
+            <a:endParaRPr lang="en-US" dirty="0"/>
           </a:p>
         </p:txBody>
       </p:sp>
@@ -425,7 +3046,7 @@
         </p:nvSpPr>
         <p:spPr/>
         <p:txBody>
-          <a:bodyPr vert="eaVert"/>
+          <a:bodyPr vert="eaVert" anchor="t"/>
           <a:lstStyle/>
           <a:p>
             <a:pPr lvl="0"/>
@@ -461,6 +3082,7 @@
               <a:rPr lang="en-US"/>
               <a:t>Fifth level</a:t>
             </a:r>
+            <a:endParaRPr lang="en-US" dirty="0"/>
           </a:p>
         </p:txBody>
       </p:sp>
@@ -532,7 +3154,7 @@
     </p:spTree>
     <p:extLst>
       <p:ext uri="{BB962C8B-B14F-4D97-AF65-F5344CB8AC3E}">
-        <p14:creationId xmlns:p14="http://schemas.microsoft.com/office/powerpoint/2010/main" val="2910927964"/>
+        <p14:creationId xmlns:p14="http://schemas.microsoft.com/office/powerpoint/2010/main" val="1686630939"/>
       </p:ext>
     </p:extLst>
   </p:cSld>
@@ -542,7 +3164,7 @@
 </p:sldLayout>
 </file>
 
-<file path=ppt/slideLayouts/slideLayout11.xml><?xml version="1.0" encoding="utf-8"?>
+<file path=ppt/slideLayouts/slideLayout17.xml><?xml version="1.0" encoding="utf-8"?>
 <p:sldLayout xmlns:a="http://schemas.openxmlformats.org/drawingml/2006/main" xmlns:r="http://schemas.openxmlformats.org/officeDocument/2006/relationships" xmlns:p="http://schemas.openxmlformats.org/presentationml/2006/main" type="vertTitleAndTx" preserve="1">
   <p:cSld name="Vertical Title and Text">
     <p:spTree>
@@ -571,8 +3193,8 @@
         </p:nvSpPr>
         <p:spPr>
           <a:xfrm>
-            <a:off x="6629400" y="274638"/>
-            <a:ext cx="2057400" cy="5851525"/>
+            <a:off x="7301393" y="685800"/>
+            <a:ext cx="1328123" cy="5105400"/>
           </a:xfrm>
         </p:spPr>
         <p:txBody>
@@ -583,6 +3205,7 @@
               <a:rPr lang="en-US"/>
               <a:t>Click to edit Master title style</a:t>
             </a:r>
+            <a:endParaRPr lang="en-US" dirty="0"/>
           </a:p>
         </p:txBody>
       </p:sp>
@@ -598,12 +3221,12 @@
         </p:nvSpPr>
         <p:spPr>
           <a:xfrm>
-            <a:off x="457200" y="274638"/>
-            <a:ext cx="6019800" cy="5851525"/>
+            <a:off x="1113524" y="685800"/>
+            <a:ext cx="6016373" cy="5105400"/>
           </a:xfrm>
         </p:spPr>
         <p:txBody>
-          <a:bodyPr vert="eaVert"/>
+          <a:bodyPr vert="eaVert" anchor="t"/>
           <a:lstStyle/>
           <a:p>
             <a:pPr lvl="0"/>
@@ -639,6 +3262,7 @@
               <a:rPr lang="en-US"/>
               <a:t>Fifth level</a:t>
             </a:r>
+            <a:endParaRPr lang="en-US" dirty="0"/>
           </a:p>
         </p:txBody>
       </p:sp>
@@ -710,7 +3334,7 @@
     </p:spTree>
     <p:extLst>
       <p:ext uri="{BB962C8B-B14F-4D97-AF65-F5344CB8AC3E}">
-        <p14:creationId xmlns:p14="http://schemas.microsoft.com/office/powerpoint/2010/main" val="3612223792"/>
+        <p14:creationId xmlns:p14="http://schemas.microsoft.com/office/powerpoint/2010/main" val="3271099495"/>
       </p:ext>
     </p:extLst>
   </p:cSld>
@@ -747,7 +3371,12 @@
             <p:ph type="title"/>
           </p:nvPr>
         </p:nvSpPr>
-        <p:spPr/>
+        <p:spPr>
+          <a:xfrm>
+            <a:off x="982133" y="457201"/>
+            <a:ext cx="7704667" cy="1981200"/>
+          </a:xfrm>
+        </p:spPr>
         <p:txBody>
           <a:bodyPr/>
           <a:lstStyle/>
@@ -756,6 +3385,7 @@
               <a:rPr lang="en-US"/>
               <a:t>Click to edit Master title style</a:t>
             </a:r>
+            <a:endParaRPr lang="en-US" dirty="0"/>
           </a:p>
         </p:txBody>
       </p:sp>
@@ -769,9 +3399,14 @@
             <p:ph idx="1"/>
           </p:nvPr>
         </p:nvSpPr>
-        <p:spPr/>
-        <p:txBody>
-          <a:bodyPr/>
+        <p:spPr>
+          <a:xfrm>
+            <a:off x="982133" y="2667000"/>
+            <a:ext cx="7704667" cy="3332816"/>
+          </a:xfrm>
+        </p:spPr>
+        <p:txBody>
+          <a:bodyPr anchor="ctr"/>
           <a:lstStyle/>
           <a:p>
             <a:pPr lvl="0"/>
@@ -807,6 +3442,7 @@
               <a:rPr lang="en-US"/>
               <a:t>Fifth level</a:t>
             </a:r>
+            <a:endParaRPr lang="en-US" dirty="0"/>
           </a:p>
         </p:txBody>
       </p:sp>
@@ -820,7 +3456,12 @@
             <p:ph type="dt" sz="half" idx="10"/>
           </p:nvPr>
         </p:nvSpPr>
-        <p:spPr/>
+        <p:spPr>
+          <a:xfrm>
+            <a:off x="7344329" y="6108173"/>
+            <a:ext cx="857473" cy="365125"/>
+          </a:xfrm>
+        </p:spPr>
         <p:txBody>
           <a:bodyPr/>
           <a:lstStyle/>
@@ -843,7 +3484,12 @@
             <p:ph type="ftr" sz="quarter" idx="11"/>
           </p:nvPr>
         </p:nvSpPr>
-        <p:spPr/>
+        <p:spPr>
+          <a:xfrm>
+            <a:off x="1972647" y="6108173"/>
+            <a:ext cx="5314517" cy="365125"/>
+          </a:xfrm>
+        </p:spPr>
         <p:txBody>
           <a:bodyPr/>
           <a:lstStyle/>
@@ -862,7 +3508,12 @@
             <p:ph type="sldNum" sz="quarter" idx="12"/>
           </p:nvPr>
         </p:nvSpPr>
-        <p:spPr/>
+        <p:spPr>
+          <a:xfrm>
+            <a:off x="8258967" y="6108173"/>
+            <a:ext cx="427833" cy="365125"/>
+          </a:xfrm>
+        </p:spPr>
         <p:txBody>
           <a:bodyPr/>
           <a:lstStyle/>
@@ -878,7 +3529,7 @@
     </p:spTree>
     <p:extLst>
       <p:ext uri="{BB962C8B-B14F-4D97-AF65-F5344CB8AC3E}">
-        <p14:creationId xmlns:p14="http://schemas.microsoft.com/office/powerpoint/2010/main" val="2614314258"/>
+        <p14:creationId xmlns:p14="http://schemas.microsoft.com/office/powerpoint/2010/main" val="3160856688"/>
       </p:ext>
     </p:extLst>
   </p:cSld>
@@ -917,15 +3568,15 @@
         </p:nvSpPr>
         <p:spPr>
           <a:xfrm>
-            <a:off x="722313" y="4406900"/>
-            <a:ext cx="7772400" cy="1362075"/>
+            <a:off x="1986995" y="2666998"/>
+            <a:ext cx="6699805" cy="2360071"/>
           </a:xfrm>
         </p:spPr>
         <p:txBody>
-          <a:bodyPr anchor="t"/>
+          <a:bodyPr anchor="b"/>
           <a:lstStyle>
-            <a:lvl1pPr algn="l">
-              <a:defRPr sz="4000" b="1" cap="all"/>
+            <a:lvl1pPr algn="r">
+              <a:defRPr sz="4000" b="0" cap="none"/>
             </a:lvl1pPr>
           </a:lstStyle>
           <a:p>
@@ -933,6 +3584,7 @@
               <a:rPr lang="en-US"/>
               <a:t>Click to edit Master title style</a:t>
             </a:r>
+            <a:endParaRPr lang="en-US" dirty="0"/>
           </a:p>
         </p:txBody>
       </p:sp>
@@ -948,20 +3600,20 @@
         </p:nvSpPr>
         <p:spPr>
           <a:xfrm>
-            <a:off x="722313" y="2906713"/>
-            <a:ext cx="7772400" cy="1500187"/>
+            <a:off x="1986998" y="5027070"/>
+            <a:ext cx="6699802" cy="860400"/>
           </a:xfrm>
         </p:spPr>
         <p:txBody>
-          <a:bodyPr anchor="b"/>
+          <a:bodyPr anchor="t">
+            <a:normAutofit/>
+          </a:bodyPr>
           <a:lstStyle>
-            <a:lvl1pPr marL="0" indent="0">
+            <a:lvl1pPr marL="0" indent="0" algn="r">
               <a:buNone/>
               <a:defRPr sz="2000">
                 <a:solidFill>
-                  <a:schemeClr val="tx1">
-                    <a:tint val="75000"/>
-                  </a:schemeClr>
+                  <a:schemeClr val="tx1"/>
                 </a:solidFill>
               </a:defRPr>
             </a:lvl1pPr>
@@ -1107,7 +3759,12 @@
             <p:ph type="sldNum" sz="quarter" idx="12"/>
           </p:nvPr>
         </p:nvSpPr>
-        <p:spPr/>
+        <p:spPr>
+          <a:xfrm>
+            <a:off x="8273317" y="6116070"/>
+            <a:ext cx="413483" cy="365125"/>
+          </a:xfrm>
+        </p:spPr>
         <p:txBody>
           <a:bodyPr/>
           <a:lstStyle/>
@@ -1123,7 +3780,7 @@
     </p:spTree>
     <p:extLst>
       <p:ext uri="{BB962C8B-B14F-4D97-AF65-F5344CB8AC3E}">
-        <p14:creationId xmlns:p14="http://schemas.microsoft.com/office/powerpoint/2010/main" val="960648375"/>
+        <p14:creationId xmlns:p14="http://schemas.microsoft.com/office/powerpoint/2010/main" val="33715529"/>
       </p:ext>
     </p:extLst>
   </p:cSld>
@@ -1160,7 +3817,12 @@
             <p:ph type="title"/>
           </p:nvPr>
         </p:nvSpPr>
-        <p:spPr/>
+        <p:spPr>
+          <a:xfrm>
+            <a:off x="982133" y="685801"/>
+            <a:ext cx="7704667" cy="1752599"/>
+          </a:xfrm>
+        </p:spPr>
         <p:txBody>
           <a:bodyPr/>
           <a:lstStyle/>
@@ -1169,6 +3831,7 @@
               <a:rPr lang="en-US"/>
               <a:t>Click to edit Master title style</a:t>
             </a:r>
+            <a:endParaRPr lang="en-US" dirty="0"/>
           </a:p>
         </p:txBody>
       </p:sp>
@@ -1184,39 +3847,41 @@
         </p:nvSpPr>
         <p:spPr>
           <a:xfrm>
-            <a:off x="457200" y="1600200"/>
-            <a:ext cx="4038600" cy="4525963"/>
+            <a:off x="982133" y="2667000"/>
+            <a:ext cx="3739896" cy="3368674"/>
           </a:xfrm>
         </p:spPr>
         <p:txBody>
-          <a:bodyPr/>
+          <a:bodyPr>
+            <a:normAutofit/>
+          </a:bodyPr>
           <a:lstStyle>
             <a:lvl1pPr>
-              <a:defRPr sz="2800"/>
+              <a:defRPr sz="1800"/>
             </a:lvl1pPr>
             <a:lvl2pPr>
-              <a:defRPr sz="2400"/>
+              <a:defRPr sz="1600"/>
             </a:lvl2pPr>
             <a:lvl3pPr>
-              <a:defRPr sz="2000"/>
+              <a:defRPr sz="1400"/>
             </a:lvl3pPr>
             <a:lvl4pPr>
-              <a:defRPr sz="1800"/>
+              <a:defRPr sz="1200"/>
             </a:lvl4pPr>
             <a:lvl5pPr>
-              <a:defRPr sz="1800"/>
+              <a:defRPr sz="1200"/>
             </a:lvl5pPr>
             <a:lvl6pPr>
-              <a:defRPr sz="1800"/>
+              <a:defRPr sz="1200"/>
             </a:lvl6pPr>
             <a:lvl7pPr>
-              <a:defRPr sz="1800"/>
+              <a:defRPr sz="1200"/>
             </a:lvl7pPr>
             <a:lvl8pPr>
-              <a:defRPr sz="1800"/>
+              <a:defRPr sz="1200"/>
             </a:lvl8pPr>
             <a:lvl9pPr>
-              <a:defRPr sz="1800"/>
+              <a:defRPr sz="1200"/>
             </a:lvl9pPr>
           </a:lstStyle>
           <a:p>
@@ -1253,6 +3918,7 @@
               <a:rPr lang="en-US"/>
               <a:t>Fifth level</a:t>
             </a:r>
+            <a:endParaRPr lang="en-US" dirty="0"/>
           </a:p>
         </p:txBody>
       </p:sp>
@@ -1268,39 +3934,41 @@
         </p:nvSpPr>
         <p:spPr>
           <a:xfrm>
-            <a:off x="4648200" y="1600200"/>
-            <a:ext cx="4038600" cy="4525963"/>
+            <a:off x="4946904" y="2667000"/>
+            <a:ext cx="3739896" cy="3346824"/>
           </a:xfrm>
         </p:spPr>
         <p:txBody>
-          <a:bodyPr/>
+          <a:bodyPr>
+            <a:normAutofit/>
+          </a:bodyPr>
           <a:lstStyle>
             <a:lvl1pPr>
-              <a:defRPr sz="2800"/>
+              <a:defRPr sz="1800"/>
             </a:lvl1pPr>
             <a:lvl2pPr>
-              <a:defRPr sz="2400"/>
+              <a:defRPr sz="1600"/>
             </a:lvl2pPr>
             <a:lvl3pPr>
-              <a:defRPr sz="2000"/>
+              <a:defRPr sz="1400"/>
             </a:lvl3pPr>
             <a:lvl4pPr>
-              <a:defRPr sz="1800"/>
+              <a:defRPr sz="1200"/>
             </a:lvl4pPr>
             <a:lvl5pPr>
-              <a:defRPr sz="1800"/>
+              <a:defRPr sz="1200"/>
             </a:lvl5pPr>
             <a:lvl6pPr>
-              <a:defRPr sz="1800"/>
+              <a:defRPr sz="1200"/>
             </a:lvl6pPr>
             <a:lvl7pPr>
-              <a:defRPr sz="1800"/>
+              <a:defRPr sz="1200"/>
             </a:lvl7pPr>
             <a:lvl8pPr>
-              <a:defRPr sz="1800"/>
+              <a:defRPr sz="1200"/>
             </a:lvl8pPr>
             <a:lvl9pPr>
-              <a:defRPr sz="1800"/>
+              <a:defRPr sz="1200"/>
             </a:lvl9pPr>
           </a:lstStyle>
           <a:p>
@@ -1337,6 +4005,7 @@
               <a:rPr lang="en-US"/>
               <a:t>Fifth level</a:t>
             </a:r>
+            <a:endParaRPr lang="en-US" dirty="0"/>
           </a:p>
         </p:txBody>
       </p:sp>
@@ -1408,7 +4077,7 @@
     </p:spTree>
     <p:extLst>
       <p:ext uri="{BB962C8B-B14F-4D97-AF65-F5344CB8AC3E}">
-        <p14:creationId xmlns:p14="http://schemas.microsoft.com/office/powerpoint/2010/main" val="2782244947"/>
+        <p14:creationId xmlns:p14="http://schemas.microsoft.com/office/powerpoint/2010/main" val="806430503"/>
       </p:ext>
     </p:extLst>
   </p:cSld>
@@ -1458,6 +4127,7 @@
               <a:rPr lang="en-US"/>
               <a:t>Click to edit Master title style</a:t>
             </a:r>
+            <a:endParaRPr lang="en-US" dirty="0"/>
           </a:p>
         </p:txBody>
       </p:sp>
@@ -1473,16 +4143,24 @@
         </p:nvSpPr>
         <p:spPr>
           <a:xfrm>
-            <a:off x="457200" y="1535113"/>
-            <a:ext cx="4040188" cy="639762"/>
+            <a:off x="1329481" y="2658533"/>
+            <a:ext cx="3456291" cy="576262"/>
           </a:xfrm>
         </p:spPr>
         <p:txBody>
-          <a:bodyPr anchor="b"/>
+          <a:bodyPr anchor="b">
+            <a:noAutofit/>
+          </a:bodyPr>
           <a:lstStyle>
             <a:lvl1pPr marL="0" indent="0">
               <a:buNone/>
-              <a:defRPr sz="2400" b="1"/>
+              <a:defRPr sz="2800" b="0">
+                <a:solidFill>
+                  <a:schemeClr val="accent1">
+                    <a:lumMod val="75000"/>
+                  </a:schemeClr>
+                </a:solidFill>
+              </a:defRPr>
             </a:lvl1pPr>
             <a:lvl2pPr marL="457200" indent="0">
               <a:buNone/>
@@ -1538,39 +4216,41 @@
         </p:nvSpPr>
         <p:spPr>
           <a:xfrm>
-            <a:off x="457200" y="2174875"/>
-            <a:ext cx="4040188" cy="3951288"/>
+            <a:off x="1113523" y="3335336"/>
+            <a:ext cx="3672248" cy="2665259"/>
           </a:xfrm>
         </p:spPr>
         <p:txBody>
-          <a:bodyPr/>
+          <a:bodyPr anchor="t">
+            <a:normAutofit/>
+          </a:bodyPr>
           <a:lstStyle>
             <a:lvl1pPr>
-              <a:defRPr sz="2400"/>
+              <a:defRPr sz="1800"/>
             </a:lvl1pPr>
             <a:lvl2pPr>
-              <a:defRPr sz="2000"/>
+              <a:defRPr sz="1600"/>
             </a:lvl2pPr>
             <a:lvl3pPr>
-              <a:defRPr sz="1800"/>
+              <a:defRPr sz="1400"/>
             </a:lvl3pPr>
             <a:lvl4pPr>
-              <a:defRPr sz="1600"/>
+              <a:defRPr sz="1200"/>
             </a:lvl4pPr>
             <a:lvl5pPr>
-              <a:defRPr sz="1600"/>
+              <a:defRPr sz="1200"/>
             </a:lvl5pPr>
             <a:lvl6pPr>
-              <a:defRPr sz="1600"/>
+              <a:defRPr sz="1200"/>
             </a:lvl6pPr>
             <a:lvl7pPr>
-              <a:defRPr sz="1600"/>
+              <a:defRPr sz="1200"/>
             </a:lvl7pPr>
             <a:lvl8pPr>
-              <a:defRPr sz="1600"/>
+              <a:defRPr sz="1200"/>
             </a:lvl8pPr>
             <a:lvl9pPr>
-              <a:defRPr sz="1600"/>
+              <a:defRPr sz="1200"/>
             </a:lvl9pPr>
           </a:lstStyle>
           <a:p>
@@ -1607,6 +4287,7 @@
               <a:rPr lang="en-US"/>
               <a:t>Fifth level</a:t>
             </a:r>
+            <a:endParaRPr lang="en-US" dirty="0"/>
           </a:p>
         </p:txBody>
       </p:sp>
@@ -1622,16 +4303,24 @@
         </p:nvSpPr>
         <p:spPr>
           <a:xfrm>
-            <a:off x="4645025" y="1535113"/>
-            <a:ext cx="4041775" cy="639762"/>
+            <a:off x="5161710" y="2667000"/>
+            <a:ext cx="3467806" cy="576262"/>
           </a:xfrm>
         </p:spPr>
         <p:txBody>
-          <a:bodyPr anchor="b"/>
+          <a:bodyPr anchor="b">
+            <a:noAutofit/>
+          </a:bodyPr>
           <a:lstStyle>
             <a:lvl1pPr marL="0" indent="0">
               <a:buNone/>
-              <a:defRPr sz="2400" b="1"/>
+              <a:defRPr sz="2800" b="0">
+                <a:solidFill>
+                  <a:schemeClr val="accent1">
+                    <a:lumMod val="75000"/>
+                  </a:schemeClr>
+                </a:solidFill>
+              </a:defRPr>
             </a:lvl1pPr>
             <a:lvl2pPr marL="457200" indent="0">
               <a:buNone/>
@@ -1687,39 +4376,41 @@
         </p:nvSpPr>
         <p:spPr>
           <a:xfrm>
-            <a:off x="4645025" y="2174875"/>
-            <a:ext cx="4041775" cy="3951288"/>
+            <a:off x="4957266" y="3335336"/>
+            <a:ext cx="3672248" cy="2665259"/>
           </a:xfrm>
         </p:spPr>
         <p:txBody>
-          <a:bodyPr/>
+          <a:bodyPr anchor="t">
+            <a:normAutofit/>
+          </a:bodyPr>
           <a:lstStyle>
             <a:lvl1pPr>
-              <a:defRPr sz="2400"/>
+              <a:defRPr sz="1800"/>
             </a:lvl1pPr>
             <a:lvl2pPr>
-              <a:defRPr sz="2000"/>
+              <a:defRPr sz="1600"/>
             </a:lvl2pPr>
             <a:lvl3pPr>
-              <a:defRPr sz="1800"/>
+              <a:defRPr sz="1400"/>
             </a:lvl3pPr>
             <a:lvl4pPr>
-              <a:defRPr sz="1600"/>
+              <a:defRPr sz="1200"/>
             </a:lvl4pPr>
             <a:lvl5pPr>
-              <a:defRPr sz="1600"/>
+              <a:defRPr sz="1200"/>
             </a:lvl5pPr>
             <a:lvl6pPr>
-              <a:defRPr sz="1600"/>
+              <a:defRPr sz="1200"/>
             </a:lvl6pPr>
             <a:lvl7pPr>
-              <a:defRPr sz="1600"/>
+              <a:defRPr sz="1200"/>
             </a:lvl7pPr>
             <a:lvl8pPr>
-              <a:defRPr sz="1600"/>
+              <a:defRPr sz="1200"/>
             </a:lvl8pPr>
             <a:lvl9pPr>
-              <a:defRPr sz="1600"/>
+              <a:defRPr sz="1200"/>
             </a:lvl9pPr>
           </a:lstStyle>
           <a:p>
@@ -1756,6 +4447,7 @@
               <a:rPr lang="en-US"/>
               <a:t>Fifth level</a:t>
             </a:r>
+            <a:endParaRPr lang="en-US" dirty="0"/>
           </a:p>
         </p:txBody>
       </p:sp>
@@ -1827,7 +4519,7 @@
     </p:spTree>
     <p:extLst>
       <p:ext uri="{BB962C8B-B14F-4D97-AF65-F5344CB8AC3E}">
-        <p14:creationId xmlns:p14="http://schemas.microsoft.com/office/powerpoint/2010/main" val="990158736"/>
+        <p14:creationId xmlns:p14="http://schemas.microsoft.com/office/powerpoint/2010/main" val="4044512970"/>
       </p:ext>
     </p:extLst>
   </p:cSld>
@@ -1873,6 +4565,7 @@
               <a:rPr lang="en-US"/>
               <a:t>Click to edit Master title style</a:t>
             </a:r>
+            <a:endParaRPr lang="en-US" dirty="0"/>
           </a:p>
         </p:txBody>
       </p:sp>
@@ -1944,7 +4637,7 @@
     </p:spTree>
     <p:extLst>
       <p:ext uri="{BB962C8B-B14F-4D97-AF65-F5344CB8AC3E}">
-        <p14:creationId xmlns:p14="http://schemas.microsoft.com/office/powerpoint/2010/main" val="727027711"/>
+        <p14:creationId xmlns:p14="http://schemas.microsoft.com/office/powerpoint/2010/main" val="1990609934"/>
       </p:ext>
     </p:extLst>
   </p:cSld>
@@ -2039,7 +4732,7 @@
     </p:spTree>
     <p:extLst>
       <p:ext uri="{BB962C8B-B14F-4D97-AF65-F5344CB8AC3E}">
-        <p14:creationId xmlns:p14="http://schemas.microsoft.com/office/powerpoint/2010/main" val="1212999818"/>
+        <p14:creationId xmlns:p14="http://schemas.microsoft.com/office/powerpoint/2010/main" val="206712174"/>
       </p:ext>
     </p:extLst>
   </p:cSld>
@@ -2078,15 +4771,17 @@
         </p:nvSpPr>
         <p:spPr>
           <a:xfrm>
-            <a:off x="457200" y="273050"/>
-            <a:ext cx="3008313" cy="1162050"/>
+            <a:off x="1113524" y="1600200"/>
+            <a:ext cx="2662534" cy="1371600"/>
           </a:xfrm>
         </p:spPr>
         <p:txBody>
-          <a:bodyPr anchor="b"/>
+          <a:bodyPr anchor="b">
+            <a:normAutofit/>
+          </a:bodyPr>
           <a:lstStyle>
-            <a:lvl1pPr algn="l">
-              <a:defRPr sz="2000" b="1"/>
+            <a:lvl1pPr algn="ctr">
+              <a:defRPr sz="2400" b="0"/>
             </a:lvl1pPr>
           </a:lstStyle>
           <a:p>
@@ -2094,6 +4789,7 @@
               <a:rPr lang="en-US"/>
               <a:t>Click to edit Master title style</a:t>
             </a:r>
+            <a:endParaRPr lang="en-US" dirty="0"/>
           </a:p>
         </p:txBody>
       </p:sp>
@@ -2109,39 +4805,41 @@
         </p:nvSpPr>
         <p:spPr>
           <a:xfrm>
-            <a:off x="3575050" y="273050"/>
-            <a:ext cx="5111750" cy="5853113"/>
+            <a:off x="3947553" y="685800"/>
+            <a:ext cx="4681962" cy="5105401"/>
           </a:xfrm>
         </p:spPr>
         <p:txBody>
-          <a:bodyPr/>
+          <a:bodyPr anchor="ctr">
+            <a:normAutofit/>
+          </a:bodyPr>
           <a:lstStyle>
             <a:lvl1pPr>
-              <a:defRPr sz="3200"/>
+              <a:defRPr sz="2000"/>
             </a:lvl1pPr>
             <a:lvl2pPr>
-              <a:defRPr sz="2800"/>
+              <a:defRPr sz="1800"/>
             </a:lvl2pPr>
             <a:lvl3pPr>
-              <a:defRPr sz="2400"/>
+              <a:defRPr sz="1600"/>
             </a:lvl3pPr>
             <a:lvl4pPr>
-              <a:defRPr sz="2000"/>
+              <a:defRPr sz="1400"/>
             </a:lvl4pPr>
             <a:lvl5pPr>
-              <a:defRPr sz="2000"/>
+              <a:defRPr sz="1400"/>
             </a:lvl5pPr>
             <a:lvl6pPr>
-              <a:defRPr sz="2000"/>
+              <a:defRPr sz="1400"/>
             </a:lvl6pPr>
             <a:lvl7pPr>
-              <a:defRPr sz="2000"/>
+              <a:defRPr sz="1400"/>
             </a:lvl7pPr>
             <a:lvl8pPr>
-              <a:defRPr sz="2000"/>
+              <a:defRPr sz="1400"/>
             </a:lvl8pPr>
             <a:lvl9pPr>
-              <a:defRPr sz="2000"/>
+              <a:defRPr sz="1400"/>
             </a:lvl9pPr>
           </a:lstStyle>
           <a:p>
@@ -2178,6 +4876,7 @@
               <a:rPr lang="en-US"/>
               <a:t>Fifth level</a:t>
             </a:r>
+            <a:endParaRPr lang="en-US" dirty="0"/>
           </a:p>
         </p:txBody>
       </p:sp>
@@ -2193,16 +4892,18 @@
         </p:nvSpPr>
         <p:spPr>
           <a:xfrm>
-            <a:off x="457200" y="1435100"/>
-            <a:ext cx="3008313" cy="4691063"/>
+            <a:off x="1113524" y="2971800"/>
+            <a:ext cx="2662534" cy="1828800"/>
           </a:xfrm>
         </p:spPr>
         <p:txBody>
-          <a:bodyPr/>
+          <a:bodyPr>
+            <a:normAutofit/>
+          </a:bodyPr>
           <a:lstStyle>
-            <a:lvl1pPr marL="0" indent="0">
-              <a:buNone/>
-              <a:defRPr sz="1400"/>
+            <a:lvl1pPr marL="0" indent="0" algn="ctr">
+              <a:buNone/>
+              <a:defRPr sz="1600"/>
             </a:lvl1pPr>
             <a:lvl2pPr marL="457200" indent="0">
               <a:buNone/>
@@ -2314,7 +5015,7 @@
     </p:spTree>
     <p:extLst>
       <p:ext uri="{BB962C8B-B14F-4D97-AF65-F5344CB8AC3E}">
-        <p14:creationId xmlns:p14="http://schemas.microsoft.com/office/powerpoint/2010/main" val="1840726560"/>
+        <p14:creationId xmlns:p14="http://schemas.microsoft.com/office/powerpoint/2010/main" val="3656271144"/>
       </p:ext>
     </p:extLst>
   </p:cSld>
@@ -2353,15 +5054,17 @@
         </p:nvSpPr>
         <p:spPr>
           <a:xfrm>
-            <a:off x="1792288" y="4800600"/>
-            <a:ext cx="5486400" cy="566738"/>
+            <a:off x="1112332" y="1752599"/>
+            <a:ext cx="4070679" cy="1371600"/>
           </a:xfrm>
         </p:spPr>
         <p:txBody>
-          <a:bodyPr anchor="b"/>
+          <a:bodyPr anchor="b">
+            <a:normAutofit/>
+          </a:bodyPr>
           <a:lstStyle>
-            <a:lvl1pPr algn="l">
-              <a:defRPr sz="2000" b="1"/>
+            <a:lvl1pPr algn="ctr">
+              <a:defRPr sz="2800" b="0"/>
             </a:lvl1pPr>
           </a:lstStyle>
           <a:p>
@@ -2369,14 +5072,15 @@
               <a:rPr lang="en-US"/>
               <a:t>Click to edit Master title style</a:t>
             </a:r>
-          </a:p>
-        </p:txBody>
-      </p:sp>
-      <p:sp>
-        <p:nvSpPr>
-          <p:cNvPr id="3" name="Picture Placeholder 2"/>
-          <p:cNvSpPr>
-            <a:spLocks noGrp="1"/>
+            <a:endParaRPr lang="en-US" dirty="0"/>
+          </a:p>
+        </p:txBody>
+      </p:sp>
+      <p:sp>
+        <p:nvSpPr>
+          <p:cNvPr id="14" name="Picture Placeholder 2"/>
+          <p:cNvSpPr>
+            <a:spLocks noGrp="1" noChangeAspect="1"/>
           </p:cNvSpPr>
           <p:nvPr>
             <p:ph type="pic" idx="1"/>
@@ -2384,77 +5088,113 @@
         </p:nvSpPr>
         <p:spPr>
           <a:xfrm>
-            <a:off x="1792288" y="612775"/>
-            <a:ext cx="5486400" cy="4114800"/>
+            <a:off x="5697495" y="914400"/>
+            <a:ext cx="2461371" cy="4572000"/>
+          </a:xfrm>
+          <a:prstGeom prst="roundRect">
+            <a:avLst>
+              <a:gd name="adj" fmla="val 4280"/>
+            </a:avLst>
+          </a:prstGeom>
+          <a:ln w="38100">
+            <a:gradFill flip="none" rotWithShape="1">
+              <a:gsLst>
+                <a:gs pos="0">
+                  <a:schemeClr val="bg2"/>
+                </a:gs>
+                <a:gs pos="100000">
+                  <a:schemeClr val="bg2">
+                    <a:lumMod val="75000"/>
+                  </a:schemeClr>
+                </a:gs>
+              </a:gsLst>
+              <a:lin ang="5400000" scaled="0"/>
+              <a:tileRect/>
+            </a:gradFill>
+          </a:ln>
+          <a:effectLst>
+            <a:innerShdw blurRad="57150" dist="38100" dir="14460000">
+              <a:srgbClr val="000000">
+                <a:alpha val="70000"/>
+              </a:srgbClr>
+            </a:innerShdw>
+          </a:effectLst>
+        </p:spPr>
+        <p:txBody>
+          <a:bodyPr anchor="t">
+            <a:normAutofit/>
+          </a:bodyPr>
+          <a:lstStyle>
+            <a:lvl1pPr marL="0" indent="0" algn="ctr">
+              <a:buNone/>
+              <a:defRPr sz="1600"/>
+            </a:lvl1pPr>
+            <a:lvl2pPr marL="457200" indent="0">
+              <a:buNone/>
+              <a:defRPr sz="1600"/>
+            </a:lvl2pPr>
+            <a:lvl3pPr marL="914400" indent="0">
+              <a:buNone/>
+              <a:defRPr sz="1600"/>
+            </a:lvl3pPr>
+            <a:lvl4pPr marL="1371600" indent="0">
+              <a:buNone/>
+              <a:defRPr sz="1600"/>
+            </a:lvl4pPr>
+            <a:lvl5pPr marL="1828800" indent="0">
+              <a:buNone/>
+              <a:defRPr sz="1600"/>
+            </a:lvl5pPr>
+            <a:lvl6pPr marL="2286000" indent="0">
+              <a:buNone/>
+              <a:defRPr sz="1600"/>
+            </a:lvl6pPr>
+            <a:lvl7pPr marL="2743200" indent="0">
+              <a:buNone/>
+              <a:defRPr sz="1600"/>
+            </a:lvl7pPr>
+            <a:lvl8pPr marL="3200400" indent="0">
+              <a:buNone/>
+              <a:defRPr sz="1600"/>
+            </a:lvl8pPr>
+            <a:lvl9pPr marL="3657600" indent="0">
+              <a:buNone/>
+              <a:defRPr sz="1600"/>
+            </a:lvl9pPr>
+          </a:lstStyle>
+          <a:p>
+            <a:r>
+              <a:rPr lang="en-US"/>
+              <a:t>Click icon to add picture</a:t>
+            </a:r>
+            <a:endParaRPr lang="en-US" dirty="0"/>
+          </a:p>
+        </p:txBody>
+      </p:sp>
+      <p:sp>
+        <p:nvSpPr>
+          <p:cNvPr id="4" name="Text Placeholder 3"/>
+          <p:cNvSpPr>
+            <a:spLocks noGrp="1"/>
+          </p:cNvSpPr>
+          <p:nvPr>
+            <p:ph type="body" sz="half" idx="2"/>
+          </p:nvPr>
+        </p:nvSpPr>
+        <p:spPr>
+          <a:xfrm>
+            <a:off x="1112332" y="3124199"/>
+            <a:ext cx="4070679" cy="1828800"/>
           </a:xfrm>
         </p:spPr>
         <p:txBody>
-          <a:bodyPr/>
+          <a:bodyPr>
+            <a:normAutofit/>
+          </a:bodyPr>
           <a:lstStyle>
-            <a:lvl1pPr marL="0" indent="0">
-              <a:buNone/>
-              <a:defRPr sz="3200"/>
-            </a:lvl1pPr>
-            <a:lvl2pPr marL="457200" indent="0">
-              <a:buNone/>
-              <a:defRPr sz="2800"/>
-            </a:lvl2pPr>
-            <a:lvl3pPr marL="914400" indent="0">
-              <a:buNone/>
-              <a:defRPr sz="2400"/>
-            </a:lvl3pPr>
-            <a:lvl4pPr marL="1371600" indent="0">
-              <a:buNone/>
-              <a:defRPr sz="2000"/>
-            </a:lvl4pPr>
-            <a:lvl5pPr marL="1828800" indent="0">
-              <a:buNone/>
-              <a:defRPr sz="2000"/>
-            </a:lvl5pPr>
-            <a:lvl6pPr marL="2286000" indent="0">
-              <a:buNone/>
-              <a:defRPr sz="2000"/>
-            </a:lvl6pPr>
-            <a:lvl7pPr marL="2743200" indent="0">
-              <a:buNone/>
-              <a:defRPr sz="2000"/>
-            </a:lvl7pPr>
-            <a:lvl8pPr marL="3200400" indent="0">
-              <a:buNone/>
-              <a:defRPr sz="2000"/>
-            </a:lvl8pPr>
-            <a:lvl9pPr marL="3657600" indent="0">
-              <a:buNone/>
-              <a:defRPr sz="2000"/>
-            </a:lvl9pPr>
-          </a:lstStyle>
-          <a:p>
-            <a:endParaRPr lang="en-US"/>
-          </a:p>
-        </p:txBody>
-      </p:sp>
-      <p:sp>
-        <p:nvSpPr>
-          <p:cNvPr id="4" name="Text Placeholder 3"/>
-          <p:cNvSpPr>
-            <a:spLocks noGrp="1"/>
-          </p:cNvSpPr>
-          <p:nvPr>
-            <p:ph type="body" sz="half" idx="2"/>
-          </p:nvPr>
-        </p:nvSpPr>
-        <p:spPr>
-          <a:xfrm>
-            <a:off x="1792288" y="5367338"/>
-            <a:ext cx="5486400" cy="804862"/>
-          </a:xfrm>
-        </p:spPr>
-        <p:txBody>
-          <a:bodyPr/>
-          <a:lstStyle>
-            <a:lvl1pPr marL="0" indent="0">
-              <a:buNone/>
-              <a:defRPr sz="1400"/>
+            <a:lvl1pPr marL="0" indent="0" algn="ctr">
+              <a:buNone/>
+              <a:defRPr sz="1800"/>
             </a:lvl1pPr>
             <a:lvl2pPr marL="457200" indent="0">
               <a:buNone/>
@@ -2566,7 +5306,7 @@
     </p:spTree>
     <p:extLst>
       <p:ext uri="{BB962C8B-B14F-4D97-AF65-F5344CB8AC3E}">
-        <p14:creationId xmlns:p14="http://schemas.microsoft.com/office/powerpoint/2010/main" val="3889236939"/>
+        <p14:creationId xmlns:p14="http://schemas.microsoft.com/office/powerpoint/2010/main" val="2910781810"/>
       </p:ext>
     </p:extLst>
   </p:cSld>
@@ -2580,8 +5320,8 @@
 <p:sldMaster xmlns:a="http://schemas.openxmlformats.org/drawingml/2006/main" xmlns:r="http://schemas.openxmlformats.org/officeDocument/2006/relationships" xmlns:p="http://schemas.openxmlformats.org/presentationml/2006/main">
   <p:cSld>
     <p:bg>
-      <p:bgRef idx="1001">
-        <a:schemeClr val="bg1"/>
+      <p:bgRef idx="1003">
+        <a:schemeClr val="bg2"/>
       </p:bgRef>
     </p:bg>
     <p:spTree>
@@ -2598,6 +5338,316 @@
           <a:chExt cx="0" cy="0"/>
         </a:xfrm>
       </p:grpSpPr>
+      <p:grpSp>
+        <p:nvGrpSpPr>
+          <p:cNvPr id="14" name="Group 13"/>
+          <p:cNvGrpSpPr/>
+          <p:nvPr/>
+        </p:nvGrpSpPr>
+        <p:grpSpPr>
+          <a:xfrm>
+            <a:off x="0" y="0"/>
+            <a:ext cx="2132013" cy="6858001"/>
+            <a:chOff x="0" y="0"/>
+            <a:chExt cx="2132013" cy="6858001"/>
+          </a:xfrm>
+        </p:grpSpPr>
+        <p:sp>
+          <p:nvSpPr>
+            <p:cNvPr id="15" name="Freeform 6"/>
+            <p:cNvSpPr/>
+            <p:nvPr/>
+          </p:nvSpPr>
+          <p:spPr bwMode="auto">
+            <a:xfrm>
+              <a:off x="0" y="0"/>
+              <a:ext cx="1073150" cy="5291138"/>
+            </a:xfrm>
+            <a:custGeom>
+              <a:avLst/>
+              <a:gdLst/>
+              <a:ahLst/>
+              <a:cxnLst/>
+              <a:rect l="0" t="0" r="r" b="b"/>
+              <a:pathLst>
+                <a:path w="676" h="3333">
+                  <a:moveTo>
+                    <a:pt x="0" y="3132"/>
+                  </a:moveTo>
+                  <a:lnTo>
+                    <a:pt x="0" y="3312"/>
+                  </a:lnTo>
+                  <a:lnTo>
+                    <a:pt x="126" y="3333"/>
+                  </a:lnTo>
+                  <a:lnTo>
+                    <a:pt x="676" y="0"/>
+                  </a:lnTo>
+                  <a:lnTo>
+                    <a:pt x="514" y="0"/>
+                  </a:lnTo>
+                  <a:lnTo>
+                    <a:pt x="0" y="3132"/>
+                  </a:lnTo>
+                  <a:close/>
+                </a:path>
+              </a:pathLst>
+            </a:custGeom>
+            <a:solidFill>
+              <a:schemeClr val="accent1"/>
+            </a:solidFill>
+            <a:ln>
+              <a:noFill/>
+            </a:ln>
+          </p:spPr>
+        </p:sp>
+        <p:sp>
+          <p:nvSpPr>
+            <p:cNvPr id="16" name="Freeform 7"/>
+            <p:cNvSpPr/>
+            <p:nvPr/>
+          </p:nvSpPr>
+          <p:spPr bwMode="auto">
+            <a:xfrm>
+              <a:off x="0" y="0"/>
+              <a:ext cx="758825" cy="4624388"/>
+            </a:xfrm>
+            <a:custGeom>
+              <a:avLst/>
+              <a:gdLst/>
+              <a:ahLst/>
+              <a:cxnLst/>
+              <a:rect l="0" t="0" r="r" b="b"/>
+              <a:pathLst>
+                <a:path w="478" h="2913">
+                  <a:moveTo>
+                    <a:pt x="478" y="0"/>
+                  </a:moveTo>
+                  <a:lnTo>
+                    <a:pt x="318" y="0"/>
+                  </a:lnTo>
+                  <a:lnTo>
+                    <a:pt x="0" y="1938"/>
+                  </a:lnTo>
+                  <a:lnTo>
+                    <a:pt x="0" y="2913"/>
+                  </a:lnTo>
+                  <a:lnTo>
+                    <a:pt x="478" y="0"/>
+                  </a:lnTo>
+                  <a:close/>
+                </a:path>
+              </a:pathLst>
+            </a:custGeom>
+            <a:solidFill>
+              <a:schemeClr val="tx1">
+                <a:lumMod val="65000"/>
+                <a:lumOff val="35000"/>
+              </a:schemeClr>
+            </a:solidFill>
+            <a:ln>
+              <a:noFill/>
+            </a:ln>
+          </p:spPr>
+        </p:sp>
+        <p:sp>
+          <p:nvSpPr>
+            <p:cNvPr id="17" name="Freeform 8"/>
+            <p:cNvSpPr/>
+            <p:nvPr/>
+          </p:nvSpPr>
+          <p:spPr bwMode="auto">
+            <a:xfrm>
+              <a:off x="0" y="5662613"/>
+              <a:ext cx="906463" cy="1195388"/>
+            </a:xfrm>
+            <a:custGeom>
+              <a:avLst/>
+              <a:gdLst/>
+              <a:ahLst/>
+              <a:cxnLst/>
+              <a:rect l="0" t="0" r="r" b="b"/>
+              <a:pathLst>
+                <a:path w="571" h="753">
+                  <a:moveTo>
+                    <a:pt x="0" y="0"/>
+                  </a:moveTo>
+                  <a:lnTo>
+                    <a:pt x="0" y="12"/>
+                  </a:lnTo>
+                  <a:lnTo>
+                    <a:pt x="538" y="753"/>
+                  </a:lnTo>
+                  <a:lnTo>
+                    <a:pt x="571" y="753"/>
+                  </a:lnTo>
+                  <a:lnTo>
+                    <a:pt x="0" y="0"/>
+                  </a:lnTo>
+                  <a:close/>
+                </a:path>
+              </a:pathLst>
+            </a:custGeom>
+            <a:solidFill>
+              <a:schemeClr val="tx1">
+                <a:lumMod val="85000"/>
+                <a:lumOff val="15000"/>
+              </a:schemeClr>
+            </a:solidFill>
+            <a:ln>
+              <a:noFill/>
+            </a:ln>
+          </p:spPr>
+        </p:sp>
+        <p:sp>
+          <p:nvSpPr>
+            <p:cNvPr id="18" name="Freeform 9"/>
+            <p:cNvSpPr/>
+            <p:nvPr/>
+          </p:nvSpPr>
+          <p:spPr bwMode="auto">
+            <a:xfrm>
+              <a:off x="0" y="5295900"/>
+              <a:ext cx="1487488" cy="1562100"/>
+            </a:xfrm>
+            <a:custGeom>
+              <a:avLst/>
+              <a:gdLst/>
+              <a:ahLst/>
+              <a:cxnLst/>
+              <a:rect l="0" t="0" r="r" b="b"/>
+              <a:pathLst>
+                <a:path w="937" h="984">
+                  <a:moveTo>
+                    <a:pt x="0" y="0"/>
+                  </a:moveTo>
+                  <a:lnTo>
+                    <a:pt x="0" y="3"/>
+                  </a:lnTo>
+                  <a:lnTo>
+                    <a:pt x="901" y="984"/>
+                  </a:lnTo>
+                  <a:lnTo>
+                    <a:pt x="937" y="984"/>
+                  </a:lnTo>
+                  <a:lnTo>
+                    <a:pt x="0" y="0"/>
+                  </a:lnTo>
+                  <a:close/>
+                </a:path>
+              </a:pathLst>
+            </a:custGeom>
+            <a:solidFill>
+              <a:schemeClr val="accent1">
+                <a:lumMod val="50000"/>
+              </a:schemeClr>
+            </a:solidFill>
+            <a:ln>
+              <a:noFill/>
+            </a:ln>
+          </p:spPr>
+        </p:sp>
+        <p:sp>
+          <p:nvSpPr>
+            <p:cNvPr id="19" name="Freeform 10"/>
+            <p:cNvSpPr/>
+            <p:nvPr/>
+          </p:nvSpPr>
+          <p:spPr bwMode="auto">
+            <a:xfrm>
+              <a:off x="0" y="5257800"/>
+              <a:ext cx="2132013" cy="1600200"/>
+            </a:xfrm>
+            <a:custGeom>
+              <a:avLst/>
+              <a:gdLst/>
+              <a:ahLst/>
+              <a:cxnLst/>
+              <a:rect l="0" t="0" r="r" b="b"/>
+              <a:pathLst>
+                <a:path w="1343" h="1008">
+                  <a:moveTo>
+                    <a:pt x="0" y="24"/>
+                  </a:moveTo>
+                  <a:lnTo>
+                    <a:pt x="937" y="1008"/>
+                  </a:lnTo>
+                  <a:lnTo>
+                    <a:pt x="1343" y="1008"/>
+                  </a:lnTo>
+                  <a:lnTo>
+                    <a:pt x="126" y="21"/>
+                  </a:lnTo>
+                  <a:lnTo>
+                    <a:pt x="0" y="0"/>
+                  </a:lnTo>
+                  <a:lnTo>
+                    <a:pt x="0" y="24"/>
+                  </a:lnTo>
+                  <a:close/>
+                </a:path>
+              </a:pathLst>
+            </a:custGeom>
+            <a:solidFill>
+              <a:schemeClr val="accent1">
+                <a:lumMod val="75000"/>
+              </a:schemeClr>
+            </a:solidFill>
+            <a:ln>
+              <a:noFill/>
+            </a:ln>
+          </p:spPr>
+        </p:sp>
+        <p:sp>
+          <p:nvSpPr>
+            <p:cNvPr id="20" name="Freeform 11"/>
+            <p:cNvSpPr/>
+            <p:nvPr/>
+          </p:nvSpPr>
+          <p:spPr bwMode="auto">
+            <a:xfrm>
+              <a:off x="0" y="5357813"/>
+              <a:ext cx="1377950" cy="1500188"/>
+            </a:xfrm>
+            <a:custGeom>
+              <a:avLst/>
+              <a:gdLst/>
+              <a:ahLst/>
+              <a:cxnLst/>
+              <a:rect l="0" t="0" r="r" b="b"/>
+              <a:pathLst>
+                <a:path w="868" h="945">
+                  <a:moveTo>
+                    <a:pt x="0" y="192"/>
+                  </a:moveTo>
+                  <a:lnTo>
+                    <a:pt x="571" y="945"/>
+                  </a:lnTo>
+                  <a:lnTo>
+                    <a:pt x="868" y="945"/>
+                  </a:lnTo>
+                  <a:lnTo>
+                    <a:pt x="0" y="0"/>
+                  </a:lnTo>
+                  <a:lnTo>
+                    <a:pt x="0" y="192"/>
+                  </a:lnTo>
+                  <a:close/>
+                </a:path>
+              </a:pathLst>
+            </a:custGeom>
+            <a:solidFill>
+              <a:schemeClr val="tx1">
+                <a:lumMod val="75000"/>
+                <a:lumOff val="25000"/>
+              </a:schemeClr>
+            </a:solidFill>
+            <a:ln>
+              <a:noFill/>
+            </a:ln>
+          </p:spPr>
+        </p:sp>
+      </p:grpSp>
       <p:sp>
         <p:nvSpPr>
           <p:cNvPr id="2" name="Title Placeholder 1"/>
@@ -2610,8 +5660,42 @@
         </p:nvSpPr>
         <p:spPr>
           <a:xfrm>
-            <a:off x="457200" y="274638"/>
-            <a:ext cx="8229600" cy="1143000"/>
+            <a:off x="982133" y="457201"/>
+            <a:ext cx="7704667" cy="1981200"/>
+          </a:xfrm>
+          <a:prstGeom prst="rect">
+            <a:avLst/>
+          </a:prstGeom>
+          <a:effectLst/>
+        </p:spPr>
+        <p:txBody>
+          <a:bodyPr vert="horz" lIns="91440" tIns="45720" rIns="91440" bIns="45720" rtlCol="0" anchor="ctr">
+            <a:normAutofit/>
+          </a:bodyPr>
+          <a:lstStyle/>
+          <a:p>
+            <a:r>
+              <a:rPr lang="en-US"/>
+              <a:t>Click to edit Master title style</a:t>
+            </a:r>
+            <a:endParaRPr lang="en-US" dirty="0"/>
+          </a:p>
+        </p:txBody>
+      </p:sp>
+      <p:sp>
+        <p:nvSpPr>
+          <p:cNvPr id="3" name="Text Placeholder 2"/>
+          <p:cNvSpPr>
+            <a:spLocks noGrp="1"/>
+          </p:cNvSpPr>
+          <p:nvPr>
+            <p:ph type="body" idx="1"/>
+          </p:nvPr>
+        </p:nvSpPr>
+        <p:spPr>
+          <a:xfrm>
+            <a:off x="982134" y="2667000"/>
+            <a:ext cx="7704666" cy="3356995"/>
           </a:xfrm>
           <a:prstGeom prst="rect">
             <a:avLst/>
@@ -2623,88 +5707,98 @@
           </a:bodyPr>
           <a:lstStyle/>
           <a:p>
+            <a:pPr lvl="0"/>
             <a:r>
               <a:rPr lang="en-US"/>
-              <a:t>Click to edit Master title style</a:t>
-            </a:r>
-          </a:p>
-        </p:txBody>
-      </p:sp>
-      <p:sp>
-        <p:nvSpPr>
-          <p:cNvPr id="3" name="Text Placeholder 2"/>
-          <p:cNvSpPr>
-            <a:spLocks noGrp="1"/>
-          </p:cNvSpPr>
-          <p:nvPr>
-            <p:ph type="body" idx="1"/>
+              <a:t>Click to edit Master text styles</a:t>
+            </a:r>
+          </a:p>
+          <a:p>
+            <a:pPr lvl="1"/>
+            <a:r>
+              <a:rPr lang="en-US"/>
+              <a:t>Second level</a:t>
+            </a:r>
+          </a:p>
+          <a:p>
+            <a:pPr lvl="2"/>
+            <a:r>
+              <a:rPr lang="en-US"/>
+              <a:t>Third level</a:t>
+            </a:r>
+          </a:p>
+          <a:p>
+            <a:pPr lvl="3"/>
+            <a:r>
+              <a:rPr lang="en-US"/>
+              <a:t>Fourth level</a:t>
+            </a:r>
+          </a:p>
+          <a:p>
+            <a:pPr lvl="4"/>
+            <a:r>
+              <a:rPr lang="en-US"/>
+              <a:t>Fifth level</a:t>
+            </a:r>
+            <a:endParaRPr lang="en-US" dirty="0"/>
+          </a:p>
+        </p:txBody>
+      </p:sp>
+      <p:sp>
+        <p:nvSpPr>
+          <p:cNvPr id="4" name="Date Placeholder 3"/>
+          <p:cNvSpPr>
+            <a:spLocks noGrp="1"/>
+          </p:cNvSpPr>
+          <p:nvPr>
+            <p:ph type="dt" sz="half" idx="2"/>
           </p:nvPr>
         </p:nvSpPr>
         <p:spPr>
           <a:xfrm>
-            <a:off x="457200" y="1600200"/>
-            <a:ext cx="8229600" cy="4525963"/>
+            <a:off x="7358679" y="6116070"/>
+            <a:ext cx="857473" cy="365125"/>
           </a:xfrm>
           <a:prstGeom prst="rect">
             <a:avLst/>
           </a:prstGeom>
         </p:spPr>
         <p:txBody>
-          <a:bodyPr vert="horz" lIns="91440" tIns="45720" rIns="91440" bIns="45720" rtlCol="0">
-            <a:normAutofit/>
-          </a:bodyPr>
-          <a:lstStyle/>
-          <a:p>
-            <a:pPr lvl="0"/>
-            <a:r>
-              <a:rPr lang="en-US"/>
-              <a:t>Click to edit Master text styles</a:t>
-            </a:r>
-          </a:p>
-          <a:p>
-            <a:pPr lvl="1"/>
-            <a:r>
-              <a:rPr lang="en-US"/>
-              <a:t>Second level</a:t>
-            </a:r>
-          </a:p>
-          <a:p>
-            <a:pPr lvl="2"/>
-            <a:r>
-              <a:rPr lang="en-US"/>
-              <a:t>Third level</a:t>
-            </a:r>
-          </a:p>
-          <a:p>
-            <a:pPr lvl="3"/>
-            <a:r>
-              <a:rPr lang="en-US"/>
-              <a:t>Fourth level</a:t>
-            </a:r>
-          </a:p>
-          <a:p>
-            <a:pPr lvl="4"/>
-            <a:r>
-              <a:rPr lang="en-US"/>
-              <a:t>Fifth level</a:t>
-            </a:r>
-          </a:p>
-        </p:txBody>
-      </p:sp>
-      <p:sp>
-        <p:nvSpPr>
-          <p:cNvPr id="4" name="Date Placeholder 3"/>
-          <p:cNvSpPr>
-            <a:spLocks noGrp="1"/>
-          </p:cNvSpPr>
-          <p:nvPr>
-            <p:ph type="dt" sz="half" idx="2"/>
+          <a:bodyPr vert="horz" lIns="91440" tIns="45720" rIns="91440" bIns="45720" rtlCol="0" anchor="ctr"/>
+          <a:lstStyle>
+            <a:lvl1pPr algn="r">
+              <a:defRPr sz="1000" b="0" i="0">
+                <a:solidFill>
+                  <a:schemeClr val="tx1"/>
+                </a:solidFill>
+                <a:effectLst/>
+                <a:latin typeface="+mn-lt"/>
+              </a:defRPr>
+            </a:lvl1pPr>
+          </a:lstStyle>
+          <a:p>
+            <a:fld id="{5BCAD085-E8A6-8845-BD4E-CB4CCA059FC4}" type="datetimeFigureOut">
+              <a:rPr lang="en-US" smtClean="0"/>
+              <a:t>6/25/2025</a:t>
+            </a:fld>
+            <a:endParaRPr lang="en-US"/>
+          </a:p>
+        </p:txBody>
+      </p:sp>
+      <p:sp>
+        <p:nvSpPr>
+          <p:cNvPr id="5" name="Footer Placeholder 4"/>
+          <p:cNvSpPr>
+            <a:spLocks noGrp="1"/>
+          </p:cNvSpPr>
+          <p:nvPr>
+            <p:ph type="ftr" sz="quarter" idx="3"/>
           </p:nvPr>
         </p:nvSpPr>
         <p:spPr>
           <a:xfrm>
-            <a:off x="457200" y="6356350"/>
-            <a:ext cx="2133600" cy="365125"/>
+            <a:off x="1986997" y="6116070"/>
+            <a:ext cx="5314517" cy="365125"/>
           </a:xfrm>
           <a:prstGeom prst="rect">
             <a:avLst/>
@@ -2714,38 +5808,34 @@
           <a:bodyPr vert="horz" lIns="91440" tIns="45720" rIns="91440" bIns="45720" rtlCol="0" anchor="ctr"/>
           <a:lstStyle>
             <a:lvl1pPr algn="l">
-              <a:defRPr sz="1200">
-                <a:solidFill>
-                  <a:schemeClr val="tx1">
-                    <a:tint val="75000"/>
-                  </a:schemeClr>
-                </a:solidFill>
+              <a:defRPr sz="1000" b="0" i="0">
+                <a:solidFill>
+                  <a:schemeClr val="tx1"/>
+                </a:solidFill>
+                <a:effectLst/>
+                <a:latin typeface="+mn-lt"/>
               </a:defRPr>
             </a:lvl1pPr>
           </a:lstStyle>
           <a:p>
-            <a:fld id="{5BCAD085-E8A6-8845-BD4E-CB4CCA059FC4}" type="datetimeFigureOut">
-              <a:rPr lang="en-US" smtClean="0"/>
-              <a:t>6/25/2025</a:t>
-            </a:fld>
             <a:endParaRPr lang="en-US"/>
           </a:p>
         </p:txBody>
       </p:sp>
       <p:sp>
         <p:nvSpPr>
-          <p:cNvPr id="5" name="Footer Placeholder 4"/>
-          <p:cNvSpPr>
-            <a:spLocks noGrp="1"/>
-          </p:cNvSpPr>
-          <p:nvPr>
-            <p:ph type="ftr" sz="quarter" idx="3"/>
+          <p:cNvPr id="6" name="Slide Number Placeholder 5"/>
+          <p:cNvSpPr>
+            <a:spLocks noGrp="1"/>
+          </p:cNvSpPr>
+          <p:nvPr>
+            <p:ph type="sldNum" sz="quarter" idx="4"/>
           </p:nvPr>
         </p:nvSpPr>
         <p:spPr>
           <a:xfrm>
-            <a:off x="3124200" y="6356350"/>
-            <a:ext cx="2895600" cy="365125"/>
+            <a:off x="8273317" y="6116070"/>
+            <a:ext cx="413483" cy="365125"/>
           </a:xfrm>
           <a:prstGeom prst="rect">
             <a:avLst/>
@@ -2754,50 +5844,13 @@
         <p:txBody>
           <a:bodyPr vert="horz" lIns="91440" tIns="45720" rIns="91440" bIns="45720" rtlCol="0" anchor="ctr"/>
           <a:lstStyle>
-            <a:lvl1pPr algn="ctr">
-              <a:defRPr sz="1200">
-                <a:solidFill>
-                  <a:schemeClr val="tx1">
-                    <a:tint val="75000"/>
-                  </a:schemeClr>
-                </a:solidFill>
-              </a:defRPr>
-            </a:lvl1pPr>
-          </a:lstStyle>
-          <a:p>
-            <a:endParaRPr lang="en-US"/>
-          </a:p>
-        </p:txBody>
-      </p:sp>
-      <p:sp>
-        <p:nvSpPr>
-          <p:cNvPr id="6" name="Slide Number Placeholder 5"/>
-          <p:cNvSpPr>
-            <a:spLocks noGrp="1"/>
-          </p:cNvSpPr>
-          <p:nvPr>
-            <p:ph type="sldNum" sz="quarter" idx="4"/>
-          </p:nvPr>
-        </p:nvSpPr>
-        <p:spPr>
-          <a:xfrm>
-            <a:off x="6553200" y="6356350"/>
-            <a:ext cx="2133600" cy="365125"/>
-          </a:xfrm>
-          <a:prstGeom prst="rect">
-            <a:avLst/>
-          </a:prstGeom>
-        </p:spPr>
-        <p:txBody>
-          <a:bodyPr vert="horz" lIns="91440" tIns="45720" rIns="91440" bIns="45720" rtlCol="0" anchor="ctr"/>
-          <a:lstStyle>
             <a:lvl1pPr algn="r">
-              <a:defRPr sz="1200">
-                <a:solidFill>
-                  <a:schemeClr val="tx1">
-                    <a:tint val="75000"/>
-                  </a:schemeClr>
-                </a:solidFill>
+              <a:defRPr sz="1000" b="0" i="0">
+                <a:solidFill>
+                  <a:schemeClr val="tx1"/>
+                </a:solidFill>
+                <a:effectLst/>
+                <a:latin typeface="+mn-lt"/>
               </a:defRPr>
             </a:lvl1pPr>
           </a:lstStyle>
@@ -2813,23 +5866,29 @@
     </p:spTree>
     <p:extLst>
       <p:ext uri="{BB962C8B-B14F-4D97-AF65-F5344CB8AC3E}">
-        <p14:creationId xmlns:p14="http://schemas.microsoft.com/office/powerpoint/2010/main" val="2209977519"/>
+        <p14:creationId xmlns:p14="http://schemas.microsoft.com/office/powerpoint/2010/main" val="2461120873"/>
       </p:ext>
     </p:extLst>
   </p:cSld>
   <p:clrMap bg1="lt1" tx1="dk1" bg2="lt2" tx2="dk2" accent1="accent1" accent2="accent2" accent3="accent3" accent4="accent4" accent5="accent5" accent6="accent6" hlink="hlink" folHlink="folHlink"/>
   <p:sldLayoutIdLst>
-    <p:sldLayoutId id="2147483649" r:id="rId1"/>
-    <p:sldLayoutId id="2147483650" r:id="rId2"/>
-    <p:sldLayoutId id="2147483651" r:id="rId3"/>
-    <p:sldLayoutId id="2147483652" r:id="rId4"/>
-    <p:sldLayoutId id="2147483653" r:id="rId5"/>
-    <p:sldLayoutId id="2147483654" r:id="rId6"/>
-    <p:sldLayoutId id="2147483655" r:id="rId7"/>
-    <p:sldLayoutId id="2147483656" r:id="rId8"/>
-    <p:sldLayoutId id="2147483657" r:id="rId9"/>
-    <p:sldLayoutId id="2147483658" r:id="rId10"/>
-    <p:sldLayoutId id="2147483659" r:id="rId11"/>
+    <p:sldLayoutId id="2147483661" r:id="rId1"/>
+    <p:sldLayoutId id="2147483662" r:id="rId2"/>
+    <p:sldLayoutId id="2147483663" r:id="rId3"/>
+    <p:sldLayoutId id="2147483664" r:id="rId4"/>
+    <p:sldLayoutId id="2147483665" r:id="rId5"/>
+    <p:sldLayoutId id="2147483666" r:id="rId6"/>
+    <p:sldLayoutId id="2147483667" r:id="rId7"/>
+    <p:sldLayoutId id="2147483668" r:id="rId8"/>
+    <p:sldLayoutId id="2147483669" r:id="rId9"/>
+    <p:sldLayoutId id="2147483670" r:id="rId10"/>
+    <p:sldLayoutId id="2147483671" r:id="rId11"/>
+    <p:sldLayoutId id="2147483672" r:id="rId12"/>
+    <p:sldLayoutId id="2147483673" r:id="rId13"/>
+    <p:sldLayoutId id="2147483674" r:id="rId14"/>
+    <p:sldLayoutId id="2147483675" r:id="rId15"/>
+    <p:sldLayoutId id="2147483676" r:id="rId16"/>
+    <p:sldLayoutId id="2147483677" r:id="rId17"/>
   </p:sldLayoutIdLst>
   <p:txStyles>
     <p:titleStyle>
@@ -2838,27 +5897,97 @@
           <a:spcPct val="0"/>
         </a:spcBef>
         <a:buNone/>
-        <a:defRPr sz="4400" kern="1200">
+        <a:defRPr sz="4000" kern="1200" cap="none">
+          <a:ln w="3175" cmpd="sng">
+            <a:noFill/>
+          </a:ln>
           <a:solidFill>
             <a:schemeClr val="tx1"/>
           </a:solidFill>
+          <a:effectLst/>
           <a:latin typeface="+mj-lt"/>
           <a:ea typeface="+mj-ea"/>
           <a:cs typeface="+mj-cs"/>
         </a:defRPr>
       </a:lvl1pPr>
+      <a:lvl2pPr eaLnBrk="1" hangingPunct="1">
+        <a:defRPr>
+          <a:solidFill>
+            <a:schemeClr val="tx2"/>
+          </a:solidFill>
+        </a:defRPr>
+      </a:lvl2pPr>
+      <a:lvl3pPr eaLnBrk="1" hangingPunct="1">
+        <a:defRPr>
+          <a:solidFill>
+            <a:schemeClr val="tx2"/>
+          </a:solidFill>
+        </a:defRPr>
+      </a:lvl3pPr>
+      <a:lvl4pPr eaLnBrk="1" hangingPunct="1">
+        <a:defRPr>
+          <a:solidFill>
+            <a:schemeClr val="tx2"/>
+          </a:solidFill>
+        </a:defRPr>
+      </a:lvl4pPr>
+      <a:lvl5pPr eaLnBrk="1" hangingPunct="1">
+        <a:defRPr>
+          <a:solidFill>
+            <a:schemeClr val="tx2"/>
+          </a:solidFill>
+        </a:defRPr>
+      </a:lvl5pPr>
+      <a:lvl6pPr eaLnBrk="1" hangingPunct="1">
+        <a:defRPr>
+          <a:solidFill>
+            <a:schemeClr val="tx2"/>
+          </a:solidFill>
+        </a:defRPr>
+      </a:lvl6pPr>
+      <a:lvl7pPr eaLnBrk="1" hangingPunct="1">
+        <a:defRPr>
+          <a:solidFill>
+            <a:schemeClr val="tx2"/>
+          </a:solidFill>
+        </a:defRPr>
+      </a:lvl7pPr>
+      <a:lvl8pPr eaLnBrk="1" hangingPunct="1">
+        <a:defRPr>
+          <a:solidFill>
+            <a:schemeClr val="tx2"/>
+          </a:solidFill>
+        </a:defRPr>
+      </a:lvl8pPr>
+      <a:lvl9pPr eaLnBrk="1" hangingPunct="1">
+        <a:defRPr>
+          <a:solidFill>
+            <a:schemeClr val="tx2"/>
+          </a:solidFill>
+        </a:defRPr>
+      </a:lvl9pPr>
     </p:titleStyle>
     <p:bodyStyle>
-      <a:lvl1pPr marL="342900" indent="-342900" algn="l" defTabSz="457200" rtl="0" eaLnBrk="1" latinLnBrk="0" hangingPunct="1">
+      <a:lvl1pPr marL="285750" indent="-285750" algn="l" defTabSz="457200" rtl="0" eaLnBrk="1" latinLnBrk="0" hangingPunct="1">
         <a:spcBef>
           <a:spcPct val="20000"/>
         </a:spcBef>
+        <a:spcAft>
+          <a:spcPts val="600"/>
+        </a:spcAft>
+        <a:buClr>
+          <a:schemeClr val="accent1">
+            <a:lumMod val="75000"/>
+          </a:schemeClr>
+        </a:buClr>
+        <a:buSzPct val="145000"/>
         <a:buFont typeface="Arial"/>
         <a:buChar char="•"/>
-        <a:defRPr sz="3200" kern="1200">
+        <a:defRPr sz="2400" kern="1200" cap="none">
           <a:solidFill>
             <a:schemeClr val="tx1"/>
           </a:solidFill>
+          <a:effectLst/>
           <a:latin typeface="+mn-lt"/>
           <a:ea typeface="+mn-ea"/>
           <a:cs typeface="+mn-cs"/>
@@ -2868,57 +5997,97 @@
         <a:spcBef>
           <a:spcPct val="20000"/>
         </a:spcBef>
+        <a:spcAft>
+          <a:spcPts val="600"/>
+        </a:spcAft>
+        <a:buClr>
+          <a:schemeClr val="accent1">
+            <a:lumMod val="75000"/>
+          </a:schemeClr>
+        </a:buClr>
+        <a:buSzPct val="145000"/>
         <a:buFont typeface="Arial"/>
-        <a:buChar char="–"/>
-        <a:defRPr sz="2800" kern="1200">
+        <a:buChar char="•"/>
+        <a:defRPr sz="2000" kern="1200" cap="none">
           <a:solidFill>
             <a:schemeClr val="tx1"/>
           </a:solidFill>
+          <a:effectLst/>
           <a:latin typeface="+mn-lt"/>
           <a:ea typeface="+mn-ea"/>
           <a:cs typeface="+mn-cs"/>
         </a:defRPr>
       </a:lvl2pPr>
-      <a:lvl3pPr marL="1143000" indent="-228600" algn="l" defTabSz="457200" rtl="0" eaLnBrk="1" latinLnBrk="0" hangingPunct="1">
+      <a:lvl3pPr marL="1200150" indent="-285750" algn="l" defTabSz="457200" rtl="0" eaLnBrk="1" latinLnBrk="0" hangingPunct="1">
         <a:spcBef>
           <a:spcPct val="20000"/>
         </a:spcBef>
+        <a:spcAft>
+          <a:spcPts val="600"/>
+        </a:spcAft>
+        <a:buClr>
+          <a:schemeClr val="accent1">
+            <a:lumMod val="75000"/>
+          </a:schemeClr>
+        </a:buClr>
+        <a:buSzPct val="145000"/>
         <a:buFont typeface="Arial"/>
         <a:buChar char="•"/>
-        <a:defRPr sz="2400" kern="1200">
+        <a:defRPr sz="1800" kern="1200" cap="none">
           <a:solidFill>
             <a:schemeClr val="tx1"/>
           </a:solidFill>
+          <a:effectLst/>
           <a:latin typeface="+mn-lt"/>
           <a:ea typeface="+mn-ea"/>
           <a:cs typeface="+mn-cs"/>
         </a:defRPr>
       </a:lvl3pPr>
-      <a:lvl4pPr marL="1600200" indent="-228600" algn="l" defTabSz="457200" rtl="0" eaLnBrk="1" latinLnBrk="0" hangingPunct="1">
+      <a:lvl4pPr marL="1543050" indent="-171450" algn="l" defTabSz="457200" rtl="0" eaLnBrk="1" latinLnBrk="0" hangingPunct="1">
         <a:spcBef>
           <a:spcPct val="20000"/>
         </a:spcBef>
+        <a:spcAft>
+          <a:spcPts val="600"/>
+        </a:spcAft>
+        <a:buClr>
+          <a:schemeClr val="accent1">
+            <a:lumMod val="75000"/>
+          </a:schemeClr>
+        </a:buClr>
+        <a:buSzPct val="145000"/>
         <a:buFont typeface="Arial"/>
-        <a:buChar char="–"/>
-        <a:defRPr sz="2000" kern="1200">
+        <a:buChar char="•"/>
+        <a:defRPr sz="1600" kern="1200" cap="none">
           <a:solidFill>
             <a:schemeClr val="tx1"/>
           </a:solidFill>
+          <a:effectLst/>
           <a:latin typeface="+mn-lt"/>
           <a:ea typeface="+mn-ea"/>
           <a:cs typeface="+mn-cs"/>
         </a:defRPr>
       </a:lvl4pPr>
-      <a:lvl5pPr marL="2057400" indent="-228600" algn="l" defTabSz="457200" rtl="0" eaLnBrk="1" latinLnBrk="0" hangingPunct="1">
+      <a:lvl5pPr marL="2000250" indent="-171450" algn="l" defTabSz="457200" rtl="0" eaLnBrk="1" latinLnBrk="0" hangingPunct="1">
         <a:spcBef>
           <a:spcPct val="20000"/>
         </a:spcBef>
+        <a:spcAft>
+          <a:spcPts val="600"/>
+        </a:spcAft>
+        <a:buClr>
+          <a:schemeClr val="accent1">
+            <a:lumMod val="75000"/>
+          </a:schemeClr>
+        </a:buClr>
+        <a:buSzPct val="145000"/>
         <a:buFont typeface="Arial"/>
-        <a:buChar char="»"/>
-        <a:defRPr sz="2000" kern="1200">
+        <a:buChar char="•"/>
+        <a:defRPr sz="1400" kern="1200" cap="none">
           <a:solidFill>
             <a:schemeClr val="tx1"/>
           </a:solidFill>
+          <a:effectLst/>
           <a:latin typeface="+mn-lt"/>
           <a:ea typeface="+mn-ea"/>
           <a:cs typeface="+mn-cs"/>
@@ -2928,12 +6097,22 @@
         <a:spcBef>
           <a:spcPct val="20000"/>
         </a:spcBef>
+        <a:spcAft>
+          <a:spcPts val="600"/>
+        </a:spcAft>
+        <a:buClr>
+          <a:schemeClr val="accent1">
+            <a:lumMod val="75000"/>
+          </a:schemeClr>
+        </a:buClr>
+        <a:buSzPct val="145000"/>
         <a:buFont typeface="Arial"/>
         <a:buChar char="•"/>
-        <a:defRPr sz="2000" kern="1200">
+        <a:defRPr sz="1400" kern="1200" cap="none">
           <a:solidFill>
             <a:schemeClr val="tx1"/>
           </a:solidFill>
+          <a:effectLst/>
           <a:latin typeface="+mn-lt"/>
           <a:ea typeface="+mn-ea"/>
           <a:cs typeface="+mn-cs"/>
@@ -2943,12 +6122,22 @@
         <a:spcBef>
           <a:spcPct val="20000"/>
         </a:spcBef>
+        <a:spcAft>
+          <a:spcPts val="600"/>
+        </a:spcAft>
+        <a:buClr>
+          <a:schemeClr val="accent1">
+            <a:lumMod val="75000"/>
+          </a:schemeClr>
+        </a:buClr>
+        <a:buSzPct val="145000"/>
         <a:buFont typeface="Arial"/>
         <a:buChar char="•"/>
-        <a:defRPr sz="2000" kern="1200">
+        <a:defRPr sz="1400" kern="1200" cap="none">
           <a:solidFill>
             <a:schemeClr val="tx1"/>
           </a:solidFill>
+          <a:effectLst/>
           <a:latin typeface="+mn-lt"/>
           <a:ea typeface="+mn-ea"/>
           <a:cs typeface="+mn-cs"/>
@@ -2958,12 +6147,22 @@
         <a:spcBef>
           <a:spcPct val="20000"/>
         </a:spcBef>
+        <a:spcAft>
+          <a:spcPts val="600"/>
+        </a:spcAft>
+        <a:buClr>
+          <a:schemeClr val="accent1">
+            <a:lumMod val="75000"/>
+          </a:schemeClr>
+        </a:buClr>
+        <a:buSzPct val="145000"/>
         <a:buFont typeface="Arial"/>
         <a:buChar char="•"/>
-        <a:defRPr sz="2000" kern="1200">
+        <a:defRPr sz="1400" kern="1200" cap="none">
           <a:solidFill>
             <a:schemeClr val="tx1"/>
           </a:solidFill>
+          <a:effectLst/>
           <a:latin typeface="+mn-lt"/>
           <a:ea typeface="+mn-ea"/>
           <a:cs typeface="+mn-cs"/>
@@ -2973,12 +6172,22 @@
         <a:spcBef>
           <a:spcPct val="20000"/>
         </a:spcBef>
+        <a:spcAft>
+          <a:spcPts val="600"/>
+        </a:spcAft>
+        <a:buClr>
+          <a:schemeClr val="accent1">
+            <a:lumMod val="75000"/>
+          </a:schemeClr>
+        </a:buClr>
+        <a:buSzPct val="145000"/>
         <a:buFont typeface="Arial"/>
         <a:buChar char="•"/>
-        <a:defRPr sz="2000" kern="1200">
+        <a:defRPr sz="1400" kern="1200" cap="none">
           <a:solidFill>
             <a:schemeClr val="tx1"/>
           </a:solidFill>
+          <a:effectLst/>
           <a:latin typeface="+mn-lt"/>
           <a:ea typeface="+mn-ea"/>
           <a:cs typeface="+mn-cs"/>
@@ -3173,13 +6382,7 @@
       </p:grpSpPr>
       <p:sp>
         <p:nvSpPr>
-          <p:cNvPr id="2" name="Title 1">
-            <a:extLst>
-              <a:ext uri="{FF2B5EF4-FFF2-40B4-BE49-F238E27FC236}">
-                <a16:creationId xmlns:a16="http://schemas.microsoft.com/office/drawing/2014/main" id="{C97CA211-11D8-8F8E-BA15-4A0580E9723D}"/>
-              </a:ext>
-            </a:extLst>
-          </p:cNvPr>
+          <p:cNvPr id="2" name="Title 1"/>
           <p:cNvSpPr>
             <a:spLocks noGrp="1"/>
           </p:cNvSpPr>
@@ -3193,64 +6396,78 @@
           <a:lstStyle/>
           <a:p>
             <a:r>
+              <a:t>Unit Testing Summary</a:t>
+            </a:r>
+          </a:p>
+        </p:txBody>
+      </p:sp>
+      <p:sp>
+        <p:nvSpPr>
+          <p:cNvPr id="3" name="Content Placeholder 2"/>
+          <p:cNvSpPr>
+            <a:spLocks noGrp="1"/>
+          </p:cNvSpPr>
+          <p:nvPr>
+            <p:ph idx="1"/>
+          </p:nvPr>
+        </p:nvSpPr>
+        <p:spPr/>
+        <p:txBody>
+          <a:bodyPr/>
+          <a:lstStyle/>
+          <a:p>
+            <a:r>
               <a:rPr lang="en-US" dirty="0"/>
-              <a:t>Future Scope</a:t>
-            </a:r>
-          </a:p>
-        </p:txBody>
-      </p:sp>
-      <p:sp>
-        <p:nvSpPr>
-          <p:cNvPr id="3" name="Content Placeholder 2">
-            <a:extLst>
-              <a:ext uri="{FF2B5EF4-FFF2-40B4-BE49-F238E27FC236}">
-                <a16:creationId xmlns:a16="http://schemas.microsoft.com/office/drawing/2014/main" id="{5FA205DF-3F7D-CAB8-C756-4D3B8B805535}"/>
-              </a:ext>
-            </a:extLst>
-          </p:cNvPr>
-          <p:cNvSpPr>
-            <a:spLocks noGrp="1"/>
-          </p:cNvSpPr>
-          <p:nvPr>
-            <p:ph idx="1"/>
-          </p:nvPr>
-        </p:nvSpPr>
-        <p:spPr/>
-        <p:txBody>
-          <a:bodyPr/>
-          <a:lstStyle/>
-          <a:p>
+              <a:t>10</a:t>
+            </a:r>
+            <a:r>
+              <a:rPr dirty="0"/>
+              <a:t> total unit tests</a:t>
+            </a:r>
+          </a:p>
+          <a:p>
+            <a:r>
+              <a:rPr dirty="0"/>
+              <a:t>Tested </a:t>
+            </a:r>
             <a:r>
               <a:rPr lang="en-US" dirty="0"/>
-              <a:t>Add state persistence using Java Serialization or JSON</a:t>
-            </a:r>
-          </a:p>
-          <a:p>
+              <a:t>initialization, </a:t>
+            </a:r>
+            <a:r>
+              <a:rPr dirty="0"/>
+              <a:t>parking, removal, overflow, duplication</a:t>
+            </a:r>
+          </a:p>
+          <a:p>
+            <a:r>
+              <a:rPr dirty="0"/>
+              <a:t>Verified slot count and internal map integrity</a:t>
+            </a:r>
+          </a:p>
+          <a:p>
+            <a:r>
+              <a:rPr dirty="0"/>
+              <a:t>Handled custom exceptions for failures</a:t>
+            </a:r>
+          </a:p>
+          <a:p>
+            <a:r>
+              <a:rPr dirty="0"/>
+              <a:t>Visual test</a:t>
+            </a:r>
             <a:r>
               <a:rPr lang="en-US" dirty="0"/>
-              <a:t>Add Slot-ID mapping if required for deeper functionality and analysis</a:t>
-            </a:r>
-          </a:p>
-          <a:p>
-            <a:r>
-              <a:rPr lang="en-US" dirty="0"/>
-              <a:t>Convert CLI to Web UI</a:t>
-            </a:r>
-          </a:p>
-          <a:p>
-            <a:r>
-              <a:rPr lang="en-US" dirty="0"/>
-              <a:t>Use Database for persistence in scalable deployments</a:t>
+              <a:t>ing </a:t>
+            </a:r>
+            <a:r>
+              <a:rPr dirty="0"/>
+              <a:t>for display status</a:t>
             </a:r>
           </a:p>
         </p:txBody>
       </p:sp>
     </p:spTree>
-    <p:extLst>
-      <p:ext uri="{BB962C8B-B14F-4D97-AF65-F5344CB8AC3E}">
-        <p14:creationId xmlns:p14="http://schemas.microsoft.com/office/powerpoint/2010/main" val="2633146267"/>
-      </p:ext>
-    </p:extLst>
   </p:cSld>
   <p:clrMapOvr>
     <a:masterClrMapping/>
@@ -3291,8 +6508,14 @@
           <a:lstStyle/>
           <a:p>
             <a:r>
-              <a:t>How to Run the Application</a:t>
-            </a:r>
+              <a:rPr dirty="0"/>
+              <a:t>How to Run the </a:t>
+            </a:r>
+            <a:r>
+              <a:rPr lang="en-US" dirty="0"/>
+              <a:t>JAR File</a:t>
+            </a:r>
+            <a:endParaRPr dirty="0"/>
           </a:p>
         </p:txBody>
       </p:sp>
@@ -3309,7 +6532,7 @@
         <p:spPr/>
         <p:txBody>
           <a:bodyPr>
-            <a:normAutofit lnSpcReduction="10000"/>
+            <a:normAutofit fontScale="92500" lnSpcReduction="20000"/>
           </a:bodyPr>
           <a:lstStyle/>
           <a:p>
@@ -3391,6 +6614,458 @@
 </file>
 
 <file path=ppt/slides/slide12.xml><?xml version="1.0" encoding="utf-8"?>
+<p:sld xmlns:a="http://schemas.openxmlformats.org/drawingml/2006/main" xmlns:r="http://schemas.openxmlformats.org/officeDocument/2006/relationships" xmlns:p="http://schemas.openxmlformats.org/presentationml/2006/main">
+  <p:cSld>
+    <p:spTree>
+      <p:nvGrpSpPr>
+        <p:cNvPr id="1" name=""/>
+        <p:cNvGrpSpPr/>
+        <p:nvPr/>
+      </p:nvGrpSpPr>
+      <p:grpSpPr>
+        <a:xfrm>
+          <a:off x="0" y="0"/>
+          <a:ext cx="0" cy="0"/>
+          <a:chOff x="0" y="0"/>
+          <a:chExt cx="0" cy="0"/>
+        </a:xfrm>
+      </p:grpSpPr>
+      <p:sp>
+        <p:nvSpPr>
+          <p:cNvPr id="2" name="Title 1">
+            <a:extLst>
+              <a:ext uri="{FF2B5EF4-FFF2-40B4-BE49-F238E27FC236}">
+                <a16:creationId xmlns:a16="http://schemas.microsoft.com/office/drawing/2014/main" id="{98FBBB9A-A34E-5E11-0250-179C927A2F6F}"/>
+              </a:ext>
+            </a:extLst>
+          </p:cNvPr>
+          <p:cNvSpPr>
+            <a:spLocks noGrp="1"/>
+          </p:cNvSpPr>
+          <p:nvPr>
+            <p:ph type="title"/>
+          </p:nvPr>
+        </p:nvSpPr>
+        <p:spPr/>
+        <p:txBody>
+          <a:bodyPr/>
+          <a:lstStyle/>
+          <a:p>
+            <a:r>
+              <a:rPr lang="en-US" dirty="0"/>
+              <a:t>Run, Test &amp; Verify the Application</a:t>
+            </a:r>
+          </a:p>
+        </p:txBody>
+      </p:sp>
+      <p:sp>
+        <p:nvSpPr>
+          <p:cNvPr id="3" name="Content Placeholder 2">
+            <a:extLst>
+              <a:ext uri="{FF2B5EF4-FFF2-40B4-BE49-F238E27FC236}">
+                <a16:creationId xmlns:a16="http://schemas.microsoft.com/office/drawing/2014/main" id="{3EBE43FD-FCDF-52E3-6036-C7317E3F0120}"/>
+              </a:ext>
+            </a:extLst>
+          </p:cNvPr>
+          <p:cNvSpPr>
+            <a:spLocks noGrp="1"/>
+          </p:cNvSpPr>
+          <p:nvPr>
+            <p:ph idx="1"/>
+          </p:nvPr>
+        </p:nvSpPr>
+        <p:spPr/>
+        <p:txBody>
+          <a:bodyPr>
+            <a:normAutofit fontScale="70000" lnSpcReduction="20000"/>
+          </a:bodyPr>
+          <a:lstStyle/>
+          <a:p>
+            <a:r>
+              <a:rPr lang="en-US" dirty="0"/>
+              <a:t>Build and run (In terminal) :</a:t>
+            </a:r>
+          </a:p>
+          <a:p>
+            <a:pPr marL="0" indent="0">
+              <a:buNone/>
+            </a:pPr>
+            <a:r>
+              <a:rPr lang="en-US" dirty="0"/>
+              <a:t>	</a:t>
+            </a:r>
+            <a:r>
+              <a:rPr lang="en-US" dirty="0" err="1"/>
+              <a:t>mvn</a:t>
+            </a:r>
+            <a:r>
+              <a:rPr lang="en-US" dirty="0"/>
+              <a:t> clean install</a:t>
+            </a:r>
+          </a:p>
+          <a:p>
+            <a:pPr marL="0" indent="0">
+              <a:buNone/>
+            </a:pPr>
+            <a:r>
+              <a:rPr lang="en-US" dirty="0"/>
+              <a:t>	</a:t>
+            </a:r>
+            <a:r>
+              <a:rPr lang="en-US" dirty="0" err="1"/>
+              <a:t>mvn</a:t>
+            </a:r>
+            <a:r>
+              <a:rPr lang="en-US" dirty="0"/>
+              <a:t> </a:t>
+            </a:r>
+            <a:r>
+              <a:rPr lang="en-US" dirty="0" err="1"/>
+              <a:t>exec:java</a:t>
+            </a:r>
+            <a:r>
+              <a:rPr lang="en-US" dirty="0"/>
+              <a:t> -</a:t>
+            </a:r>
+            <a:r>
+              <a:rPr lang="en-US" dirty="0" err="1"/>
+              <a:t>Dexec.mainClass</a:t>
+            </a:r>
+            <a:r>
+              <a:rPr lang="en-US" dirty="0"/>
+              <a:t>="</a:t>
+            </a:r>
+            <a:r>
+              <a:rPr lang="en-US" dirty="0" err="1"/>
+              <a:t>com.parkinglot.Main</a:t>
+            </a:r>
+            <a:r>
+              <a:rPr lang="en-US" dirty="0"/>
+              <a:t>"</a:t>
+            </a:r>
+          </a:p>
+          <a:p>
+            <a:r>
+              <a:rPr lang="en-US" dirty="0"/>
+              <a:t>Alternatively, if `</a:t>
+            </a:r>
+            <a:r>
+              <a:rPr lang="en-US" dirty="0" err="1"/>
+              <a:t>mainClass</a:t>
+            </a:r>
+            <a:r>
+              <a:rPr lang="en-US" dirty="0"/>
+              <a:t>` is configured in `pom.xml` for `exec-maven-plugin`:</a:t>
+            </a:r>
+          </a:p>
+          <a:p>
+            <a:pPr marL="0" indent="0">
+              <a:buNone/>
+            </a:pPr>
+            <a:r>
+              <a:rPr lang="en-US" dirty="0"/>
+              <a:t>	</a:t>
+            </a:r>
+            <a:r>
+              <a:rPr lang="en-US" dirty="0" err="1"/>
+              <a:t>mvn</a:t>
+            </a:r>
+            <a:r>
+              <a:rPr lang="en-US" dirty="0"/>
+              <a:t> clean install</a:t>
+            </a:r>
+          </a:p>
+          <a:p>
+            <a:pPr marL="0" indent="0">
+              <a:buNone/>
+            </a:pPr>
+            <a:r>
+              <a:rPr lang="en-US" dirty="0"/>
+              <a:t>	</a:t>
+            </a:r>
+            <a:r>
+              <a:rPr lang="en-US" dirty="0" err="1"/>
+              <a:t>mvn</a:t>
+            </a:r>
+            <a:r>
+              <a:rPr lang="en-US" dirty="0"/>
+              <a:t> </a:t>
+            </a:r>
+            <a:r>
+              <a:rPr lang="en-US" dirty="0" err="1"/>
+              <a:t>exec:java</a:t>
+            </a:r>
+            <a:endParaRPr lang="en-US" dirty="0"/>
+          </a:p>
+          <a:p>
+            <a:r>
+              <a:rPr lang="en-US" dirty="0"/>
+              <a:t>Ensure `exec-maven-plugin` is configured in `pom.xml`.</a:t>
+            </a:r>
+          </a:p>
+          <a:p>
+            <a:r>
+              <a:rPr lang="en-US" dirty="0"/>
+              <a:t>Run all unit tests:</a:t>
+            </a:r>
+          </a:p>
+          <a:p>
+            <a:pPr marL="0" indent="0">
+              <a:buNone/>
+            </a:pPr>
+            <a:r>
+              <a:rPr lang="en-US" dirty="0"/>
+              <a:t>	</a:t>
+            </a:r>
+            <a:r>
+              <a:rPr lang="en-US" dirty="0" err="1"/>
+              <a:t>mvn</a:t>
+            </a:r>
+            <a:r>
+              <a:rPr lang="en-US" dirty="0"/>
+              <a:t> test</a:t>
+            </a:r>
+          </a:p>
+          <a:p>
+            <a:r>
+              <a:rPr lang="en-US" dirty="0"/>
+              <a:t>Bug-check: </a:t>
+            </a:r>
+            <a:r>
+              <a:rPr lang="en-US" dirty="0" err="1"/>
+              <a:t>SpotBugs</a:t>
+            </a:r>
+            <a:r>
+              <a:rPr lang="en-US" dirty="0"/>
+              <a:t> plugin integrated</a:t>
+            </a:r>
+          </a:p>
+        </p:txBody>
+      </p:sp>
+    </p:spTree>
+    <p:extLst>
+      <p:ext uri="{BB962C8B-B14F-4D97-AF65-F5344CB8AC3E}">
+        <p14:creationId xmlns:p14="http://schemas.microsoft.com/office/powerpoint/2010/main" val="311964766"/>
+      </p:ext>
+    </p:extLst>
+  </p:cSld>
+  <p:clrMapOvr>
+    <a:masterClrMapping/>
+  </p:clrMapOvr>
+</p:sld>
+</file>
+
+<file path=ppt/slides/slide13.xml><?xml version="1.0" encoding="utf-8"?>
+<p:sld xmlns:a="http://schemas.openxmlformats.org/drawingml/2006/main" xmlns:r="http://schemas.openxmlformats.org/officeDocument/2006/relationships" xmlns:p="http://schemas.openxmlformats.org/presentationml/2006/main">
+  <p:cSld>
+    <p:spTree>
+      <p:nvGrpSpPr>
+        <p:cNvPr id="1" name=""/>
+        <p:cNvGrpSpPr/>
+        <p:nvPr/>
+      </p:nvGrpSpPr>
+      <p:grpSpPr>
+        <a:xfrm>
+          <a:off x="0" y="0"/>
+          <a:ext cx="0" cy="0"/>
+          <a:chOff x="0" y="0"/>
+          <a:chExt cx="0" cy="0"/>
+        </a:xfrm>
+      </p:grpSpPr>
+      <p:sp>
+        <p:nvSpPr>
+          <p:cNvPr id="2" name="Title 1"/>
+          <p:cNvSpPr>
+            <a:spLocks noGrp="1"/>
+          </p:cNvSpPr>
+          <p:nvPr>
+            <p:ph type="title"/>
+          </p:nvPr>
+        </p:nvSpPr>
+        <p:spPr/>
+        <p:txBody>
+          <a:bodyPr/>
+          <a:lstStyle/>
+          <a:p>
+            <a:r>
+              <a:t>Challenges &amp; Trade-offs</a:t>
+            </a:r>
+          </a:p>
+        </p:txBody>
+      </p:sp>
+      <p:sp>
+        <p:nvSpPr>
+          <p:cNvPr id="3" name="Content Placeholder 2"/>
+          <p:cNvSpPr>
+            <a:spLocks noGrp="1"/>
+          </p:cNvSpPr>
+          <p:nvPr>
+            <p:ph idx="1"/>
+          </p:nvPr>
+        </p:nvSpPr>
+        <p:spPr/>
+        <p:txBody>
+          <a:bodyPr/>
+          <a:lstStyle/>
+          <a:p>
+            <a:r>
+              <a:rPr dirty="0"/>
+              <a:t>Serialization scrapped</a:t>
+            </a:r>
+            <a:r>
+              <a:rPr lang="en-US" dirty="0"/>
+              <a:t> </a:t>
+            </a:r>
+            <a:r>
+              <a:rPr dirty="0"/>
+              <a:t>to </a:t>
+            </a:r>
+            <a:r>
+              <a:rPr lang="en-US" dirty="0"/>
+              <a:t>maintain simplicity; suitable for future scope of the project</a:t>
+            </a:r>
+            <a:endParaRPr dirty="0"/>
+          </a:p>
+          <a:p>
+            <a:r>
+              <a:rPr dirty="0"/>
+              <a:t>Slot ID mapping removed </a:t>
+            </a:r>
+            <a:r>
+              <a:rPr lang="en-US" dirty="0"/>
+              <a:t>due to not being in current project scope; better for future scope of the project</a:t>
+            </a:r>
+            <a:endParaRPr dirty="0"/>
+          </a:p>
+          <a:p>
+            <a:r>
+              <a:rPr dirty="0"/>
+              <a:t>Focus kept on simplicity, maintainability, and clarity</a:t>
+            </a:r>
+          </a:p>
+        </p:txBody>
+      </p:sp>
+    </p:spTree>
+  </p:cSld>
+  <p:clrMapOvr>
+    <a:masterClrMapping/>
+  </p:clrMapOvr>
+</p:sld>
+</file>
+
+<file path=ppt/slides/slide14.xml><?xml version="1.0" encoding="utf-8"?>
+<p:sld xmlns:a="http://schemas.openxmlformats.org/drawingml/2006/main" xmlns:r="http://schemas.openxmlformats.org/officeDocument/2006/relationships" xmlns:p="http://schemas.openxmlformats.org/presentationml/2006/main">
+  <p:cSld>
+    <p:spTree>
+      <p:nvGrpSpPr>
+        <p:cNvPr id="1" name=""/>
+        <p:cNvGrpSpPr/>
+        <p:nvPr/>
+      </p:nvGrpSpPr>
+      <p:grpSpPr>
+        <a:xfrm>
+          <a:off x="0" y="0"/>
+          <a:ext cx="0" cy="0"/>
+          <a:chOff x="0" y="0"/>
+          <a:chExt cx="0" cy="0"/>
+        </a:xfrm>
+      </p:grpSpPr>
+      <p:sp>
+        <p:nvSpPr>
+          <p:cNvPr id="2" name="Title 1">
+            <a:extLst>
+              <a:ext uri="{FF2B5EF4-FFF2-40B4-BE49-F238E27FC236}">
+                <a16:creationId xmlns:a16="http://schemas.microsoft.com/office/drawing/2014/main" id="{C97CA211-11D8-8F8E-BA15-4A0580E9723D}"/>
+              </a:ext>
+            </a:extLst>
+          </p:cNvPr>
+          <p:cNvSpPr>
+            <a:spLocks noGrp="1"/>
+          </p:cNvSpPr>
+          <p:nvPr>
+            <p:ph type="title"/>
+          </p:nvPr>
+        </p:nvSpPr>
+        <p:spPr/>
+        <p:txBody>
+          <a:bodyPr/>
+          <a:lstStyle/>
+          <a:p>
+            <a:r>
+              <a:rPr lang="en-US" dirty="0"/>
+              <a:t>Future Scope</a:t>
+            </a:r>
+          </a:p>
+        </p:txBody>
+      </p:sp>
+      <p:sp>
+        <p:nvSpPr>
+          <p:cNvPr id="3" name="Content Placeholder 2">
+            <a:extLst>
+              <a:ext uri="{FF2B5EF4-FFF2-40B4-BE49-F238E27FC236}">
+                <a16:creationId xmlns:a16="http://schemas.microsoft.com/office/drawing/2014/main" id="{5FA205DF-3F7D-CAB8-C756-4D3B8B805535}"/>
+              </a:ext>
+            </a:extLst>
+          </p:cNvPr>
+          <p:cNvSpPr>
+            <a:spLocks noGrp="1"/>
+          </p:cNvSpPr>
+          <p:nvPr>
+            <p:ph idx="1"/>
+          </p:nvPr>
+        </p:nvSpPr>
+        <p:spPr/>
+        <p:txBody>
+          <a:bodyPr>
+            <a:normAutofit/>
+          </a:bodyPr>
+          <a:lstStyle/>
+          <a:p>
+            <a:r>
+              <a:rPr lang="en-US" dirty="0"/>
+              <a:t>Add state persistence using Java Serialization or JSON</a:t>
+            </a:r>
+          </a:p>
+          <a:p>
+            <a:r>
+              <a:rPr lang="en-US" dirty="0"/>
+              <a:t>Dynamic Slot Configuration via properties file</a:t>
+            </a:r>
+          </a:p>
+          <a:p>
+            <a:r>
+              <a:rPr lang="en-US" dirty="0"/>
+              <a:t>Vehicle-slot mapping with unique slot IDs for deeper functionality and analysis</a:t>
+            </a:r>
+          </a:p>
+          <a:p>
+            <a:r>
+              <a:rPr lang="en-US" dirty="0"/>
+              <a:t>Web-based UI using Spring Boot or Angular</a:t>
+            </a:r>
+          </a:p>
+          <a:p>
+            <a:r>
+              <a:rPr lang="en-US" dirty="0"/>
+              <a:t>Use Database for persistence in scalable deployments</a:t>
+            </a:r>
+          </a:p>
+        </p:txBody>
+      </p:sp>
+    </p:spTree>
+    <p:extLst>
+      <p:ext uri="{BB962C8B-B14F-4D97-AF65-F5344CB8AC3E}">
+        <p14:creationId xmlns:p14="http://schemas.microsoft.com/office/powerpoint/2010/main" val="2633146267"/>
+      </p:ext>
+    </p:extLst>
+  </p:cSld>
+  <p:clrMapOvr>
+    <a:masterClrMapping/>
+  </p:clrMapOvr>
+</p:sld>
+</file>
+
+<file path=ppt/slides/slide15.xml><?xml version="1.0" encoding="utf-8"?>
 <p:sld xmlns:a="http://schemas.openxmlformats.org/drawingml/2006/main" xmlns:r="http://schemas.openxmlformats.org/officeDocument/2006/relationships" xmlns:p="http://schemas.openxmlformats.org/presentationml/2006/main">
   <p:cSld>
     <p:spTree>
@@ -3516,8 +7191,10 @@
           <a:lstStyle/>
           <a:p>
             <a:r>
-              <a:t>Problem Statement</a:t>
-            </a:r>
+              <a:rPr lang="en-US" dirty="0"/>
+              <a:t>Design &amp; Problem Approach</a:t>
+            </a:r>
+            <a:endParaRPr dirty="0"/>
           </a:p>
         </p:txBody>
       </p:sp>
@@ -3533,40 +7210,59 @@
         </p:nvSpPr>
         <p:spPr/>
         <p:txBody>
-          <a:bodyPr/>
+          <a:bodyPr>
+            <a:normAutofit fontScale="92500" lnSpcReduction="10000"/>
+          </a:bodyPr>
           <a:lstStyle/>
           <a:p>
             <a:r>
               <a:rPr dirty="0"/>
-              <a:t>Design a Parking Lot Management System:</a:t>
-            </a:r>
-          </a:p>
-          <a:p>
-            <a:pPr marL="0" indent="0">
-              <a:buNone/>
-            </a:pPr>
+              <a:t>Design a Parking Lot Management System</a:t>
+            </a:r>
+            <a:r>
+              <a:rPr lang="en-US" dirty="0"/>
+              <a:t>.</a:t>
+            </a:r>
+          </a:p>
+          <a:p>
+            <a:r>
+              <a:rPr lang="en-US" dirty="0"/>
+              <a:t>CLI-based interaction</a:t>
+            </a:r>
+          </a:p>
+          <a:p>
+            <a:r>
+              <a:rPr lang="en-US" dirty="0"/>
+              <a:t>Supports park, remove, display status operations</a:t>
+            </a:r>
+          </a:p>
+          <a:p>
             <a:r>
               <a:rPr dirty="0"/>
-              <a:t>- CLI-based interaction</a:t>
-            </a:r>
-          </a:p>
-          <a:p>
-            <a:pPr marL="0" indent="0">
-              <a:buNone/>
-            </a:pPr>
-            <a:r>
-              <a:rPr dirty="0"/>
-              <a:t>- Handles multiple vehicle sizes (small, large, oversize)</a:t>
-            </a:r>
-          </a:p>
-          <a:p>
-            <a:pPr marL="0" indent="0">
-              <a:buNone/>
-            </a:pPr>
-            <a:r>
-              <a:rPr dirty="0"/>
-              <a:t>- Supports park, remove, display status operations</a:t>
-            </a:r>
+              <a:t>Handles multiple vehicle sizes (small, large, oversize)</a:t>
+            </a:r>
+            <a:endParaRPr lang="en-US" dirty="0"/>
+          </a:p>
+          <a:p>
+            <a:r>
+              <a:rPr lang="en-US" dirty="0"/>
+              <a:t>Each vehicle maps to one of the slot sizes</a:t>
+            </a:r>
+          </a:p>
+          <a:p>
+            <a:r>
+              <a:rPr lang="en-US" dirty="0"/>
+              <a:t>Vehicle parked in same size if available; else next bigger size</a:t>
+            </a:r>
+          </a:p>
+          <a:p>
+            <a:r>
+              <a:rPr lang="en-US" dirty="0"/>
+              <a:t>Only one vehicle entry allowed at a time (handled using Map)</a:t>
+            </a:r>
+          </a:p>
+          <a:p>
+            <a:endParaRPr dirty="0"/>
           </a:p>
         </p:txBody>
       </p:sp>
@@ -3703,8 +7399,10 @@
           <a:lstStyle/>
           <a:p>
             <a:r>
-              <a:t>High-Level Architecture</a:t>
-            </a:r>
+              <a:rPr lang="en-US" dirty="0"/>
+              <a:t>Key Files and Folder Structure</a:t>
+            </a:r>
+            <a:endParaRPr dirty="0"/>
           </a:p>
         </p:txBody>
       </p:sp>
@@ -3720,7 +7418,9 @@
         </p:nvSpPr>
         <p:spPr/>
         <p:txBody>
-          <a:bodyPr/>
+          <a:bodyPr>
+            <a:normAutofit fontScale="92500" lnSpcReduction="20000"/>
+          </a:bodyPr>
           <a:lstStyle/>
           <a:p>
             <a:r>
@@ -3779,6 +7479,28 @@
               <a:rPr dirty="0"/>
               <a:t> configuration</a:t>
             </a:r>
+            <a:endParaRPr lang="en-US" dirty="0"/>
+          </a:p>
+          <a:p>
+            <a:r>
+              <a:rPr lang="en-US" dirty="0"/>
+              <a:t>ParkingLotManagerTest - Unit tests</a:t>
+            </a:r>
+          </a:p>
+          <a:p>
+            <a:r>
+              <a:rPr lang="en-US" dirty="0"/>
+              <a:t>logback.xml: Logging configuration</a:t>
+            </a:r>
+          </a:p>
+          <a:p>
+            <a:r>
+              <a:rPr lang="en-US" dirty="0"/>
+              <a:t>pom.xml: Maven dependencies and plugins</a:t>
+            </a:r>
+          </a:p>
+          <a:p>
+            <a:endParaRPr dirty="0"/>
           </a:p>
         </p:txBody>
       </p:sp>
@@ -3809,7 +7531,13 @@
       </p:grpSpPr>
       <p:sp>
         <p:nvSpPr>
-          <p:cNvPr id="2" name="Title 1"/>
+          <p:cNvPr id="2" name="Title 1">
+            <a:extLst>
+              <a:ext uri="{FF2B5EF4-FFF2-40B4-BE49-F238E27FC236}">
+                <a16:creationId xmlns:a16="http://schemas.microsoft.com/office/drawing/2014/main" id="{F85E0C99-9528-B1A0-E4B0-A743BDD15327}"/>
+              </a:ext>
+            </a:extLst>
+          </p:cNvPr>
           <p:cNvSpPr>
             <a:spLocks noGrp="1"/>
           </p:cNvSpPr>
@@ -3819,18 +7547,27 @@
         </p:nvSpPr>
         <p:spPr/>
         <p:txBody>
-          <a:bodyPr/>
-          <a:lstStyle/>
-          <a:p>
-            <a:r>
-              <a:t>Key Features</a:t>
-            </a:r>
-          </a:p>
-        </p:txBody>
-      </p:sp>
-      <p:sp>
-        <p:nvSpPr>
-          <p:cNvPr id="3" name="Content Placeholder 2"/>
+          <a:bodyPr>
+            <a:normAutofit/>
+          </a:bodyPr>
+          <a:lstStyle/>
+          <a:p>
+            <a:r>
+              <a:rPr lang="en-US" dirty="0"/>
+              <a:t>How the Application Works (Overview)</a:t>
+            </a:r>
+          </a:p>
+        </p:txBody>
+      </p:sp>
+      <p:sp>
+        <p:nvSpPr>
+          <p:cNvPr id="3" name="Content Placeholder 2">
+            <a:extLst>
+              <a:ext uri="{FF2B5EF4-FFF2-40B4-BE49-F238E27FC236}">
+                <a16:creationId xmlns:a16="http://schemas.microsoft.com/office/drawing/2014/main" id="{ED1C2DE9-4D8C-E71C-752C-56D2EB52C7E7}"/>
+              </a:ext>
+            </a:extLst>
+          </p:cNvPr>
           <p:cNvSpPr>
             <a:spLocks noGrp="1"/>
           </p:cNvSpPr>
@@ -3840,41 +7577,61 @@
         </p:nvSpPr>
         <p:spPr/>
         <p:txBody>
-          <a:bodyPr/>
-          <a:lstStyle/>
-          <a:p>
-            <a:r>
-              <a:t>Categorized slot management (SMALL, LARGE, OVERSIZE)</a:t>
-            </a:r>
-          </a:p>
-          <a:p>
-            <a:r>
-              <a:t>Fallback parking logic (to larger slot type)</a:t>
-            </a:r>
-          </a:p>
-          <a:p>
-            <a:r>
-              <a:t>Graceful error handling</a:t>
-            </a:r>
-          </a:p>
-          <a:p>
-            <a:r>
-              <a:t>User-friendly CLI (choice-based loop)</a:t>
-            </a:r>
-          </a:p>
-          <a:p>
-            <a:r>
-              <a:t>File-based logging with SLF4J + Logback</a:t>
-            </a:r>
-          </a:p>
-          <a:p>
-            <a:r>
-              <a:t>Testable modular code</a:t>
-            </a:r>
+          <a:bodyPr>
+            <a:normAutofit fontScale="92500"/>
+          </a:bodyPr>
+          <a:lstStyle/>
+          <a:p>
+            <a:r>
+              <a:rPr lang="en-US" dirty="0"/>
+              <a:t>User chooses total slot count at startup</a:t>
+            </a:r>
+          </a:p>
+          <a:p>
+            <a:r>
+              <a:rPr lang="en-US" dirty="0"/>
+              <a:t>Parking lot is divided 3-way into SMALL, LARGE, OVERSIZE (Extra slots go to OVERSIZE due to highest fallback)</a:t>
+            </a:r>
+          </a:p>
+          <a:p>
+            <a:r>
+              <a:rPr lang="en-US" dirty="0"/>
+              <a:t>User can choose to: Park, Remove, Show Status, or Exit</a:t>
+            </a:r>
+          </a:p>
+          <a:p>
+            <a:r>
+              <a:rPr lang="en-US" dirty="0"/>
+              <a:t>Park flow: vehicle number and vehicle size input </a:t>
+            </a:r>
+            <a:r>
+              <a:rPr lang="en-US" dirty="0">
+                <a:sym typeface="Wingdings" panose="05000000000000000000" pitchFamily="2" charset="2"/>
+              </a:rPr>
+              <a:t></a:t>
+            </a:r>
+            <a:r>
+              <a:rPr lang="en-US" dirty="0"/>
+              <a:t> tries to find a valid slot</a:t>
+            </a:r>
+          </a:p>
+          <a:p>
+            <a:r>
+              <a:rPr lang="en-US" dirty="0"/>
+              <a:t>Remove flow: uses vehicle number to free up slot</a:t>
+            </a:r>
+          </a:p>
+          <a:p>
+            <a:endParaRPr lang="en-US" dirty="0"/>
           </a:p>
         </p:txBody>
       </p:sp>
     </p:spTree>
+    <p:extLst>
+      <p:ext uri="{BB962C8B-B14F-4D97-AF65-F5344CB8AC3E}">
+        <p14:creationId xmlns:p14="http://schemas.microsoft.com/office/powerpoint/2010/main" val="3921076023"/>
+      </p:ext>
+    </p:extLst>
   </p:cSld>
   <p:clrMapOvr>
     <a:masterClrMapping/>
@@ -3901,7 +7658,13 @@
       </p:grpSpPr>
       <p:sp>
         <p:nvSpPr>
-          <p:cNvPr id="2" name="Title 1"/>
+          <p:cNvPr id="2" name="Title 1">
+            <a:extLst>
+              <a:ext uri="{FF2B5EF4-FFF2-40B4-BE49-F238E27FC236}">
+                <a16:creationId xmlns:a16="http://schemas.microsoft.com/office/drawing/2014/main" id="{96F6254C-4271-88D3-C5D3-592DE68D53FD}"/>
+              </a:ext>
+            </a:extLst>
+          </p:cNvPr>
           <p:cNvSpPr>
             <a:spLocks noGrp="1"/>
           </p:cNvSpPr>
@@ -3915,14 +7678,21 @@
           <a:lstStyle/>
           <a:p>
             <a:r>
-              <a:t>Extra Features Implemented</a:t>
-            </a:r>
-          </a:p>
-        </p:txBody>
-      </p:sp>
-      <p:sp>
-        <p:nvSpPr>
-          <p:cNvPr id="3" name="Content Placeholder 2"/>
+              <a:rPr lang="en-US" dirty="0"/>
+              <a:t>Demo &amp; Working</a:t>
+            </a:r>
+          </a:p>
+        </p:txBody>
+      </p:sp>
+      <p:sp>
+        <p:nvSpPr>
+          <p:cNvPr id="3" name="Content Placeholder 2">
+            <a:extLst>
+              <a:ext uri="{FF2B5EF4-FFF2-40B4-BE49-F238E27FC236}">
+                <a16:creationId xmlns:a16="http://schemas.microsoft.com/office/drawing/2014/main" id="{B1CCCCDD-0BC7-988F-E766-665A29463F55}"/>
+              </a:ext>
+            </a:extLst>
+          </p:cNvPr>
           <p:cNvSpPr>
             <a:spLocks noGrp="1"/>
           </p:cNvSpPr>
@@ -3932,82 +7702,54 @@
         </p:nvSpPr>
         <p:spPr/>
         <p:txBody>
-          <a:bodyPr>
-            <a:normAutofit fontScale="92500"/>
-          </a:bodyPr>
-          <a:lstStyle/>
-          <a:p>
-            <a:r>
-              <a:rPr dirty="0"/>
-              <a:t>Logging with SLF4J/</a:t>
-            </a:r>
-            <a:r>
-              <a:rPr dirty="0" err="1"/>
-              <a:t>Logback</a:t>
-            </a:r>
-            <a:endParaRPr dirty="0"/>
-          </a:p>
-          <a:p>
-            <a:r>
-              <a:rPr dirty="0"/>
-              <a:t>Code Quality Tools (</a:t>
-            </a:r>
-            <a:r>
-              <a:rPr dirty="0" err="1"/>
-              <a:t>SpotBugs</a:t>
-            </a:r>
-            <a:r>
-              <a:rPr dirty="0"/>
-              <a:t>, PMD, </a:t>
-            </a:r>
-            <a:r>
-              <a:rPr dirty="0" err="1"/>
-              <a:t>Checkstyle</a:t>
-            </a:r>
-            <a:r>
-              <a:rPr dirty="0"/>
-              <a:t>)</a:t>
-            </a:r>
-          </a:p>
-          <a:p>
-            <a:r>
-              <a:rPr dirty="0"/>
-              <a:t>JUnit 5 Unit Tests</a:t>
-            </a:r>
-          </a:p>
-          <a:p>
-            <a:r>
-              <a:rPr dirty="0"/>
-              <a:t>Custom Exception Handling</a:t>
-            </a:r>
-          </a:p>
-          <a:p>
-            <a:r>
-              <a:rPr dirty="0"/>
-              <a:t>CLI with User Choice Flow</a:t>
-            </a:r>
-          </a:p>
-          <a:p>
-            <a:r>
-              <a:rPr dirty="0"/>
-              <a:t>Slot Allocation Strategy Explanation</a:t>
-            </a:r>
-          </a:p>
-          <a:p>
-            <a:r>
-              <a:rPr dirty="0"/>
-              <a:t>State Persistence (Future Scope)</a:t>
-            </a:r>
-          </a:p>
-          <a:p>
-            <a:r>
-              <a:rPr dirty="0"/>
-              <a:t>Configurable Slot Distribution (Future Scope)</a:t>
+          <a:bodyPr/>
+          <a:lstStyle/>
+          <a:p>
+            <a:r>
+              <a:rPr lang="en-US" dirty="0"/>
+              <a:t>Vehicle number input by user (Any String)</a:t>
+            </a:r>
+          </a:p>
+          <a:p>
+            <a:r>
+              <a:rPr lang="en-US" dirty="0"/>
+              <a:t>Vehicle size input via integer menu (1=Small, 2=Large, 3=Oversize)</a:t>
+            </a:r>
+          </a:p>
+          <a:p>
+            <a:r>
+              <a:rPr lang="en-US" dirty="0"/>
+              <a:t>Null or empty vehicle numbers are rejected</a:t>
+            </a:r>
+          </a:p>
+          <a:p>
+            <a:r>
+              <a:rPr lang="en-US" dirty="0"/>
+              <a:t>Logs are recorded in file (via </a:t>
+            </a:r>
+            <a:r>
+              <a:rPr lang="en-US" dirty="0" err="1"/>
+              <a:t>logback</a:t>
+            </a:r>
+            <a:r>
+              <a:rPr lang="en-US" dirty="0"/>
+              <a:t>), not console</a:t>
+            </a:r>
+          </a:p>
+          <a:p>
+            <a:r>
+              <a:rPr lang="en-US" dirty="0"/>
+              <a:t>Graceful messages shown on success/failure</a:t>
             </a:r>
           </a:p>
         </p:txBody>
       </p:sp>
     </p:spTree>
+    <p:extLst>
+      <p:ext uri="{BB962C8B-B14F-4D97-AF65-F5344CB8AC3E}">
+        <p14:creationId xmlns:p14="http://schemas.microsoft.com/office/powerpoint/2010/main" val="930982920"/>
+      </p:ext>
+    </p:extLst>
   </p:cSld>
   <p:clrMapOvr>
     <a:masterClrMapping/>
@@ -4069,27 +7811,52 @@
           <a:lstStyle/>
           <a:p>
             <a:r>
+              <a:rPr dirty="0"/>
               <a:t>Exact size preferred</a:t>
             </a:r>
           </a:p>
           <a:p>
             <a:r>
+              <a:rPr dirty="0"/>
               <a:t>Fallback to larger size if exact slot unavailable</a:t>
             </a:r>
           </a:p>
           <a:p>
             <a:r>
+              <a:rPr dirty="0"/>
               <a:t>Never fallback to smaller size</a:t>
             </a:r>
           </a:p>
           <a:p>
             <a:r>
-              <a:t>HashMap&lt;String, SlotType&gt; used for quick removal</a:t>
-            </a:r>
-          </a:p>
-          <a:p>
-            <a:r>
-              <a:t>EnumMap&lt;SlotType, Integer&gt; used for slot count tracking</a:t>
+              <a:rPr dirty="0"/>
+              <a:t>HashMap&lt;String, </a:t>
+            </a:r>
+            <a:r>
+              <a:rPr dirty="0" err="1"/>
+              <a:t>SlotType</a:t>
+            </a:r>
+            <a:r>
+              <a:rPr dirty="0"/>
+              <a:t>&gt; used for quick removal</a:t>
+            </a:r>
+          </a:p>
+          <a:p>
+            <a:r>
+              <a:rPr dirty="0" err="1"/>
+              <a:t>EnumMap</a:t>
+            </a:r>
+            <a:r>
+              <a:rPr dirty="0"/>
+              <a:t>&lt;</a:t>
+            </a:r>
+            <a:r>
+              <a:rPr dirty="0" err="1"/>
+              <a:t>SlotType</a:t>
+            </a:r>
+            <a:r>
+              <a:rPr dirty="0"/>
+              <a:t>, Integer&gt; used for slot count tracking</a:t>
             </a:r>
           </a:p>
         </p:txBody>
@@ -4135,7 +7902,7 @@
           <a:lstStyle/>
           <a:p>
             <a:r>
-              <a:t>Unit Testing Summary</a:t>
+              <a:t>Key Features</a:t>
             </a:r>
           </a:p>
         </p:txBody>
@@ -4152,56 +7919,53 @@
         </p:nvSpPr>
         <p:spPr/>
         <p:txBody>
-          <a:bodyPr/>
-          <a:lstStyle/>
+          <a:bodyPr>
+            <a:normAutofit lnSpcReduction="10000"/>
+          </a:bodyPr>
+          <a:lstStyle/>
+          <a:p>
+            <a:r>
+              <a:rPr dirty="0"/>
+              <a:t>Categorized slot management (SMALL, LARGE, OVERSIZE)</a:t>
+            </a:r>
+          </a:p>
+          <a:p>
+            <a:r>
+              <a:rPr dirty="0"/>
+              <a:t>Fallback parking logic (to larger slot type)</a:t>
+            </a:r>
+          </a:p>
           <a:p>
             <a:r>
               <a:rPr lang="en-US" dirty="0"/>
-              <a:t>10</a:t>
+              <a:t>Custom Exceptions and g</a:t>
             </a:r>
             <a:r>
               <a:rPr dirty="0"/>
-              <a:t> total unit tests</a:t>
+              <a:t>raceful error handling</a:t>
             </a:r>
           </a:p>
           <a:p>
             <a:r>
               <a:rPr dirty="0"/>
-              <a:t>Tested </a:t>
-            </a:r>
-            <a:r>
-              <a:rPr lang="en-US" dirty="0"/>
-              <a:t>initialization, </a:t>
-            </a:r>
+              <a:t>User-friendly CLI (choice-based loop)</a:t>
+            </a:r>
+          </a:p>
+          <a:p>
             <a:r>
               <a:rPr dirty="0"/>
-              <a:t>parking, removal, overflow, duplication</a:t>
-            </a:r>
+              <a:t>File-based logging with SLF4J + </a:t>
+            </a:r>
+            <a:r>
+              <a:rPr dirty="0" err="1"/>
+              <a:t>Logback</a:t>
+            </a:r>
+            <a:endParaRPr dirty="0"/>
           </a:p>
           <a:p>
             <a:r>
               <a:rPr dirty="0"/>
-              <a:t>Verified slot count and internal map integrity</a:t>
-            </a:r>
-          </a:p>
-          <a:p>
-            <a:r>
-              <a:rPr dirty="0"/>
-              <a:t>Handled custom exceptions for failures</a:t>
-            </a:r>
-          </a:p>
-          <a:p>
-            <a:r>
-              <a:rPr dirty="0"/>
-              <a:t>Visual test</a:t>
-            </a:r>
-            <a:r>
-              <a:rPr lang="en-US" dirty="0"/>
-              <a:t>ing </a:t>
-            </a:r>
-            <a:r>
-              <a:rPr dirty="0"/>
-              <a:t>for display status</a:t>
+              <a:t>Testable modular code</a:t>
             </a:r>
           </a:p>
         </p:txBody>
@@ -4247,7 +8011,7 @@
           <a:lstStyle/>
           <a:p>
             <a:r>
-              <a:t>Challenges &amp; Trade-offs</a:t>
+              <a:t>Extra Features Implemented</a:t>
             </a:r>
           </a:p>
         </p:txBody>
@@ -4264,42 +8028,65 @@
         </p:nvSpPr>
         <p:spPr/>
         <p:txBody>
-          <a:bodyPr/>
+          <a:bodyPr>
+            <a:normAutofit/>
+          </a:bodyPr>
           <a:lstStyle/>
           <a:p>
             <a:r>
               <a:rPr dirty="0"/>
-              <a:t>Serialization scrapped</a:t>
-            </a:r>
-            <a:r>
-              <a:rPr lang="en-US" dirty="0"/>
-              <a:t> </a:t>
-            </a:r>
+              <a:t>Logging with SLF4J/</a:t>
+            </a:r>
+            <a:r>
+              <a:rPr dirty="0" err="1"/>
+              <a:t>Logback</a:t>
+            </a:r>
+            <a:endParaRPr dirty="0"/>
+          </a:p>
+          <a:p>
             <a:r>
               <a:rPr dirty="0"/>
-              <a:t>to </a:t>
-            </a:r>
-            <a:r>
-              <a:rPr lang="en-US" dirty="0"/>
-              <a:t>maintain simplicity; suitable for future scope of the project</a:t>
-            </a:r>
-            <a:endParaRPr dirty="0"/>
-          </a:p>
-          <a:p>
+              <a:t>Code Quality Tools (</a:t>
+            </a:r>
+            <a:r>
+              <a:rPr dirty="0" err="1"/>
+              <a:t>SpotBugs</a:t>
+            </a:r>
             <a:r>
               <a:rPr dirty="0"/>
-              <a:t>Slot ID mapping removed </a:t>
-            </a:r>
-            <a:r>
-              <a:rPr lang="en-US" dirty="0"/>
-              <a:t>due to not being in current project scope; better for future scope of the project</a:t>
-            </a:r>
-            <a:endParaRPr dirty="0"/>
-          </a:p>
-          <a:p>
+              <a:t>, PMD, </a:t>
+            </a:r>
+            <a:r>
+              <a:rPr dirty="0" err="1"/>
+              <a:t>Checkstyle</a:t>
+            </a:r>
             <a:r>
               <a:rPr dirty="0"/>
-              <a:t>Focus kept on simplicity, maintainability, and clarity</a:t>
+              <a:t>)</a:t>
+            </a:r>
+          </a:p>
+          <a:p>
+            <a:r>
+              <a:rPr dirty="0"/>
+              <a:t>JUnit 5 Unit Tests</a:t>
+            </a:r>
+          </a:p>
+          <a:p>
+            <a:r>
+              <a:rPr dirty="0"/>
+              <a:t>Custom Exception Handling</a:t>
+            </a:r>
+          </a:p>
+          <a:p>
+            <a:r>
+              <a:rPr dirty="0"/>
+              <a:t>CLI with User Choice Flow</a:t>
+            </a:r>
+          </a:p>
+          <a:p>
+            <a:r>
+              <a:rPr dirty="0"/>
+              <a:t>Slot Allocation Strategy</a:t>
             </a:r>
           </a:p>
         </p:txBody>
@@ -4313,9 +8100,9 @@
 </file>
 
 <file path=ppt/theme/theme1.xml><?xml version="1.0" encoding="utf-8"?>
-<a:theme xmlns:a="http://schemas.openxmlformats.org/drawingml/2006/main" name="Office Theme">
+<a:theme xmlns:a="http://schemas.openxmlformats.org/drawingml/2006/main" name="Parallax">
   <a:themeElements>
-    <a:clrScheme name="Office">
+    <a:clrScheme name="Parallax">
       <a:dk1>
         <a:sysClr val="windowText" lastClr="000000"/>
       </a:dk1>
@@ -4323,52 +8110,52 @@
         <a:sysClr val="window" lastClr="FFFFFF"/>
       </a:lt1>
       <a:dk2>
-        <a:srgbClr val="1F497D"/>
+        <a:srgbClr val="212121"/>
       </a:dk2>
       <a:lt2>
-        <a:srgbClr val="EEECE1"/>
+        <a:srgbClr val="EBEBEB"/>
       </a:lt2>
       <a:accent1>
-        <a:srgbClr val="4F81BD"/>
+        <a:srgbClr val="30ACEC"/>
       </a:accent1>
       <a:accent2>
-        <a:srgbClr val="C0504D"/>
+        <a:srgbClr val="80C34F"/>
       </a:accent2>
       <a:accent3>
-        <a:srgbClr val="9BBB59"/>
+        <a:srgbClr val="E29D3E"/>
       </a:accent3>
       <a:accent4>
-        <a:srgbClr val="8064A2"/>
+        <a:srgbClr val="D64A3B"/>
       </a:accent4>
       <a:accent5>
-        <a:srgbClr val="4BACC6"/>
+        <a:srgbClr val="D64787"/>
       </a:accent5>
       <a:accent6>
-        <a:srgbClr val="F79646"/>
+        <a:srgbClr val="A666E1"/>
       </a:accent6>
       <a:hlink>
-        <a:srgbClr val="0000FF"/>
+        <a:srgbClr val="3085ED"/>
       </a:hlink>
       <a:folHlink>
-        <a:srgbClr val="800080"/>
+        <a:srgbClr val="82B6F4"/>
       </a:folHlink>
     </a:clrScheme>
-    <a:fontScheme name="Office">
+    <a:fontScheme name="Parallax">
       <a:majorFont>
-        <a:latin typeface="Calibri"/>
+        <a:latin typeface="Corbel" panose="020B0503020204020204"/>
         <a:ea typeface=""/>
         <a:cs typeface=""/>
-        <a:font script="Jpan" typeface="ＭＳ Ｐゴシック"/>
-        <a:font script="Hang" typeface="맑은 고딕"/>
-        <a:font script="Hans" typeface="宋体"/>
+        <a:font script="Jpan" typeface="HGｺﾞｼｯｸM"/>
+        <a:font script="Hang" typeface="HY엽서L"/>
+        <a:font script="Hans" typeface="华文楷体"/>
         <a:font script="Hant" typeface="新細明體"/>
-        <a:font script="Arab" typeface="Times New Roman"/>
-        <a:font script="Hebr" typeface="Times New Roman"/>
-        <a:font script="Thai" typeface="Angsana New"/>
+        <a:font script="Arab" typeface="Tahoma"/>
+        <a:font script="Hebr" typeface="Miriam"/>
+        <a:font script="Thai" typeface="DilleniaUPC"/>
         <a:font script="Ethi" typeface="Nyala"/>
         <a:font script="Beng" typeface="Vrinda"/>
         <a:font script="Gujr" typeface="Shruti"/>
-        <a:font script="Khmr" typeface="MoolBoran"/>
+        <a:font script="Khmr" typeface="DaunPenh"/>
         <a:font script="Knda" typeface="Tunga"/>
         <a:font script="Guru" typeface="Raavi"/>
         <a:font script="Cans" typeface="Euphemia"/>
@@ -4385,21 +8172,21 @@
         <a:font script="Laoo" typeface="DokChampa"/>
         <a:font script="Sinh" typeface="Iskoola Pota"/>
         <a:font script="Mong" typeface="Mongolian Baiti"/>
-        <a:font script="Viet" typeface="Times New Roman"/>
+        <a:font script="Viet" typeface="Arial"/>
         <a:font script="Uigh" typeface="Microsoft Uighur"/>
         <a:font script="Geor" typeface="Sylfaen"/>
       </a:majorFont>
       <a:minorFont>
-        <a:latin typeface="Calibri"/>
+        <a:latin typeface="Corbel" panose="020B0503020204020204"/>
         <a:ea typeface=""/>
         <a:cs typeface=""/>
-        <a:font script="Jpan" typeface="ＭＳ Ｐゴシック"/>
-        <a:font script="Hang" typeface="맑은 고딕"/>
-        <a:font script="Hans" typeface="宋体"/>
+        <a:font script="Jpan" typeface="HGｺﾞｼｯｸM"/>
+        <a:font script="Hang" typeface="HY엽서L"/>
+        <a:font script="Hans" typeface="华文楷体"/>
         <a:font script="Hant" typeface="新細明體"/>
-        <a:font script="Arab" typeface="Arial"/>
-        <a:font script="Hebr" typeface="Arial"/>
-        <a:font script="Thai" typeface="Cordia New"/>
+        <a:font script="Arab" typeface="Tahoma"/>
+        <a:font script="Hebr" typeface="Miriam"/>
+        <a:font script="Thai" typeface="DilleniaUPC"/>
         <a:font script="Ethi" typeface="Nyala"/>
         <a:font script="Beng" typeface="Vrinda"/>
         <a:font script="Gujr" typeface="Shruti"/>
@@ -4425,7 +8212,7 @@
         <a:font script="Geor" typeface="Sylfaen"/>
       </a:minorFont>
     </a:fontScheme>
-    <a:fmtScheme name="Office">
+    <a:fmtScheme name="Parallax">
       <a:fillStyleLst>
         <a:solidFill>
           <a:schemeClr val="phClr"/>
@@ -4434,62 +8221,54 @@
           <a:gsLst>
             <a:gs pos="0">
               <a:schemeClr val="phClr">
-                <a:tint val="50000"/>
-                <a:satMod val="300000"/>
-              </a:schemeClr>
-            </a:gs>
-            <a:gs pos="35000">
-              <a:schemeClr val="phClr">
-                <a:tint val="37000"/>
-                <a:satMod val="300000"/>
+                <a:tint val="60000"/>
+                <a:lumMod val="104000"/>
               </a:schemeClr>
             </a:gs>
             <a:gs pos="100000">
               <a:schemeClr val="phClr">
-                <a:tint val="15000"/>
-                <a:satMod val="350000"/>
+                <a:tint val="84000"/>
               </a:schemeClr>
             </a:gs>
           </a:gsLst>
-          <a:lin ang="16200000" scaled="1"/>
+          <a:lin ang="5400000" scaled="0"/>
         </a:gradFill>
         <a:gradFill rotWithShape="1">
           <a:gsLst>
             <a:gs pos="0">
               <a:schemeClr val="phClr">
-                <a:tint val="100000"/>
-                <a:shade val="100000"/>
-                <a:satMod val="130000"/>
+                <a:tint val="96000"/>
+                <a:lumMod val="102000"/>
               </a:schemeClr>
             </a:gs>
             <a:gs pos="100000">
               <a:schemeClr val="phClr">
-                <a:tint val="50000"/>
-                <a:shade val="100000"/>
-                <a:satMod val="350000"/>
+                <a:shade val="88000"/>
+                <a:lumMod val="94000"/>
               </a:schemeClr>
             </a:gs>
           </a:gsLst>
-          <a:lin ang="16200000" scaled="0"/>
+          <a:path path="circle">
+            <a:fillToRect l="50000" t="100000" r="100000" b="50000"/>
+          </a:path>
         </a:gradFill>
       </a:fillStyleLst>
       <a:lnStyleLst>
-        <a:ln w="9525" cap="flat" cmpd="sng" algn="ctr">
+        <a:ln w="9525" cap="rnd" cmpd="sng" algn="ctr">
           <a:solidFill>
             <a:schemeClr val="phClr">
-              <a:shade val="95000"/>
-              <a:satMod val="105000"/>
+              <a:tint val="60000"/>
             </a:schemeClr>
           </a:solidFill>
           <a:prstDash val="solid"/>
         </a:ln>
-        <a:ln w="25400" cap="flat" cmpd="sng" algn="ctr">
+        <a:ln w="15875" cap="rnd" cmpd="sng" algn="ctr">
           <a:solidFill>
             <a:schemeClr val="phClr"/>
           </a:solidFill>
           <a:prstDash val="solid"/>
         </a:ln>
-        <a:ln w="38100" cap="flat" cmpd="sng" algn="ctr">
+        <a:ln w="22225" cap="rnd" cmpd="sng" algn="ctr">
           <a:solidFill>
             <a:schemeClr val="phClr"/>
           </a:solidFill>
@@ -4498,28 +8277,18 @@
       </a:lnStyleLst>
       <a:effectStyleLst>
         <a:effectStyle>
+          <a:effectLst/>
+        </a:effectStyle>
+        <a:effectStyle>
           <a:effectLst>
-            <a:outerShdw blurRad="40000" dist="20000" dir="5400000" rotWithShape="0">
-              <a:srgbClr val="000000">
-                <a:alpha val="38000"/>
-              </a:srgbClr>
-            </a:outerShdw>
+            <a:reflection blurRad="12700" stA="26000" endPos="32000" dist="12700" dir="5400000" sy="-100000" rotWithShape="0"/>
           </a:effectLst>
         </a:effectStyle>
         <a:effectStyle>
           <a:effectLst>
-            <a:outerShdw blurRad="40000" dist="23000" dir="5400000" rotWithShape="0">
+            <a:outerShdw blurRad="38100" dist="25400" dir="5400000" rotWithShape="0">
               <a:srgbClr val="000000">
-                <a:alpha val="35000"/>
-              </a:srgbClr>
-            </a:outerShdw>
-          </a:effectLst>
-        </a:effectStyle>
-        <a:effectStyle>
-          <a:effectLst>
-            <a:outerShdw blurRad="40000" dist="23000" dir="5400000" rotWithShape="0">
-              <a:srgbClr val="000000">
-                <a:alpha val="35000"/>
+                <a:alpha val="64000"/>
               </a:srgbClr>
             </a:outerShdw>
           </a:effectLst>
@@ -4527,12 +8296,12 @@
             <a:camera prst="orthographicFront">
               <a:rot lat="0" lon="0" rev="0"/>
             </a:camera>
-            <a:lightRig rig="threePt" dir="t">
+            <a:lightRig rig="threePt" dir="tl">
               <a:rot lat="0" lon="0" rev="1200000"/>
             </a:lightRig>
           </a:scene3d>
           <a:sp3d>
-            <a:bevelT w="63500" h="25400"/>
+            <a:bevelT w="25400" h="12700"/>
           </a:sp3d>
         </a:effectStyle>
       </a:effectStyleLst>
@@ -4544,90 +8313,44 @@
           <a:gsLst>
             <a:gs pos="0">
               <a:schemeClr val="phClr">
-                <a:tint val="40000"/>
-                <a:satMod val="350000"/>
-              </a:schemeClr>
-            </a:gs>
-            <a:gs pos="40000">
-              <a:schemeClr val="phClr">
-                <a:tint val="45000"/>
-                <a:shade val="99000"/>
-                <a:satMod val="350000"/>
+                <a:tint val="90000"/>
+                <a:lumMod val="110000"/>
               </a:schemeClr>
             </a:gs>
             <a:gs pos="100000">
               <a:schemeClr val="phClr">
-                <a:shade val="20000"/>
-                <a:satMod val="255000"/>
+                <a:shade val="64000"/>
+                <a:lumMod val="98000"/>
               </a:schemeClr>
             </a:gs>
           </a:gsLst>
-          <a:path path="circle">
-            <a:fillToRect l="50000" t="-80000" r="50000" b="180000"/>
-          </a:path>
+          <a:lin ang="5400000" scaled="0"/>
         </a:gradFill>
-        <a:gradFill rotWithShape="1">
-          <a:gsLst>
-            <a:gs pos="0">
+        <a:blipFill rotWithShape="1">
+          <a:blip xmlns:r="http://schemas.openxmlformats.org/officeDocument/2006/relationships" r:embed="rId1">
+            <a:duotone>
+              <a:schemeClr val="phClr">
+                <a:shade val="76000"/>
+                <a:satMod val="180000"/>
+              </a:schemeClr>
               <a:schemeClr val="phClr">
                 <a:tint val="80000"/>
-                <a:satMod val="300000"/>
+                <a:satMod val="120000"/>
+                <a:lumMod val="180000"/>
               </a:schemeClr>
-            </a:gs>
-            <a:gs pos="100000">
-              <a:schemeClr val="phClr">
-                <a:shade val="30000"/>
-                <a:satMod val="200000"/>
-              </a:schemeClr>
-            </a:gs>
-          </a:gsLst>
-          <a:path path="circle">
-            <a:fillToRect l="50000" t="50000" r="50000" b="50000"/>
-          </a:path>
-        </a:gradFill>
+            </a:duotone>
+          </a:blip>
+          <a:stretch/>
+        </a:blipFill>
       </a:bgFillStyleLst>
     </a:fmtScheme>
   </a:themeElements>
-  <a:objectDefaults>
-    <a:spDef>
-      <a:spPr/>
-      <a:bodyPr/>
-      <a:lstStyle/>
-      <a:style>
-        <a:lnRef idx="1">
-          <a:schemeClr val="accent1"/>
-        </a:lnRef>
-        <a:fillRef idx="3">
-          <a:schemeClr val="accent1"/>
-        </a:fillRef>
-        <a:effectRef idx="2">
-          <a:schemeClr val="accent1"/>
-        </a:effectRef>
-        <a:fontRef idx="minor">
-          <a:schemeClr val="lt1"/>
-        </a:fontRef>
-      </a:style>
-    </a:spDef>
-    <a:lnDef>
-      <a:spPr/>
-      <a:bodyPr/>
-      <a:lstStyle/>
-      <a:style>
-        <a:lnRef idx="2">
-          <a:schemeClr val="accent1"/>
-        </a:lnRef>
-        <a:fillRef idx="0">
-          <a:schemeClr val="accent1"/>
-        </a:fillRef>
-        <a:effectRef idx="1">
-          <a:schemeClr val="accent1"/>
-        </a:effectRef>
-        <a:fontRef idx="minor">
-          <a:schemeClr val="tx1"/>
-        </a:fontRef>
-      </a:style>
-    </a:lnDef>
-  </a:objectDefaults>
+  <a:objectDefaults/>
   <a:extraClrSchemeLst/>
+  <a:extLst>
+    <a:ext uri="{05A4C25C-085E-4340-85A3-A5531E510DB2}">
+      <thm15:themeFamily xmlns:thm15="http://schemas.microsoft.com/office/thememl/2012/main" name="Parallax" id="{3388167B-A2EB-4685-9635-1831D9AEF8C4}" vid="{4F7A876A-7598-49CA-AFC8-8EDA2551E4A7}"/>
+    </a:ext>
+  </a:extLst>
 </a:theme>
 </file>
--- a/presentation/ParkingLotApp.pptx
+++ b/presentation/ParkingLotApp.pptx
@@ -10,16 +10,13 @@
     <p:sldId id="258" r:id="rId4"/>
     <p:sldId id="259" r:id="rId5"/>
     <p:sldId id="268" r:id="rId6"/>
-    <p:sldId id="269" r:id="rId7"/>
-    <p:sldId id="262" r:id="rId8"/>
-    <p:sldId id="260" r:id="rId9"/>
-    <p:sldId id="261" r:id="rId10"/>
-    <p:sldId id="263" r:id="rId11"/>
-    <p:sldId id="265" r:id="rId12"/>
-    <p:sldId id="270" r:id="rId13"/>
-    <p:sldId id="264" r:id="rId14"/>
-    <p:sldId id="267" r:id="rId15"/>
-    <p:sldId id="266" r:id="rId16"/>
+    <p:sldId id="260" r:id="rId7"/>
+    <p:sldId id="263" r:id="rId8"/>
+    <p:sldId id="265" r:id="rId9"/>
+    <p:sldId id="270" r:id="rId10"/>
+    <p:sldId id="264" r:id="rId11"/>
+    <p:sldId id="267" r:id="rId12"/>
+    <p:sldId id="266" r:id="rId13"/>
   </p:sldIdLst>
   <p:sldSz cx="9144000" cy="6858000" type="screen4x3"/>
   <p:notesSz cx="6858000" cy="9144000"/>
@@ -754,7 +751,7 @@
           </a:ln>
           <a:extLst>
             <a:ext uri="{91240B29-F687-4f45-9708-019B960494DF}">
-              <a14:hiddenLine xmlns:a14="http://schemas.microsoft.com/office/drawing/2010/main" xmlns="" w="9525">
+              <a14:hiddenLine xmlns="" xmlns:a14="http://schemas.microsoft.com/office/drawing/2010/main" w="9525">
                 <a:solidFill>
                   <a:srgbClr val="000000"/>
                 </a:solidFill>
@@ -809,7 +806,7 @@
           </a:ln>
           <a:extLst>
             <a:ext uri="{91240B29-F687-4f45-9708-019B960494DF}">
-              <a14:hiddenLine xmlns:a14="http://schemas.microsoft.com/office/drawing/2010/main" xmlns="" w="9525">
+              <a14:hiddenLine xmlns="" xmlns:a14="http://schemas.microsoft.com/office/drawing/2010/main" w="9525">
                 <a:solidFill>
                   <a:srgbClr val="000000"/>
                 </a:solidFill>
@@ -6396,7 +6393,7 @@
           <a:lstStyle/>
           <a:p>
             <a:r>
-              <a:t>Unit Testing Summary</a:t>
+              <a:t>Challenges &amp; Trade-offs</a:t>
             </a:r>
           </a:p>
         </p:txBody>
@@ -6417,52 +6414,38 @@
           <a:lstStyle/>
           <a:p>
             <a:r>
-              <a:rPr lang="en-US" dirty="0"/>
-              <a:t>10</a:t>
-            </a:r>
-            <a:r>
               <a:rPr dirty="0"/>
-              <a:t> total unit tests</a:t>
-            </a:r>
-          </a:p>
-          <a:p>
+              <a:t>Serialization scrapped</a:t>
+            </a:r>
+            <a:r>
+              <a:rPr lang="en-US" dirty="0"/>
+              <a:t> </a:t>
+            </a:r>
             <a:r>
               <a:rPr dirty="0"/>
-              <a:t>Tested </a:t>
-            </a:r>
-            <a:r>
-              <a:rPr lang="en-US" dirty="0"/>
-              <a:t>initialization, </a:t>
-            </a:r>
+              <a:t>to </a:t>
+            </a:r>
+            <a:r>
+              <a:rPr lang="en-US" dirty="0"/>
+              <a:t>maintain simplicity; suitable for future scope of the project</a:t>
+            </a:r>
+            <a:endParaRPr dirty="0"/>
+          </a:p>
+          <a:p>
             <a:r>
               <a:rPr dirty="0"/>
-              <a:t>parking, removal, overflow, duplication</a:t>
-            </a:r>
+              <a:t>Slot ID mapping removed </a:t>
+            </a:r>
+            <a:r>
+              <a:rPr lang="en-US" dirty="0"/>
+              <a:t>due to not being in current project scope; better for future scope of the project</a:t>
+            </a:r>
+            <a:endParaRPr dirty="0"/>
           </a:p>
           <a:p>
             <a:r>
               <a:rPr dirty="0"/>
-              <a:t>Verified slot count and internal map integrity</a:t>
-            </a:r>
-          </a:p>
-          <a:p>
-            <a:r>
-              <a:rPr dirty="0"/>
-              <a:t>Handled custom exceptions for failures</a:t>
-            </a:r>
-          </a:p>
-          <a:p>
-            <a:r>
-              <a:rPr dirty="0"/>
-              <a:t>Visual test</a:t>
-            </a:r>
-            <a:r>
-              <a:rPr lang="en-US" dirty="0"/>
-              <a:t>ing </a:t>
-            </a:r>
-            <a:r>
-              <a:rPr dirty="0"/>
-              <a:t>for display status</a:t>
+              <a:t>Focus kept on simplicity, maintainability, and clarity</a:t>
             </a:r>
           </a:p>
         </p:txBody>
@@ -6494,484 +6477,6 @@
       </p:grpSpPr>
       <p:sp>
         <p:nvSpPr>
-          <p:cNvPr id="2" name="Title 1"/>
-          <p:cNvSpPr>
-            <a:spLocks noGrp="1"/>
-          </p:cNvSpPr>
-          <p:nvPr>
-            <p:ph type="title"/>
-          </p:nvPr>
-        </p:nvSpPr>
-        <p:spPr/>
-        <p:txBody>
-          <a:bodyPr/>
-          <a:lstStyle/>
-          <a:p>
-            <a:r>
-              <a:rPr dirty="0"/>
-              <a:t>How to Run the </a:t>
-            </a:r>
-            <a:r>
-              <a:rPr lang="en-US" dirty="0"/>
-              <a:t>JAR File</a:t>
-            </a:r>
-            <a:endParaRPr dirty="0"/>
-          </a:p>
-        </p:txBody>
-      </p:sp>
-      <p:sp>
-        <p:nvSpPr>
-          <p:cNvPr id="3" name="Content Placeholder 2"/>
-          <p:cNvSpPr>
-            <a:spLocks noGrp="1"/>
-          </p:cNvSpPr>
-          <p:nvPr>
-            <p:ph idx="1"/>
-          </p:nvPr>
-        </p:nvSpPr>
-        <p:spPr/>
-        <p:txBody>
-          <a:bodyPr>
-            <a:normAutofit fontScale="92500" lnSpcReduction="20000"/>
-          </a:bodyPr>
-          <a:lstStyle/>
-          <a:p>
-            <a:r>
-              <a:rPr dirty="0"/>
-              <a:t>Ensure Java 17+ is installed</a:t>
-            </a:r>
-            <a:endParaRPr lang="en-US" dirty="0"/>
-          </a:p>
-          <a:p>
-            <a:r>
-              <a:rPr lang="en-US" dirty="0"/>
-              <a:t>Find the JAR file in:</a:t>
-            </a:r>
-          </a:p>
-          <a:p>
-            <a:pPr marL="0" indent="0">
-              <a:buNone/>
-            </a:pPr>
-            <a:r>
-              <a:rPr lang="en-US" dirty="0"/>
-              <a:t>	</a:t>
-            </a:r>
-            <a:r>
-              <a:rPr lang="en-US" dirty="0" err="1"/>
-              <a:t>ParkingLotApp</a:t>
-            </a:r>
-            <a:r>
-              <a:rPr lang="en-US" dirty="0"/>
-              <a:t>/release/</a:t>
-            </a:r>
-          </a:p>
-          <a:p>
-            <a:r>
-              <a:rPr lang="en-US" dirty="0"/>
-              <a:t>Open Terminal or Command Prompt</a:t>
-            </a:r>
-          </a:p>
-          <a:p>
-            <a:r>
-              <a:rPr lang="en-US" dirty="0"/>
-              <a:t>Navigate to directory containing JAR file</a:t>
-            </a:r>
-            <a:endParaRPr dirty="0"/>
-          </a:p>
-          <a:p>
-            <a:r>
-              <a:rPr dirty="0"/>
-              <a:t>Run using command:</a:t>
-            </a:r>
-          </a:p>
-          <a:p>
-            <a:pPr marL="0" indent="0">
-              <a:buNone/>
-            </a:pPr>
-            <a:r>
-              <a:rPr lang="en-US" dirty="0"/>
-              <a:t>	</a:t>
-            </a:r>
-            <a:r>
-              <a:rPr dirty="0"/>
-              <a:t>java -jar ParkingLotApp-1.0-SNAPSHOT.jar</a:t>
-            </a:r>
-          </a:p>
-          <a:p>
-            <a:r>
-              <a:rPr dirty="0"/>
-              <a:t>(No setup or IDE required)</a:t>
-            </a:r>
-          </a:p>
-        </p:txBody>
-      </p:sp>
-    </p:spTree>
-  </p:cSld>
-  <p:clrMapOvr>
-    <a:masterClrMapping/>
-  </p:clrMapOvr>
-</p:sld>
-</file>
-
-<file path=ppt/slides/slide12.xml><?xml version="1.0" encoding="utf-8"?>
-<p:sld xmlns:a="http://schemas.openxmlformats.org/drawingml/2006/main" xmlns:r="http://schemas.openxmlformats.org/officeDocument/2006/relationships" xmlns:p="http://schemas.openxmlformats.org/presentationml/2006/main">
-  <p:cSld>
-    <p:spTree>
-      <p:nvGrpSpPr>
-        <p:cNvPr id="1" name=""/>
-        <p:cNvGrpSpPr/>
-        <p:nvPr/>
-      </p:nvGrpSpPr>
-      <p:grpSpPr>
-        <a:xfrm>
-          <a:off x="0" y="0"/>
-          <a:ext cx="0" cy="0"/>
-          <a:chOff x="0" y="0"/>
-          <a:chExt cx="0" cy="0"/>
-        </a:xfrm>
-      </p:grpSpPr>
-      <p:sp>
-        <p:nvSpPr>
-          <p:cNvPr id="2" name="Title 1">
-            <a:extLst>
-              <a:ext uri="{FF2B5EF4-FFF2-40B4-BE49-F238E27FC236}">
-                <a16:creationId xmlns:a16="http://schemas.microsoft.com/office/drawing/2014/main" id="{98FBBB9A-A34E-5E11-0250-179C927A2F6F}"/>
-              </a:ext>
-            </a:extLst>
-          </p:cNvPr>
-          <p:cNvSpPr>
-            <a:spLocks noGrp="1"/>
-          </p:cNvSpPr>
-          <p:nvPr>
-            <p:ph type="title"/>
-          </p:nvPr>
-        </p:nvSpPr>
-        <p:spPr/>
-        <p:txBody>
-          <a:bodyPr/>
-          <a:lstStyle/>
-          <a:p>
-            <a:r>
-              <a:rPr lang="en-US" dirty="0"/>
-              <a:t>Run, Test &amp; Verify the Application</a:t>
-            </a:r>
-          </a:p>
-        </p:txBody>
-      </p:sp>
-      <p:sp>
-        <p:nvSpPr>
-          <p:cNvPr id="3" name="Content Placeholder 2">
-            <a:extLst>
-              <a:ext uri="{FF2B5EF4-FFF2-40B4-BE49-F238E27FC236}">
-                <a16:creationId xmlns:a16="http://schemas.microsoft.com/office/drawing/2014/main" id="{3EBE43FD-FCDF-52E3-6036-C7317E3F0120}"/>
-              </a:ext>
-            </a:extLst>
-          </p:cNvPr>
-          <p:cNvSpPr>
-            <a:spLocks noGrp="1"/>
-          </p:cNvSpPr>
-          <p:nvPr>
-            <p:ph idx="1"/>
-          </p:nvPr>
-        </p:nvSpPr>
-        <p:spPr/>
-        <p:txBody>
-          <a:bodyPr>
-            <a:normAutofit fontScale="70000" lnSpcReduction="20000"/>
-          </a:bodyPr>
-          <a:lstStyle/>
-          <a:p>
-            <a:r>
-              <a:rPr lang="en-US" dirty="0"/>
-              <a:t>Build and run (In terminal) :</a:t>
-            </a:r>
-          </a:p>
-          <a:p>
-            <a:pPr marL="0" indent="0">
-              <a:buNone/>
-            </a:pPr>
-            <a:r>
-              <a:rPr lang="en-US" dirty="0"/>
-              <a:t>	</a:t>
-            </a:r>
-            <a:r>
-              <a:rPr lang="en-US" dirty="0" err="1"/>
-              <a:t>mvn</a:t>
-            </a:r>
-            <a:r>
-              <a:rPr lang="en-US" dirty="0"/>
-              <a:t> clean install</a:t>
-            </a:r>
-          </a:p>
-          <a:p>
-            <a:pPr marL="0" indent="0">
-              <a:buNone/>
-            </a:pPr>
-            <a:r>
-              <a:rPr lang="en-US" dirty="0"/>
-              <a:t>	</a:t>
-            </a:r>
-            <a:r>
-              <a:rPr lang="en-US" dirty="0" err="1"/>
-              <a:t>mvn</a:t>
-            </a:r>
-            <a:r>
-              <a:rPr lang="en-US" dirty="0"/>
-              <a:t> </a:t>
-            </a:r>
-            <a:r>
-              <a:rPr lang="en-US" dirty="0" err="1"/>
-              <a:t>exec:java</a:t>
-            </a:r>
-            <a:r>
-              <a:rPr lang="en-US" dirty="0"/>
-              <a:t> -</a:t>
-            </a:r>
-            <a:r>
-              <a:rPr lang="en-US" dirty="0" err="1"/>
-              <a:t>Dexec.mainClass</a:t>
-            </a:r>
-            <a:r>
-              <a:rPr lang="en-US" dirty="0"/>
-              <a:t>="</a:t>
-            </a:r>
-            <a:r>
-              <a:rPr lang="en-US" dirty="0" err="1"/>
-              <a:t>com.parkinglot.Main</a:t>
-            </a:r>
-            <a:r>
-              <a:rPr lang="en-US" dirty="0"/>
-              <a:t>"</a:t>
-            </a:r>
-          </a:p>
-          <a:p>
-            <a:r>
-              <a:rPr lang="en-US" dirty="0"/>
-              <a:t>Alternatively, if `</a:t>
-            </a:r>
-            <a:r>
-              <a:rPr lang="en-US" dirty="0" err="1"/>
-              <a:t>mainClass</a:t>
-            </a:r>
-            <a:r>
-              <a:rPr lang="en-US" dirty="0"/>
-              <a:t>` is configured in `pom.xml` for `exec-maven-plugin`:</a:t>
-            </a:r>
-          </a:p>
-          <a:p>
-            <a:pPr marL="0" indent="0">
-              <a:buNone/>
-            </a:pPr>
-            <a:r>
-              <a:rPr lang="en-US" dirty="0"/>
-              <a:t>	</a:t>
-            </a:r>
-            <a:r>
-              <a:rPr lang="en-US" dirty="0" err="1"/>
-              <a:t>mvn</a:t>
-            </a:r>
-            <a:r>
-              <a:rPr lang="en-US" dirty="0"/>
-              <a:t> clean install</a:t>
-            </a:r>
-          </a:p>
-          <a:p>
-            <a:pPr marL="0" indent="0">
-              <a:buNone/>
-            </a:pPr>
-            <a:r>
-              <a:rPr lang="en-US" dirty="0"/>
-              <a:t>	</a:t>
-            </a:r>
-            <a:r>
-              <a:rPr lang="en-US" dirty="0" err="1"/>
-              <a:t>mvn</a:t>
-            </a:r>
-            <a:r>
-              <a:rPr lang="en-US" dirty="0"/>
-              <a:t> </a:t>
-            </a:r>
-            <a:r>
-              <a:rPr lang="en-US" dirty="0" err="1"/>
-              <a:t>exec:java</a:t>
-            </a:r>
-            <a:endParaRPr lang="en-US" dirty="0"/>
-          </a:p>
-          <a:p>
-            <a:r>
-              <a:rPr lang="en-US" dirty="0"/>
-              <a:t>Ensure `exec-maven-plugin` is configured in `pom.xml`.</a:t>
-            </a:r>
-          </a:p>
-          <a:p>
-            <a:r>
-              <a:rPr lang="en-US" dirty="0"/>
-              <a:t>Run all unit tests:</a:t>
-            </a:r>
-          </a:p>
-          <a:p>
-            <a:pPr marL="0" indent="0">
-              <a:buNone/>
-            </a:pPr>
-            <a:r>
-              <a:rPr lang="en-US" dirty="0"/>
-              <a:t>	</a:t>
-            </a:r>
-            <a:r>
-              <a:rPr lang="en-US" dirty="0" err="1"/>
-              <a:t>mvn</a:t>
-            </a:r>
-            <a:r>
-              <a:rPr lang="en-US" dirty="0"/>
-              <a:t> test</a:t>
-            </a:r>
-          </a:p>
-          <a:p>
-            <a:r>
-              <a:rPr lang="en-US" dirty="0"/>
-              <a:t>Bug-check: </a:t>
-            </a:r>
-            <a:r>
-              <a:rPr lang="en-US" dirty="0" err="1"/>
-              <a:t>SpotBugs</a:t>
-            </a:r>
-            <a:r>
-              <a:rPr lang="en-US" dirty="0"/>
-              <a:t> plugin integrated</a:t>
-            </a:r>
-          </a:p>
-        </p:txBody>
-      </p:sp>
-    </p:spTree>
-    <p:extLst>
-      <p:ext uri="{BB962C8B-B14F-4D97-AF65-F5344CB8AC3E}">
-        <p14:creationId xmlns:p14="http://schemas.microsoft.com/office/powerpoint/2010/main" val="311964766"/>
-      </p:ext>
-    </p:extLst>
-  </p:cSld>
-  <p:clrMapOvr>
-    <a:masterClrMapping/>
-  </p:clrMapOvr>
-</p:sld>
-</file>
-
-<file path=ppt/slides/slide13.xml><?xml version="1.0" encoding="utf-8"?>
-<p:sld xmlns:a="http://schemas.openxmlformats.org/drawingml/2006/main" xmlns:r="http://schemas.openxmlformats.org/officeDocument/2006/relationships" xmlns:p="http://schemas.openxmlformats.org/presentationml/2006/main">
-  <p:cSld>
-    <p:spTree>
-      <p:nvGrpSpPr>
-        <p:cNvPr id="1" name=""/>
-        <p:cNvGrpSpPr/>
-        <p:nvPr/>
-      </p:nvGrpSpPr>
-      <p:grpSpPr>
-        <a:xfrm>
-          <a:off x="0" y="0"/>
-          <a:ext cx="0" cy="0"/>
-          <a:chOff x="0" y="0"/>
-          <a:chExt cx="0" cy="0"/>
-        </a:xfrm>
-      </p:grpSpPr>
-      <p:sp>
-        <p:nvSpPr>
-          <p:cNvPr id="2" name="Title 1"/>
-          <p:cNvSpPr>
-            <a:spLocks noGrp="1"/>
-          </p:cNvSpPr>
-          <p:nvPr>
-            <p:ph type="title"/>
-          </p:nvPr>
-        </p:nvSpPr>
-        <p:spPr/>
-        <p:txBody>
-          <a:bodyPr/>
-          <a:lstStyle/>
-          <a:p>
-            <a:r>
-              <a:t>Challenges &amp; Trade-offs</a:t>
-            </a:r>
-          </a:p>
-        </p:txBody>
-      </p:sp>
-      <p:sp>
-        <p:nvSpPr>
-          <p:cNvPr id="3" name="Content Placeholder 2"/>
-          <p:cNvSpPr>
-            <a:spLocks noGrp="1"/>
-          </p:cNvSpPr>
-          <p:nvPr>
-            <p:ph idx="1"/>
-          </p:nvPr>
-        </p:nvSpPr>
-        <p:spPr/>
-        <p:txBody>
-          <a:bodyPr/>
-          <a:lstStyle/>
-          <a:p>
-            <a:r>
-              <a:rPr dirty="0"/>
-              <a:t>Serialization scrapped</a:t>
-            </a:r>
-            <a:r>
-              <a:rPr lang="en-US" dirty="0"/>
-              <a:t> </a:t>
-            </a:r>
-            <a:r>
-              <a:rPr dirty="0"/>
-              <a:t>to </a:t>
-            </a:r>
-            <a:r>
-              <a:rPr lang="en-US" dirty="0"/>
-              <a:t>maintain simplicity; suitable for future scope of the project</a:t>
-            </a:r>
-            <a:endParaRPr dirty="0"/>
-          </a:p>
-          <a:p>
-            <a:r>
-              <a:rPr dirty="0"/>
-              <a:t>Slot ID mapping removed </a:t>
-            </a:r>
-            <a:r>
-              <a:rPr lang="en-US" dirty="0"/>
-              <a:t>due to not being in current project scope; better for future scope of the project</a:t>
-            </a:r>
-            <a:endParaRPr dirty="0"/>
-          </a:p>
-          <a:p>
-            <a:r>
-              <a:rPr dirty="0"/>
-              <a:t>Focus kept on simplicity, maintainability, and clarity</a:t>
-            </a:r>
-          </a:p>
-        </p:txBody>
-      </p:sp>
-    </p:spTree>
-  </p:cSld>
-  <p:clrMapOvr>
-    <a:masterClrMapping/>
-  </p:clrMapOvr>
-</p:sld>
-</file>
-
-<file path=ppt/slides/slide14.xml><?xml version="1.0" encoding="utf-8"?>
-<p:sld xmlns:a="http://schemas.openxmlformats.org/drawingml/2006/main" xmlns:r="http://schemas.openxmlformats.org/officeDocument/2006/relationships" xmlns:p="http://schemas.openxmlformats.org/presentationml/2006/main">
-  <p:cSld>
-    <p:spTree>
-      <p:nvGrpSpPr>
-        <p:cNvPr id="1" name=""/>
-        <p:cNvGrpSpPr/>
-        <p:nvPr/>
-      </p:nvGrpSpPr>
-      <p:grpSpPr>
-        <a:xfrm>
-          <a:off x="0" y="0"/>
-          <a:ext cx="0" cy="0"/>
-          <a:chOff x="0" y="0"/>
-          <a:chExt cx="0" cy="0"/>
-        </a:xfrm>
-      </p:grpSpPr>
-      <p:sp>
-        <p:nvSpPr>
           <p:cNvPr id="2" name="Title 1">
             <a:extLst>
               <a:ext uri="{FF2B5EF4-FFF2-40B4-BE49-F238E27FC236}">
@@ -7065,7 +6570,7 @@
 </p:sld>
 </file>
 
-<file path=ppt/slides/slide15.xml><?xml version="1.0" encoding="utf-8"?>
+<file path=ppt/slides/slide12.xml><?xml version="1.0" encoding="utf-8"?>
 <p:sld xmlns:a="http://schemas.openxmlformats.org/drawingml/2006/main" xmlns:r="http://schemas.openxmlformats.org/officeDocument/2006/relationships" xmlns:p="http://schemas.openxmlformats.org/presentationml/2006/main">
   <p:cSld>
     <p:spTree>
@@ -7575,34 +7080,33 @@
             <p:ph idx="1"/>
           </p:nvPr>
         </p:nvSpPr>
-        <p:spPr/>
+        <p:spPr>
+          <a:xfrm>
+            <a:off x="982133" y="2177591"/>
+            <a:ext cx="7704667" cy="4091233"/>
+          </a:xfrm>
+        </p:spPr>
         <p:txBody>
           <a:bodyPr>
-            <a:normAutofit fontScale="92500"/>
+            <a:normAutofit fontScale="92500" lnSpcReduction="20000"/>
           </a:bodyPr>
           <a:lstStyle/>
           <a:p>
             <a:r>
               <a:rPr lang="en-US" dirty="0"/>
-              <a:t>User chooses total slot count at startup</a:t>
-            </a:r>
-          </a:p>
-          <a:p>
-            <a:r>
-              <a:rPr lang="en-US" dirty="0"/>
-              <a:t>Parking lot is divided 3-way into SMALL, LARGE, OVERSIZE (Extra slots go to OVERSIZE due to highest fallback)</a:t>
-            </a:r>
-          </a:p>
-          <a:p>
-            <a:r>
-              <a:rPr lang="en-US" dirty="0"/>
-              <a:t>User can choose to: Park, Remove, Show Status, or Exit</a:t>
-            </a:r>
-          </a:p>
-          <a:p>
-            <a:r>
-              <a:rPr lang="en-US" dirty="0"/>
-              <a:t>Park flow: vehicle number and vehicle size input </a:t>
+              <a:t>User sets total slots at start</a:t>
+            </a:r>
+          </a:p>
+          <a:p>
+            <a:r>
+              <a:rPr lang="en-US" dirty="0"/>
+              <a:t>Split into SMALL, LARGE, OVERSIZE (extras → OVERSIZE)</a:t>
+            </a:r>
+          </a:p>
+          <a:p>
+            <a:r>
+              <a:rPr lang="en-US" dirty="0"/>
+              <a:t>Park: Vehicle # + Size (1–3) </a:t>
             </a:r>
             <a:r>
               <a:rPr lang="en-US" dirty="0">
@@ -7612,17 +7116,78 @@
             </a:r>
             <a:r>
               <a:rPr lang="en-US" dirty="0"/>
-              <a:t> tries to find a valid slot</a:t>
-            </a:r>
-          </a:p>
-          <a:p>
-            <a:r>
-              <a:rPr lang="en-US" dirty="0"/>
-              <a:t>Remove flow: uses vehicle number to free up slot</a:t>
-            </a:r>
-          </a:p>
-          <a:p>
-            <a:endParaRPr lang="en-US" dirty="0"/>
+              <a:t> exact slot or larger fallback</a:t>
+            </a:r>
+          </a:p>
+          <a:p>
+            <a:r>
+              <a:rPr lang="en-US" dirty="0"/>
+              <a:t>Remove: Free slot via vehicle #</a:t>
+            </a:r>
+          </a:p>
+          <a:p>
+            <a:r>
+              <a:rPr lang="en-US" dirty="0"/>
+              <a:t>Show Status, Exit</a:t>
+            </a:r>
+          </a:p>
+          <a:p>
+            <a:r>
+              <a:rPr lang="en-US" dirty="0"/>
+              <a:t>Reject empty vehicle numbers</a:t>
+            </a:r>
+          </a:p>
+          <a:p>
+            <a:r>
+              <a:rPr lang="en-US" dirty="0"/>
+              <a:t>Clear success/failure messages</a:t>
+            </a:r>
+          </a:p>
+          <a:p>
+            <a:r>
+              <a:rPr lang="en-US" dirty="0"/>
+              <a:t>Logs go to file (</a:t>
+            </a:r>
+            <a:r>
+              <a:rPr lang="en-US" dirty="0" err="1"/>
+              <a:t>Logback</a:t>
+            </a:r>
+            <a:r>
+              <a:rPr lang="en-US" dirty="0"/>
+              <a:t>)</a:t>
+            </a:r>
+          </a:p>
+          <a:p>
+            <a:r>
+              <a:rPr lang="en-US" dirty="0"/>
+              <a:t>HashMap&lt;String, </a:t>
+            </a:r>
+            <a:r>
+              <a:rPr lang="en-US" dirty="0" err="1"/>
+              <a:t>SlotType</a:t>
+            </a:r>
+            <a:r>
+              <a:rPr lang="en-US" dirty="0"/>
+              <a:t>&gt; – fast removal</a:t>
+            </a:r>
+          </a:p>
+          <a:p>
+            <a:r>
+              <a:rPr lang="en-US" dirty="0" err="1"/>
+              <a:t>EnumMap</a:t>
+            </a:r>
+            <a:r>
+              <a:rPr lang="en-US" dirty="0"/>
+              <a:t>&lt;</a:t>
+            </a:r>
+            <a:r>
+              <a:rPr lang="en-US" dirty="0" err="1"/>
+              <a:t>SlotType</a:t>
+            </a:r>
+            <a:r>
+              <a:rPr lang="en-US" dirty="0"/>
+              <a:t>, Integer&gt; – slot tracking</a:t>
+            </a:r>
           </a:p>
         </p:txBody>
       </p:sp>
@@ -7658,13 +7223,7 @@
       </p:grpSpPr>
       <p:sp>
         <p:nvSpPr>
-          <p:cNvPr id="2" name="Title 1">
-            <a:extLst>
-              <a:ext uri="{FF2B5EF4-FFF2-40B4-BE49-F238E27FC236}">
-                <a16:creationId xmlns:a16="http://schemas.microsoft.com/office/drawing/2014/main" id="{96F6254C-4271-88D3-C5D3-592DE68D53FD}"/>
-              </a:ext>
-            </a:extLst>
-          </p:cNvPr>
+          <p:cNvPr id="2" name="Title 1"/>
           <p:cNvSpPr>
             <a:spLocks noGrp="1"/>
           </p:cNvSpPr>
@@ -7678,21 +7237,15 @@
           <a:lstStyle/>
           <a:p>
             <a:r>
-              <a:rPr lang="en-US" dirty="0"/>
-              <a:t>Demo &amp; Working</a:t>
-            </a:r>
-          </a:p>
-        </p:txBody>
-      </p:sp>
-      <p:sp>
-        <p:nvSpPr>
-          <p:cNvPr id="3" name="Content Placeholder 2">
-            <a:extLst>
-              <a:ext uri="{FF2B5EF4-FFF2-40B4-BE49-F238E27FC236}">
-                <a16:creationId xmlns:a16="http://schemas.microsoft.com/office/drawing/2014/main" id="{B1CCCCDD-0BC7-988F-E766-665A29463F55}"/>
-              </a:ext>
-            </a:extLst>
-          </p:cNvPr>
+              <a:rPr dirty="0"/>
+              <a:t>Key Features</a:t>
+            </a:r>
+          </a:p>
+        </p:txBody>
+      </p:sp>
+      <p:sp>
+        <p:nvSpPr>
+          <p:cNvPr id="3" name="Content Placeholder 2"/>
           <p:cNvSpPr>
             <a:spLocks noGrp="1"/>
           </p:cNvSpPr>
@@ -7702,54 +7255,109 @@
         </p:nvSpPr>
         <p:spPr/>
         <p:txBody>
-          <a:bodyPr/>
-          <a:lstStyle/>
-          <a:p>
-            <a:r>
-              <a:rPr lang="en-US" dirty="0"/>
-              <a:t>Vehicle number input by user (Any String)</a:t>
-            </a:r>
-          </a:p>
-          <a:p>
-            <a:r>
-              <a:rPr lang="en-US" dirty="0"/>
-              <a:t>Vehicle size input via integer menu (1=Small, 2=Large, 3=Oversize)</a:t>
-            </a:r>
-          </a:p>
-          <a:p>
-            <a:r>
-              <a:rPr lang="en-US" dirty="0"/>
-              <a:t>Null or empty vehicle numbers are rejected</a:t>
-            </a:r>
-          </a:p>
-          <a:p>
-            <a:r>
-              <a:rPr lang="en-US" dirty="0"/>
-              <a:t>Logs are recorded in file (via </a:t>
+          <a:bodyPr>
+            <a:normAutofit fontScale="85000" lnSpcReduction="20000"/>
+          </a:bodyPr>
+          <a:lstStyle/>
+          <a:p>
+            <a:r>
+              <a:rPr lang="en-US" dirty="0"/>
+              <a:t>Categorized Slot Management (SMALL, LARGE, OVERSIZE)</a:t>
+            </a:r>
+          </a:p>
+          <a:p>
+            <a:r>
+              <a:rPr lang="en-US" dirty="0"/>
+              <a:t>Fallback Parking Logic (parks in next larger slot if needed)</a:t>
+            </a:r>
+          </a:p>
+          <a:p>
+            <a:r>
+              <a:rPr lang="en-US" dirty="0"/>
+              <a:t>User-Friendly CLI (choice-based input loop)</a:t>
+            </a:r>
+          </a:p>
+          <a:p>
+            <a:r>
+              <a:rPr lang="en-US" dirty="0"/>
+              <a:t>Custom Exception Handling (</a:t>
             </a:r>
             <a:r>
               <a:rPr lang="en-US" dirty="0" err="1"/>
-              <a:t>logback</a:t>
-            </a:r>
-            <a:r>
-              <a:rPr lang="en-US" dirty="0"/>
-              <a:t>), not console</a:t>
-            </a:r>
-          </a:p>
-          <a:p>
-            <a:r>
-              <a:rPr lang="en-US" dirty="0"/>
-              <a:t>Graceful messages shown on success/failure</a:t>
+              <a:t>NoAvailableSlotException</a:t>
+            </a:r>
+            <a:r>
+              <a:rPr lang="en-US" dirty="0"/>
+              <a:t>, </a:t>
+            </a:r>
+            <a:r>
+              <a:rPr lang="en-US" dirty="0" err="1"/>
+              <a:t>VehicleNotFoundException</a:t>
+            </a:r>
+            <a:r>
+              <a:rPr lang="en-US" dirty="0"/>
+              <a:t>)</a:t>
+            </a:r>
+          </a:p>
+          <a:p>
+            <a:r>
+              <a:rPr lang="en-US" dirty="0"/>
+              <a:t>File-Based Logging with SLF4J + </a:t>
+            </a:r>
+            <a:r>
+              <a:rPr lang="en-US" dirty="0" err="1"/>
+              <a:t>Logback</a:t>
+            </a:r>
+            <a:r>
+              <a:rPr lang="en-US" dirty="0"/>
+              <a:t> (no </a:t>
+            </a:r>
+            <a:r>
+              <a:rPr lang="en-US" dirty="0" err="1"/>
+              <a:t>System.out.println</a:t>
+            </a:r>
+            <a:r>
+              <a:rPr lang="en-US" dirty="0"/>
+              <a:t>)</a:t>
+            </a:r>
+          </a:p>
+          <a:p>
+            <a:r>
+              <a:rPr lang="en-US" dirty="0"/>
+              <a:t>Code Quality Tools: </a:t>
+            </a:r>
+            <a:r>
+              <a:rPr lang="en-US" dirty="0" err="1"/>
+              <a:t>SpotBugs</a:t>
+            </a:r>
+            <a:r>
+              <a:rPr lang="en-US" dirty="0"/>
+              <a:t>, PMD, </a:t>
+            </a:r>
+            <a:r>
+              <a:rPr lang="en-US" dirty="0" err="1"/>
+              <a:t>Checkstyle</a:t>
+            </a:r>
+            <a:r>
+              <a:rPr lang="en-US" dirty="0"/>
+              <a:t> (via Maven)</a:t>
+            </a:r>
+          </a:p>
+          <a:p>
+            <a:r>
+              <a:rPr lang="en-US" dirty="0"/>
+              <a:t>JUnit 5 Unit Tests (covers edge and fallback cases)</a:t>
+            </a:r>
+          </a:p>
+          <a:p>
+            <a:r>
+              <a:rPr lang="en-US" dirty="0"/>
+              <a:t>Modular &amp; Testable Design (SRP-friendly structure)</a:t>
             </a:r>
           </a:p>
         </p:txBody>
       </p:sp>
     </p:spTree>
-    <p:extLst>
-      <p:ext uri="{BB962C8B-B14F-4D97-AF65-F5344CB8AC3E}">
-        <p14:creationId xmlns:p14="http://schemas.microsoft.com/office/powerpoint/2010/main" val="930982920"/>
-      </p:ext>
-    </p:extLst>
   </p:cSld>
   <p:clrMapOvr>
     <a:masterClrMapping/>
@@ -7790,7 +7398,7 @@
           <a:lstStyle/>
           <a:p>
             <a:r>
-              <a:t>Slot Allocation Strategy</a:t>
+              <a:t>Unit Testing Summary</a:t>
             </a:r>
           </a:p>
         </p:txBody>
@@ -7811,52 +7419,52 @@
           <a:lstStyle/>
           <a:p>
             <a:r>
+              <a:rPr lang="en-US" dirty="0"/>
+              <a:t>10</a:t>
+            </a:r>
+            <a:r>
               <a:rPr dirty="0"/>
-              <a:t>Exact size preferred</a:t>
+              <a:t> total unit tests</a:t>
             </a:r>
           </a:p>
           <a:p>
             <a:r>
               <a:rPr dirty="0"/>
-              <a:t>Fallback to larger size if exact slot unavailable</a:t>
-            </a:r>
-          </a:p>
-          <a:p>
+              <a:t>Tested </a:t>
+            </a:r>
+            <a:r>
+              <a:rPr lang="en-US" dirty="0"/>
+              <a:t>initialization, </a:t>
+            </a:r>
             <a:r>
               <a:rPr dirty="0"/>
-              <a:t>Never fallback to smaller size</a:t>
+              <a:t>parking, removal, overflow, duplication</a:t>
             </a:r>
           </a:p>
           <a:p>
             <a:r>
               <a:rPr dirty="0"/>
-              <a:t>HashMap&lt;String, </a:t>
-            </a:r>
-            <a:r>
-              <a:rPr dirty="0" err="1"/>
-              <a:t>SlotType</a:t>
-            </a:r>
+              <a:t>Verified slot count and internal map integrity</a:t>
+            </a:r>
+          </a:p>
+          <a:p>
             <a:r>
               <a:rPr dirty="0"/>
-              <a:t>&gt; used for quick removal</a:t>
-            </a:r>
-          </a:p>
-          <a:p>
-            <a:r>
-              <a:rPr dirty="0" err="1"/>
-              <a:t>EnumMap</a:t>
-            </a:r>
+              <a:t>Handled custom exceptions for failures</a:t>
+            </a:r>
+          </a:p>
+          <a:p>
             <a:r>
               <a:rPr dirty="0"/>
-              <a:t>&lt;</a:t>
-            </a:r>
-            <a:r>
-              <a:rPr dirty="0" err="1"/>
-              <a:t>SlotType</a:t>
+              <a:t>Visual test</a:t>
+            </a:r>
+            <a:r>
+              <a:rPr lang="en-US" dirty="0"/>
+              <a:t>ing </a:t>
             </a:r>
             <a:r>
               <a:rPr dirty="0"/>
-              <a:t>, Integer&gt; used for slot count tracking</a:t>
+              <a:t>for display status</a:t>
             </a:r>
           </a:p>
         </p:txBody>
@@ -7902,8 +7510,14 @@
           <a:lstStyle/>
           <a:p>
             <a:r>
-              <a:t>Key Features</a:t>
-            </a:r>
+              <a:rPr dirty="0"/>
+              <a:t>How to Run the </a:t>
+            </a:r>
+            <a:r>
+              <a:rPr lang="en-US" dirty="0"/>
+              <a:t>JAR File</a:t>
+            </a:r>
+            <a:endParaRPr dirty="0"/>
           </a:p>
         </p:txBody>
       </p:sp>
@@ -7920,52 +7534,75 @@
         <p:spPr/>
         <p:txBody>
           <a:bodyPr>
-            <a:normAutofit lnSpcReduction="10000"/>
+            <a:normAutofit fontScale="92500" lnSpcReduction="20000"/>
           </a:bodyPr>
           <a:lstStyle/>
           <a:p>
             <a:r>
               <a:rPr dirty="0"/>
-              <a:t>Categorized slot management (SMALL, LARGE, OVERSIZE)</a:t>
-            </a:r>
+              <a:t>Ensure Java 17+ is installed</a:t>
+            </a:r>
+            <a:endParaRPr lang="en-US" dirty="0"/>
+          </a:p>
+          <a:p>
+            <a:r>
+              <a:rPr lang="en-US" dirty="0"/>
+              <a:t>Find the JAR file in:</a:t>
+            </a:r>
+          </a:p>
+          <a:p>
+            <a:pPr marL="0" indent="0">
+              <a:buNone/>
+            </a:pPr>
+            <a:r>
+              <a:rPr lang="en-US" dirty="0"/>
+              <a:t>	</a:t>
+            </a:r>
+            <a:r>
+              <a:rPr lang="en-US" dirty="0" err="1"/>
+              <a:t>ParkingLotApp</a:t>
+            </a:r>
+            <a:r>
+              <a:rPr lang="en-US" dirty="0"/>
+              <a:t>/release/</a:t>
+            </a:r>
+          </a:p>
+          <a:p>
+            <a:r>
+              <a:rPr lang="en-US" dirty="0"/>
+              <a:t>Open Terminal or Command Prompt</a:t>
+            </a:r>
+          </a:p>
+          <a:p>
+            <a:r>
+              <a:rPr lang="en-US" dirty="0"/>
+              <a:t>Navigate to directory containing JAR file</a:t>
+            </a:r>
+            <a:endParaRPr dirty="0"/>
           </a:p>
           <a:p>
             <a:r>
               <a:rPr dirty="0"/>
-              <a:t>Fallback parking logic (to larger slot type)</a:t>
-            </a:r>
-          </a:p>
-          <a:p>
-            <a:r>
-              <a:rPr lang="en-US" dirty="0"/>
-              <a:t>Custom Exceptions and g</a:t>
+              <a:t>Run using command:</a:t>
+            </a:r>
+          </a:p>
+          <a:p>
+            <a:pPr marL="0" indent="0">
+              <a:buNone/>
+            </a:pPr>
+            <a:r>
+              <a:rPr lang="en-US" dirty="0"/>
+              <a:t>	</a:t>
             </a:r>
             <a:r>
               <a:rPr dirty="0"/>
-              <a:t>raceful error handling</a:t>
+              <a:t>java -jar ParkingLotApp-1.0-SNAPSHOT.jar</a:t>
             </a:r>
           </a:p>
           <a:p>
             <a:r>
               <a:rPr dirty="0"/>
-              <a:t>User-friendly CLI (choice-based loop)</a:t>
-            </a:r>
-          </a:p>
-          <a:p>
-            <a:r>
-              <a:rPr dirty="0"/>
-              <a:t>File-based logging with SLF4J + </a:t>
-            </a:r>
-            <a:r>
-              <a:rPr dirty="0" err="1"/>
-              <a:t>Logback</a:t>
-            </a:r>
-            <a:endParaRPr dirty="0"/>
-          </a:p>
-          <a:p>
-            <a:r>
-              <a:rPr dirty="0"/>
-              <a:t>Testable modular code</a:t>
+              <a:t>(No setup or IDE required)</a:t>
             </a:r>
           </a:p>
         </p:txBody>
@@ -7997,7 +7634,13 @@
       </p:grpSpPr>
       <p:sp>
         <p:nvSpPr>
-          <p:cNvPr id="2" name="Title 1"/>
+          <p:cNvPr id="2" name="Title 1">
+            <a:extLst>
+              <a:ext uri="{FF2B5EF4-FFF2-40B4-BE49-F238E27FC236}">
+                <a16:creationId xmlns:a16="http://schemas.microsoft.com/office/drawing/2014/main" id="{98FBBB9A-A34E-5E11-0250-179C927A2F6F}"/>
+              </a:ext>
+            </a:extLst>
+          </p:cNvPr>
           <p:cNvSpPr>
             <a:spLocks noGrp="1"/>
           </p:cNvSpPr>
@@ -8011,14 +7654,21 @@
           <a:lstStyle/>
           <a:p>
             <a:r>
-              <a:t>Extra Features Implemented</a:t>
-            </a:r>
-          </a:p>
-        </p:txBody>
-      </p:sp>
-      <p:sp>
-        <p:nvSpPr>
-          <p:cNvPr id="3" name="Content Placeholder 2"/>
+              <a:rPr lang="en-US" dirty="0"/>
+              <a:t>Run, Test &amp; Verify the Application</a:t>
+            </a:r>
+          </a:p>
+        </p:txBody>
+      </p:sp>
+      <p:sp>
+        <p:nvSpPr>
+          <p:cNvPr id="3" name="Content Placeholder 2">
+            <a:extLst>
+              <a:ext uri="{FF2B5EF4-FFF2-40B4-BE49-F238E27FC236}">
+                <a16:creationId xmlns:a16="http://schemas.microsoft.com/office/drawing/2014/main" id="{3EBE43FD-FCDF-52E3-6036-C7317E3F0120}"/>
+              </a:ext>
+            </a:extLst>
+          </p:cNvPr>
           <p:cNvSpPr>
             <a:spLocks noGrp="1"/>
           </p:cNvSpPr>
@@ -8029,69 +7679,177 @@
         <p:spPr/>
         <p:txBody>
           <a:bodyPr>
-            <a:normAutofit/>
+            <a:normAutofit fontScale="70000" lnSpcReduction="20000"/>
           </a:bodyPr>
           <a:lstStyle/>
           <a:p>
             <a:r>
-              <a:rPr dirty="0"/>
-              <a:t>Logging with SLF4J/</a:t>
-            </a:r>
-            <a:r>
-              <a:rPr dirty="0" err="1"/>
-              <a:t>Logback</a:t>
-            </a:r>
-            <a:endParaRPr dirty="0"/>
-          </a:p>
-          <a:p>
-            <a:r>
-              <a:rPr dirty="0"/>
-              <a:t>Code Quality Tools (</a:t>
-            </a:r>
-            <a:r>
-              <a:rPr dirty="0" err="1"/>
+              <a:rPr lang="en-US" dirty="0"/>
+              <a:t>Build and run (In terminal) :</a:t>
+            </a:r>
+          </a:p>
+          <a:p>
+            <a:pPr marL="0" indent="0">
+              <a:buNone/>
+            </a:pPr>
+            <a:r>
+              <a:rPr lang="en-US" dirty="0"/>
+              <a:t>	</a:t>
+            </a:r>
+            <a:r>
+              <a:rPr lang="en-US" dirty="0" err="1"/>
+              <a:t>mvn</a:t>
+            </a:r>
+            <a:r>
+              <a:rPr lang="en-US" dirty="0"/>
+              <a:t> clean install</a:t>
+            </a:r>
+          </a:p>
+          <a:p>
+            <a:pPr marL="0" indent="0">
+              <a:buNone/>
+            </a:pPr>
+            <a:r>
+              <a:rPr lang="en-US" dirty="0"/>
+              <a:t>	</a:t>
+            </a:r>
+            <a:r>
+              <a:rPr lang="en-US" dirty="0" err="1"/>
+              <a:t>mvn</a:t>
+            </a:r>
+            <a:r>
+              <a:rPr lang="en-US" dirty="0"/>
+              <a:t> </a:t>
+            </a:r>
+            <a:r>
+              <a:rPr lang="en-US" dirty="0" err="1"/>
+              <a:t>exec:java</a:t>
+            </a:r>
+            <a:r>
+              <a:rPr lang="en-US" dirty="0"/>
+              <a:t> -</a:t>
+            </a:r>
+            <a:r>
+              <a:rPr lang="en-US" dirty="0" err="1"/>
+              <a:t>Dexec.mainClass</a:t>
+            </a:r>
+            <a:r>
+              <a:rPr lang="en-US" dirty="0"/>
+              <a:t>="</a:t>
+            </a:r>
+            <a:r>
+              <a:rPr lang="en-US" dirty="0" err="1"/>
+              <a:t>com.parkinglot.Main</a:t>
+            </a:r>
+            <a:r>
+              <a:rPr lang="en-US" dirty="0"/>
+              <a:t>"</a:t>
+            </a:r>
+          </a:p>
+          <a:p>
+            <a:r>
+              <a:rPr lang="en-US" dirty="0"/>
+              <a:t>Alternatively, if `</a:t>
+            </a:r>
+            <a:r>
+              <a:rPr lang="en-US" dirty="0" err="1"/>
+              <a:t>mainClass</a:t>
+            </a:r>
+            <a:r>
+              <a:rPr lang="en-US" dirty="0"/>
+              <a:t>` is configured in `pom.xml` for `exec-maven-plugin`:</a:t>
+            </a:r>
+          </a:p>
+          <a:p>
+            <a:pPr marL="0" indent="0">
+              <a:buNone/>
+            </a:pPr>
+            <a:r>
+              <a:rPr lang="en-US" dirty="0"/>
+              <a:t>	</a:t>
+            </a:r>
+            <a:r>
+              <a:rPr lang="en-US" dirty="0" err="1"/>
+              <a:t>mvn</a:t>
+            </a:r>
+            <a:r>
+              <a:rPr lang="en-US" dirty="0"/>
+              <a:t> clean install</a:t>
+            </a:r>
+          </a:p>
+          <a:p>
+            <a:pPr marL="0" indent="0">
+              <a:buNone/>
+            </a:pPr>
+            <a:r>
+              <a:rPr lang="en-US" dirty="0"/>
+              <a:t>	</a:t>
+            </a:r>
+            <a:r>
+              <a:rPr lang="en-US" dirty="0" err="1"/>
+              <a:t>mvn</a:t>
+            </a:r>
+            <a:r>
+              <a:rPr lang="en-US" dirty="0"/>
+              <a:t> </a:t>
+            </a:r>
+            <a:r>
+              <a:rPr lang="en-US" dirty="0" err="1"/>
+              <a:t>exec:java</a:t>
+            </a:r>
+            <a:endParaRPr lang="en-US" dirty="0"/>
+          </a:p>
+          <a:p>
+            <a:r>
+              <a:rPr lang="en-US" dirty="0"/>
+              <a:t>Ensure `exec-maven-plugin` is configured in `pom.xml`.</a:t>
+            </a:r>
+          </a:p>
+          <a:p>
+            <a:r>
+              <a:rPr lang="en-US" dirty="0"/>
+              <a:t>Run all unit tests:</a:t>
+            </a:r>
+          </a:p>
+          <a:p>
+            <a:pPr marL="0" indent="0">
+              <a:buNone/>
+            </a:pPr>
+            <a:r>
+              <a:rPr lang="en-US" dirty="0"/>
+              <a:t>	</a:t>
+            </a:r>
+            <a:r>
+              <a:rPr lang="en-US" dirty="0" err="1"/>
+              <a:t>mvn</a:t>
+            </a:r>
+            <a:r>
+              <a:rPr lang="en-US" dirty="0"/>
+              <a:t> test</a:t>
+            </a:r>
+          </a:p>
+          <a:p>
+            <a:r>
+              <a:rPr lang="en-US" dirty="0"/>
+              <a:t>Bug-check: </a:t>
+            </a:r>
+            <a:r>
+              <a:rPr lang="en-US" dirty="0" err="1"/>
               <a:t>SpotBugs</a:t>
             </a:r>
             <a:r>
-              <a:rPr dirty="0"/>
-              <a:t>, PMD, </a:t>
-            </a:r>
-            <a:r>
-              <a:rPr dirty="0" err="1"/>
-              <a:t>Checkstyle</a:t>
-            </a:r>
-            <a:r>
-              <a:rPr dirty="0"/>
-              <a:t>)</a:t>
-            </a:r>
-          </a:p>
-          <a:p>
-            <a:r>
-              <a:rPr dirty="0"/>
-              <a:t>JUnit 5 Unit Tests</a:t>
-            </a:r>
-          </a:p>
-          <a:p>
-            <a:r>
-              <a:rPr dirty="0"/>
-              <a:t>Custom Exception Handling</a:t>
-            </a:r>
-          </a:p>
-          <a:p>
-            <a:r>
-              <a:rPr dirty="0"/>
-              <a:t>CLI with User Choice Flow</a:t>
-            </a:r>
-          </a:p>
-          <a:p>
-            <a:r>
-              <a:rPr dirty="0"/>
-              <a:t>Slot Allocation Strategy</a:t>
+              <a:rPr lang="en-US" dirty="0"/>
+              <a:t> plugin integrated</a:t>
             </a:r>
           </a:p>
         </p:txBody>
       </p:sp>
     </p:spTree>
+    <p:extLst>
+      <p:ext uri="{BB962C8B-B14F-4D97-AF65-F5344CB8AC3E}">
+        <p14:creationId xmlns:p14="http://schemas.microsoft.com/office/powerpoint/2010/main" val="311964766"/>
+      </p:ext>
+    </p:extLst>
   </p:cSld>
   <p:clrMapOvr>
     <a:masterClrMapping/>
